--- a/tkde-revision/fig/figures.pptx
+++ b/tkde-revision/fig/figures.pptx
@@ -4,8 +4,11 @@
   <p:sldMasterIdLst>
     <p:sldMasterId id="2147483648" r:id="rId1"/>
   </p:sldMasterIdLst>
+  <p:notesMasterIdLst>
+    <p:notesMasterId r:id="rId11"/>
+  </p:notesMasterIdLst>
   <p:handoutMasterIdLst>
-    <p:handoutMasterId r:id="rId8"/>
+    <p:handoutMasterId r:id="rId12"/>
   </p:handoutMasterIdLst>
   <p:sldIdLst>
     <p:sldId id="256" r:id="rId2"/>
@@ -14,6 +17,9 @@
     <p:sldId id="259" r:id="rId5"/>
     <p:sldId id="260" r:id="rId6"/>
     <p:sldId id="261" r:id="rId7"/>
+    <p:sldId id="262" r:id="rId8"/>
+    <p:sldId id="264" r:id="rId9"/>
+    <p:sldId id="263" r:id="rId10"/>
   </p:sldIdLst>
   <p:sldSz cx="12192000" cy="6858000"/>
   <p:notesSz cx="7315200" cy="9601200"/>
@@ -202,7 +208,7 @@
           <a:p>
             <a:fld id="{0349BD9D-4300-464C-B7F9-34ECBF4C094B}" type="datetimeFigureOut">
               <a:rPr lang="en-SG" smtClean="0"/>
-              <a:t>23/4/2019</a:t>
+              <a:t>20/6/19</a:t>
             </a:fld>
             <a:endParaRPr lang="en-SG"/>
           </a:p>
@@ -283,6 +289,356 @@
   </p:cSld>
   <p:clrMap bg1="lt1" tx1="dk1" bg2="lt2" tx2="dk2" accent1="accent1" accent2="accent2" accent3="accent3" accent4="accent4" accent5="accent5" accent6="accent6" hlink="hlink" folHlink="folHlink"/>
 </p:handoutMaster>
+</file>
+
+<file path=ppt/notesMasters/notesMaster1.xml><?xml version="1.0" encoding="utf-8"?>
+<p:notesMaster xmlns:a="http://schemas.openxmlformats.org/drawingml/2006/main" xmlns:r="http://schemas.openxmlformats.org/officeDocument/2006/relationships" xmlns:p="http://schemas.openxmlformats.org/presentationml/2006/main">
+  <p:cSld>
+    <p:bg>
+      <p:bgRef idx="1001">
+        <a:schemeClr val="bg1"/>
+      </p:bgRef>
+    </p:bg>
+    <p:spTree>
+      <p:nvGrpSpPr>
+        <p:cNvPr id="1" name=""/>
+        <p:cNvGrpSpPr/>
+        <p:nvPr/>
+      </p:nvGrpSpPr>
+      <p:grpSpPr>
+        <a:xfrm>
+          <a:off x="0" y="0"/>
+          <a:ext cx="0" cy="0"/>
+          <a:chOff x="0" y="0"/>
+          <a:chExt cx="0" cy="0"/>
+        </a:xfrm>
+      </p:grpSpPr>
+      <p:sp>
+        <p:nvSpPr>
+          <p:cNvPr id="2" name="页眉占位符 1"/>
+          <p:cNvSpPr>
+            <a:spLocks noGrp="1"/>
+          </p:cNvSpPr>
+          <p:nvPr>
+            <p:ph type="hdr" sz="quarter"/>
+          </p:nvPr>
+        </p:nvSpPr>
+        <p:spPr>
+          <a:xfrm>
+            <a:off x="0" y="0"/>
+            <a:ext cx="3170238" cy="481013"/>
+          </a:xfrm>
+          <a:prstGeom prst="rect">
+            <a:avLst/>
+          </a:prstGeom>
+        </p:spPr>
+        <p:txBody>
+          <a:bodyPr vert="horz" lIns="91440" tIns="45720" rIns="91440" bIns="45720" rtlCol="0"/>
+          <a:lstStyle>
+            <a:lvl1pPr algn="l">
+              <a:defRPr sz="1200"/>
+            </a:lvl1pPr>
+          </a:lstStyle>
+          <a:p>
+            <a:endParaRPr kumimoji="1" lang="zh-CN" altLang="en-US"/>
+          </a:p>
+        </p:txBody>
+      </p:sp>
+      <p:sp>
+        <p:nvSpPr>
+          <p:cNvPr id="3" name="日期占位符 2"/>
+          <p:cNvSpPr>
+            <a:spLocks noGrp="1"/>
+          </p:cNvSpPr>
+          <p:nvPr>
+            <p:ph type="dt" idx="1"/>
+          </p:nvPr>
+        </p:nvSpPr>
+        <p:spPr>
+          <a:xfrm>
+            <a:off x="4143375" y="0"/>
+            <a:ext cx="3170238" cy="481013"/>
+          </a:xfrm>
+          <a:prstGeom prst="rect">
+            <a:avLst/>
+          </a:prstGeom>
+        </p:spPr>
+        <p:txBody>
+          <a:bodyPr vert="horz" lIns="91440" tIns="45720" rIns="91440" bIns="45720" rtlCol="0"/>
+          <a:lstStyle>
+            <a:lvl1pPr algn="r">
+              <a:defRPr sz="1200"/>
+            </a:lvl1pPr>
+          </a:lstStyle>
+          <a:p>
+            <a:fld id="{31013FFD-1DAF-8848-87EA-F670F8C6A840}" type="datetimeFigureOut">
+              <a:rPr kumimoji="1" lang="zh-CN" altLang="en-US" smtClean="0"/>
+              <a:t>2019/6/20</a:t>
+            </a:fld>
+            <a:endParaRPr kumimoji="1" lang="zh-CN" altLang="en-US"/>
+          </a:p>
+        </p:txBody>
+      </p:sp>
+      <p:sp>
+        <p:nvSpPr>
+          <p:cNvPr id="4" name="幻灯片图像占位符 3"/>
+          <p:cNvSpPr>
+            <a:spLocks noGrp="1" noRot="1" noChangeAspect="1"/>
+          </p:cNvSpPr>
+          <p:nvPr>
+            <p:ph type="sldImg" idx="2"/>
+          </p:nvPr>
+        </p:nvSpPr>
+        <p:spPr>
+          <a:xfrm>
+            <a:off x="777875" y="1200150"/>
+            <a:ext cx="5759450" cy="3240088"/>
+          </a:xfrm>
+          <a:prstGeom prst="rect">
+            <a:avLst/>
+          </a:prstGeom>
+          <a:noFill/>
+          <a:ln w="12700">
+            <a:solidFill>
+              <a:prstClr val="black"/>
+            </a:solidFill>
+          </a:ln>
+        </p:spPr>
+        <p:txBody>
+          <a:bodyPr vert="horz" lIns="91440" tIns="45720" rIns="91440" bIns="45720" rtlCol="0" anchor="ctr"/>
+          <a:lstStyle/>
+          <a:p>
+            <a:endParaRPr lang="zh-CN" altLang="en-US"/>
+          </a:p>
+        </p:txBody>
+      </p:sp>
+      <p:sp>
+        <p:nvSpPr>
+          <p:cNvPr id="5" name="备注占位符 4"/>
+          <p:cNvSpPr>
+            <a:spLocks noGrp="1"/>
+          </p:cNvSpPr>
+          <p:nvPr>
+            <p:ph type="body" sz="quarter" idx="3"/>
+          </p:nvPr>
+        </p:nvSpPr>
+        <p:spPr>
+          <a:xfrm>
+            <a:off x="731838" y="4621213"/>
+            <a:ext cx="5851525" cy="3779837"/>
+          </a:xfrm>
+          <a:prstGeom prst="rect">
+            <a:avLst/>
+          </a:prstGeom>
+        </p:spPr>
+        <p:txBody>
+          <a:bodyPr vert="horz" lIns="91440" tIns="45720" rIns="91440" bIns="45720" rtlCol="0"/>
+          <a:lstStyle/>
+          <a:p>
+            <a:pPr lvl="0"/>
+            <a:r>
+              <a:rPr kumimoji="1" lang="zh-CN" altLang="en-US" smtClean="0"/>
+              <a:t>单击此处编辑母版文本样式</a:t>
+            </a:r>
+          </a:p>
+          <a:p>
+            <a:pPr lvl="1"/>
+            <a:r>
+              <a:rPr kumimoji="1" lang="zh-CN" altLang="en-US" smtClean="0"/>
+              <a:t>二级</a:t>
+            </a:r>
+          </a:p>
+          <a:p>
+            <a:pPr lvl="2"/>
+            <a:r>
+              <a:rPr kumimoji="1" lang="zh-CN" altLang="en-US" smtClean="0"/>
+              <a:t>三级</a:t>
+            </a:r>
+          </a:p>
+          <a:p>
+            <a:pPr lvl="3"/>
+            <a:r>
+              <a:rPr kumimoji="1" lang="zh-CN" altLang="en-US" smtClean="0"/>
+              <a:t>四级</a:t>
+            </a:r>
+          </a:p>
+          <a:p>
+            <a:pPr lvl="4"/>
+            <a:r>
+              <a:rPr kumimoji="1" lang="zh-CN" altLang="en-US" smtClean="0"/>
+              <a:t>五级</a:t>
+            </a:r>
+            <a:endParaRPr kumimoji="1" lang="zh-CN" altLang="en-US"/>
+          </a:p>
+        </p:txBody>
+      </p:sp>
+      <p:sp>
+        <p:nvSpPr>
+          <p:cNvPr id="6" name="页脚占位符 5"/>
+          <p:cNvSpPr>
+            <a:spLocks noGrp="1"/>
+          </p:cNvSpPr>
+          <p:nvPr>
+            <p:ph type="ftr" sz="quarter" idx="4"/>
+          </p:nvPr>
+        </p:nvSpPr>
+        <p:spPr>
+          <a:xfrm>
+            <a:off x="0" y="9120188"/>
+            <a:ext cx="3170238" cy="481012"/>
+          </a:xfrm>
+          <a:prstGeom prst="rect">
+            <a:avLst/>
+          </a:prstGeom>
+        </p:spPr>
+        <p:txBody>
+          <a:bodyPr vert="horz" lIns="91440" tIns="45720" rIns="91440" bIns="45720" rtlCol="0" anchor="b"/>
+          <a:lstStyle>
+            <a:lvl1pPr algn="l">
+              <a:defRPr sz="1200"/>
+            </a:lvl1pPr>
+          </a:lstStyle>
+          <a:p>
+            <a:endParaRPr kumimoji="1" lang="zh-CN" altLang="en-US"/>
+          </a:p>
+        </p:txBody>
+      </p:sp>
+      <p:sp>
+        <p:nvSpPr>
+          <p:cNvPr id="7" name="幻灯片编号占位符 6"/>
+          <p:cNvSpPr>
+            <a:spLocks noGrp="1"/>
+          </p:cNvSpPr>
+          <p:nvPr>
+            <p:ph type="sldNum" sz="quarter" idx="5"/>
+          </p:nvPr>
+        </p:nvSpPr>
+        <p:spPr>
+          <a:xfrm>
+            <a:off x="4143375" y="9120188"/>
+            <a:ext cx="3170238" cy="481012"/>
+          </a:xfrm>
+          <a:prstGeom prst="rect">
+            <a:avLst/>
+          </a:prstGeom>
+        </p:spPr>
+        <p:txBody>
+          <a:bodyPr vert="horz" lIns="91440" tIns="45720" rIns="91440" bIns="45720" rtlCol="0" anchor="b"/>
+          <a:lstStyle>
+            <a:lvl1pPr algn="r">
+              <a:defRPr sz="1200"/>
+            </a:lvl1pPr>
+          </a:lstStyle>
+          <a:p>
+            <a:fld id="{BF11C39B-901F-D145-BE17-C613C01F90C9}" type="slidenum">
+              <a:rPr kumimoji="1" lang="zh-CN" altLang="en-US" smtClean="0"/>
+              <a:t>‹#›</a:t>
+            </a:fld>
+            <a:endParaRPr kumimoji="1" lang="zh-CN" altLang="en-US"/>
+          </a:p>
+        </p:txBody>
+      </p:sp>
+    </p:spTree>
+    <p:extLst>
+      <p:ext uri="{BB962C8B-B14F-4D97-AF65-F5344CB8AC3E}">
+        <p14:creationId xmlns:p14="http://schemas.microsoft.com/office/powerpoint/2010/main" val="1993747488"/>
+      </p:ext>
+    </p:extLst>
+  </p:cSld>
+  <p:clrMap bg1="lt1" tx1="dk1" bg2="lt2" tx2="dk2" accent1="accent1" accent2="accent2" accent3="accent3" accent4="accent4" accent5="accent5" accent6="accent6" hlink="hlink" folHlink="folHlink"/>
+  <p:notesStyle>
+    <a:lvl1pPr marL="0" algn="l" defTabSz="914400" rtl="0" eaLnBrk="1" latinLnBrk="0" hangingPunct="1">
+      <a:defRPr sz="1200" kern="1200">
+        <a:solidFill>
+          <a:schemeClr val="tx1"/>
+        </a:solidFill>
+        <a:latin typeface="+mn-lt"/>
+        <a:ea typeface="+mn-ea"/>
+        <a:cs typeface="+mn-cs"/>
+      </a:defRPr>
+    </a:lvl1pPr>
+    <a:lvl2pPr marL="457200" algn="l" defTabSz="914400" rtl="0" eaLnBrk="1" latinLnBrk="0" hangingPunct="1">
+      <a:defRPr sz="1200" kern="1200">
+        <a:solidFill>
+          <a:schemeClr val="tx1"/>
+        </a:solidFill>
+        <a:latin typeface="+mn-lt"/>
+        <a:ea typeface="+mn-ea"/>
+        <a:cs typeface="+mn-cs"/>
+      </a:defRPr>
+    </a:lvl2pPr>
+    <a:lvl3pPr marL="914400" algn="l" defTabSz="914400" rtl="0" eaLnBrk="1" latinLnBrk="0" hangingPunct="1">
+      <a:defRPr sz="1200" kern="1200">
+        <a:solidFill>
+          <a:schemeClr val="tx1"/>
+        </a:solidFill>
+        <a:latin typeface="+mn-lt"/>
+        <a:ea typeface="+mn-ea"/>
+        <a:cs typeface="+mn-cs"/>
+      </a:defRPr>
+    </a:lvl3pPr>
+    <a:lvl4pPr marL="1371600" algn="l" defTabSz="914400" rtl="0" eaLnBrk="1" latinLnBrk="0" hangingPunct="1">
+      <a:defRPr sz="1200" kern="1200">
+        <a:solidFill>
+          <a:schemeClr val="tx1"/>
+        </a:solidFill>
+        <a:latin typeface="+mn-lt"/>
+        <a:ea typeface="+mn-ea"/>
+        <a:cs typeface="+mn-cs"/>
+      </a:defRPr>
+    </a:lvl4pPr>
+    <a:lvl5pPr marL="1828800" algn="l" defTabSz="914400" rtl="0" eaLnBrk="1" latinLnBrk="0" hangingPunct="1">
+      <a:defRPr sz="1200" kern="1200">
+        <a:solidFill>
+          <a:schemeClr val="tx1"/>
+        </a:solidFill>
+        <a:latin typeface="+mn-lt"/>
+        <a:ea typeface="+mn-ea"/>
+        <a:cs typeface="+mn-cs"/>
+      </a:defRPr>
+    </a:lvl5pPr>
+    <a:lvl6pPr marL="2286000" algn="l" defTabSz="914400" rtl="0" eaLnBrk="1" latinLnBrk="0" hangingPunct="1">
+      <a:defRPr sz="1200" kern="1200">
+        <a:solidFill>
+          <a:schemeClr val="tx1"/>
+        </a:solidFill>
+        <a:latin typeface="+mn-lt"/>
+        <a:ea typeface="+mn-ea"/>
+        <a:cs typeface="+mn-cs"/>
+      </a:defRPr>
+    </a:lvl6pPr>
+    <a:lvl7pPr marL="2743200" algn="l" defTabSz="914400" rtl="0" eaLnBrk="1" latinLnBrk="0" hangingPunct="1">
+      <a:defRPr sz="1200" kern="1200">
+        <a:solidFill>
+          <a:schemeClr val="tx1"/>
+        </a:solidFill>
+        <a:latin typeface="+mn-lt"/>
+        <a:ea typeface="+mn-ea"/>
+        <a:cs typeface="+mn-cs"/>
+      </a:defRPr>
+    </a:lvl7pPr>
+    <a:lvl8pPr marL="3200400" algn="l" defTabSz="914400" rtl="0" eaLnBrk="1" latinLnBrk="0" hangingPunct="1">
+      <a:defRPr sz="1200" kern="1200">
+        <a:solidFill>
+          <a:schemeClr val="tx1"/>
+        </a:solidFill>
+        <a:latin typeface="+mn-lt"/>
+        <a:ea typeface="+mn-ea"/>
+        <a:cs typeface="+mn-cs"/>
+      </a:defRPr>
+    </a:lvl8pPr>
+    <a:lvl9pPr marL="3657600" algn="l" defTabSz="914400" rtl="0" eaLnBrk="1" latinLnBrk="0" hangingPunct="1">
+      <a:defRPr sz="1200" kern="1200">
+        <a:solidFill>
+          <a:schemeClr val="tx1"/>
+        </a:solidFill>
+        <a:latin typeface="+mn-lt"/>
+        <a:ea typeface="+mn-ea"/>
+        <a:cs typeface="+mn-cs"/>
+      </a:defRPr>
+    </a:lvl9pPr>
+  </p:notesStyle>
+</p:notesMaster>
 </file>
 
 <file path=ppt/slideLayouts/slideLayout1.xml><?xml version="1.0" encoding="utf-8"?>
@@ -416,7 +772,7 @@
           <a:p>
             <a:fld id="{57E633AF-AADE-4157-966D-1D6DDCF97E88}" type="datetimeFigureOut">
               <a:rPr lang="en-SG" smtClean="0"/>
-              <a:t>23/4/2019</a:t>
+              <a:t>20/6/19</a:t>
             </a:fld>
             <a:endParaRPr lang="en-SG"/>
           </a:p>
@@ -586,7 +942,7 @@
           <a:p>
             <a:fld id="{57E633AF-AADE-4157-966D-1D6DDCF97E88}" type="datetimeFigureOut">
               <a:rPr lang="en-SG" smtClean="0"/>
-              <a:t>23/4/2019</a:t>
+              <a:t>20/6/19</a:t>
             </a:fld>
             <a:endParaRPr lang="en-SG"/>
           </a:p>
@@ -766,7 +1122,7 @@
           <a:p>
             <a:fld id="{57E633AF-AADE-4157-966D-1D6DDCF97E88}" type="datetimeFigureOut">
               <a:rPr lang="en-SG" smtClean="0"/>
-              <a:t>23/4/2019</a:t>
+              <a:t>20/6/19</a:t>
             </a:fld>
             <a:endParaRPr lang="en-SG"/>
           </a:p>
@@ -936,7 +1292,7 @@
           <a:p>
             <a:fld id="{57E633AF-AADE-4157-966D-1D6DDCF97E88}" type="datetimeFigureOut">
               <a:rPr lang="en-SG" smtClean="0"/>
-              <a:t>23/4/2019</a:t>
+              <a:t>20/6/19</a:t>
             </a:fld>
             <a:endParaRPr lang="en-SG"/>
           </a:p>
@@ -1182,7 +1538,7 @@
           <a:p>
             <a:fld id="{57E633AF-AADE-4157-966D-1D6DDCF97E88}" type="datetimeFigureOut">
               <a:rPr lang="en-SG" smtClean="0"/>
-              <a:t>23/4/2019</a:t>
+              <a:t>20/6/19</a:t>
             </a:fld>
             <a:endParaRPr lang="en-SG"/>
           </a:p>
@@ -1414,7 +1770,7 @@
           <a:p>
             <a:fld id="{57E633AF-AADE-4157-966D-1D6DDCF97E88}" type="datetimeFigureOut">
               <a:rPr lang="en-SG" smtClean="0"/>
-              <a:t>23/4/2019</a:t>
+              <a:t>20/6/19</a:t>
             </a:fld>
             <a:endParaRPr lang="en-SG"/>
           </a:p>
@@ -1781,7 +2137,7 @@
           <a:p>
             <a:fld id="{57E633AF-AADE-4157-966D-1D6DDCF97E88}" type="datetimeFigureOut">
               <a:rPr lang="en-SG" smtClean="0"/>
-              <a:t>23/4/2019</a:t>
+              <a:t>20/6/19</a:t>
             </a:fld>
             <a:endParaRPr lang="en-SG"/>
           </a:p>
@@ -1899,7 +2255,7 @@
           <a:p>
             <a:fld id="{57E633AF-AADE-4157-966D-1D6DDCF97E88}" type="datetimeFigureOut">
               <a:rPr lang="en-SG" smtClean="0"/>
-              <a:t>23/4/2019</a:t>
+              <a:t>20/6/19</a:t>
             </a:fld>
             <a:endParaRPr lang="en-SG"/>
           </a:p>
@@ -1994,7 +2350,7 @@
           <a:p>
             <a:fld id="{57E633AF-AADE-4157-966D-1D6DDCF97E88}" type="datetimeFigureOut">
               <a:rPr lang="en-SG" smtClean="0"/>
-              <a:t>23/4/2019</a:t>
+              <a:t>20/6/19</a:t>
             </a:fld>
             <a:endParaRPr lang="en-SG"/>
           </a:p>
@@ -2271,7 +2627,7 @@
           <a:p>
             <a:fld id="{57E633AF-AADE-4157-966D-1D6DDCF97E88}" type="datetimeFigureOut">
               <a:rPr lang="en-SG" smtClean="0"/>
-              <a:t>23/4/2019</a:t>
+              <a:t>20/6/19</a:t>
             </a:fld>
             <a:endParaRPr lang="en-SG"/>
           </a:p>
@@ -2524,7 +2880,7 @@
           <a:p>
             <a:fld id="{57E633AF-AADE-4157-966D-1D6DDCF97E88}" type="datetimeFigureOut">
               <a:rPr lang="en-SG" smtClean="0"/>
-              <a:t>23/4/2019</a:t>
+              <a:t>20/6/19</a:t>
             </a:fld>
             <a:endParaRPr lang="en-SG"/>
           </a:p>
@@ -2737,7 +3093,7 @@
           <a:p>
             <a:fld id="{57E633AF-AADE-4157-966D-1D6DDCF97E88}" type="datetimeFigureOut">
               <a:rPr lang="en-SG" smtClean="0"/>
-              <a:t>23/4/2019</a:t>
+              <a:t>20/6/19</a:t>
             </a:fld>
             <a:endParaRPr lang="en-SG"/>
           </a:p>
@@ -8496,7 +8852,7 @@
                         <m:sSubSupPr>
                           <m:ctrlPr>
                             <a:rPr lang="en-US" sz="1400" b="1" i="1" smtClean="0">
-                              <a:latin typeface="Cambria Math" panose="02040503050406030204" pitchFamily="18" charset="0"/>
+                              <a:latin typeface="Cambria Math" charset="0"/>
                             </a:rPr>
                           </m:ctrlPr>
                         </m:sSubSupPr>
@@ -8625,7 +8981,7 @@
                         <m:sSubSupPr>
                           <m:ctrlPr>
                             <a:rPr lang="en-US" sz="1400" b="1" i="1" smtClean="0">
-                              <a:latin typeface="Cambria Math" panose="02040503050406030204" pitchFamily="18" charset="0"/>
+                              <a:latin typeface="Cambria Math" charset="0"/>
                             </a:rPr>
                           </m:ctrlPr>
                         </m:sSubSupPr>
@@ -8984,7 +9340,7 @@
                       <m:sSupPr>
                         <m:ctrlPr>
                           <a:rPr lang="en-US" b="1" i="1" smtClean="0">
-                            <a:latin typeface="Cambria Math" panose="02040503050406030204" pitchFamily="18" charset="0"/>
+                            <a:latin typeface="Cambria Math" charset="0"/>
                           </a:rPr>
                         </m:ctrlPr>
                       </m:sSupPr>
@@ -10239,7 +10595,7 @@
                       <m:sSupPr>
                         <m:ctrlPr>
                           <a:rPr lang="en-US" b="1" i="1" smtClean="0">
-                            <a:latin typeface="Cambria Math" panose="02040503050406030204" pitchFamily="18" charset="0"/>
+                            <a:latin typeface="Cambria Math" charset="0"/>
                           </a:rPr>
                         </m:ctrlPr>
                       </m:sSupPr>
@@ -10306,8 +10662,8 @@
           </p:sp>
         </mc:Fallback>
       </mc:AlternateContent>
-      <mc:AlternateContent xmlns:mc="http://schemas.openxmlformats.org/markup-compatibility/2006">
-        <mc:Choice xmlns:a14="http://schemas.microsoft.com/office/drawing/2010/main" Requires="a14">
+      <mc:AlternateContent xmlns:mc="http://schemas.openxmlformats.org/markup-compatibility/2006" xmlns:a14="http://schemas.microsoft.com/office/drawing/2010/main">
+        <mc:Choice Requires="a14">
           <p:sp>
             <p:nvSpPr>
               <p:cNvPr id="53" name="TextBox 52"/>
@@ -10341,7 +10697,7 @@
                       <m:sSupPr>
                         <m:ctrlPr>
                           <a:rPr lang="en-US" b="1" i="1" smtClean="0">
-                            <a:latin typeface="Cambria Math" panose="02040503050406030204" pitchFamily="18" charset="0"/>
+                            <a:latin typeface="Cambria Math" charset="0"/>
                           </a:rPr>
                         </m:ctrlPr>
                       </m:sSupPr>
@@ -10369,7 +10725,7 @@
             </p:txBody>
           </p:sp>
         </mc:Choice>
-        <mc:Fallback>
+        <mc:Fallback xmlns="">
           <p:sp>
             <p:nvSpPr>
               <p:cNvPr id="53" name="TextBox 52"/>
@@ -12757,7 +13113,7 @@
                       <m:sSupPr>
                         <m:ctrlPr>
                           <a:rPr lang="en-US" b="1" i="1" smtClean="0">
-                            <a:latin typeface="Cambria Math" panose="02040503050406030204" pitchFamily="18" charset="0"/>
+                            <a:latin typeface="Cambria Math" charset="0"/>
                           </a:rPr>
                         </m:ctrlPr>
                       </m:sSupPr>
@@ -13381,6 +13737,4483 @@
     <p:extLst>
       <p:ext uri="{BB962C8B-B14F-4D97-AF65-F5344CB8AC3E}">
         <p14:creationId xmlns:p14="http://schemas.microsoft.com/office/powerpoint/2010/main" val="4167790843"/>
+      </p:ext>
+    </p:extLst>
+  </p:cSld>
+  <p:clrMapOvr>
+    <a:masterClrMapping/>
+  </p:clrMapOvr>
+  <p:timing>
+    <p:tnLst>
+      <p:par>
+        <p:cTn id="1" dur="indefinite" restart="never" nodeType="tmRoot"/>
+      </p:par>
+    </p:tnLst>
+  </p:timing>
+</p:sld>
+</file>
+
+<file path=ppt/slides/slide7.xml><?xml version="1.0" encoding="utf-8"?>
+<p:sld xmlns:a="http://schemas.openxmlformats.org/drawingml/2006/main" xmlns:r="http://schemas.openxmlformats.org/officeDocument/2006/relationships" xmlns:p="http://schemas.openxmlformats.org/presentationml/2006/main">
+  <p:cSld>
+    <p:spTree>
+      <p:nvGrpSpPr>
+        <p:cNvPr id="1" name=""/>
+        <p:cNvGrpSpPr/>
+        <p:nvPr/>
+      </p:nvGrpSpPr>
+      <p:grpSpPr>
+        <a:xfrm>
+          <a:off x="0" y="0"/>
+          <a:ext cx="0" cy="0"/>
+          <a:chOff x="0" y="0"/>
+          <a:chExt cx="0" cy="0"/>
+        </a:xfrm>
+      </p:grpSpPr>
+      <p:sp>
+        <p:nvSpPr>
+          <p:cNvPr id="131" name="Rectangle 191"/>
+          <p:cNvSpPr/>
+          <p:nvPr/>
+        </p:nvSpPr>
+        <p:spPr>
+          <a:xfrm>
+            <a:off x="2566032" y="2251752"/>
+            <a:ext cx="4770304" cy="1361014"/>
+          </a:xfrm>
+          <a:prstGeom prst="rect">
+            <a:avLst/>
+          </a:prstGeom>
+          <a:ln w="19050">
+            <a:prstDash val="solid"/>
+          </a:ln>
+        </p:spPr>
+        <p:style>
+          <a:lnRef idx="2">
+            <a:schemeClr val="dk1"/>
+          </a:lnRef>
+          <a:fillRef idx="1">
+            <a:schemeClr val="lt1"/>
+          </a:fillRef>
+          <a:effectRef idx="0">
+            <a:schemeClr val="dk1"/>
+          </a:effectRef>
+          <a:fontRef idx="minor">
+            <a:schemeClr val="dk1"/>
+          </a:fontRef>
+        </p:style>
+        <p:txBody>
+          <a:bodyPr rtlCol="0" anchor="ctr"/>
+          <a:lstStyle/>
+          <a:p>
+            <a:pPr algn="ctr"/>
+            <a:r>
+              <a:rPr lang="en-US" dirty="0"/>
+              <a:t>Warp Scheduler</a:t>
+            </a:r>
+            <a:endParaRPr lang="en-SG" dirty="0"/>
+          </a:p>
+        </p:txBody>
+      </p:sp>
+      <p:grpSp>
+        <p:nvGrpSpPr>
+          <p:cNvPr id="191" name="Group 190"/>
+          <p:cNvGrpSpPr/>
+          <p:nvPr/>
+        </p:nvGrpSpPr>
+        <p:grpSpPr>
+          <a:xfrm>
+            <a:off x="2566033" y="371475"/>
+            <a:ext cx="7606667" cy="6125578"/>
+            <a:chOff x="2920181" y="1495705"/>
+            <a:chExt cx="5569782" cy="3736630"/>
+          </a:xfrm>
+        </p:grpSpPr>
+        <p:sp>
+          <p:nvSpPr>
+            <p:cNvPr id="229" name="Rectangle 228"/>
+            <p:cNvSpPr/>
+            <p:nvPr/>
+          </p:nvSpPr>
+          <p:spPr>
+            <a:xfrm>
+              <a:off x="2920181" y="1495705"/>
+              <a:ext cx="5569782" cy="3736630"/>
+            </a:xfrm>
+            <a:prstGeom prst="rect">
+              <a:avLst/>
+            </a:prstGeom>
+            <a:solidFill>
+              <a:schemeClr val="bg1"/>
+            </a:solidFill>
+            <a:ln w="38100">
+              <a:prstDash val="solid"/>
+            </a:ln>
+          </p:spPr>
+          <p:style>
+            <a:lnRef idx="2">
+              <a:schemeClr val="dk1"/>
+            </a:lnRef>
+            <a:fillRef idx="1">
+              <a:schemeClr val="lt1"/>
+            </a:fillRef>
+            <a:effectRef idx="0">
+              <a:schemeClr val="dk1"/>
+            </a:effectRef>
+            <a:fontRef idx="minor">
+              <a:schemeClr val="dk1"/>
+            </a:fontRef>
+          </p:style>
+          <p:txBody>
+            <a:bodyPr rtlCol="0" anchor="ctr"/>
+            <a:lstStyle/>
+            <a:p>
+              <a:pPr algn="ctr"/>
+              <a:endParaRPr lang="en-SG"/>
+            </a:p>
+          </p:txBody>
+        </p:sp>
+        <p:sp>
+          <p:nvSpPr>
+            <p:cNvPr id="230" name="TextBox 229"/>
+            <p:cNvSpPr txBox="1"/>
+            <p:nvPr/>
+          </p:nvSpPr>
+          <p:spPr>
+            <a:xfrm>
+              <a:off x="2922404" y="1565459"/>
+              <a:ext cx="3392129" cy="225294"/>
+            </a:xfrm>
+            <a:prstGeom prst="rect">
+              <a:avLst/>
+            </a:prstGeom>
+            <a:noFill/>
+            <a:ln w="38100">
+              <a:noFill/>
+              <a:prstDash val="solid"/>
+            </a:ln>
+          </p:spPr>
+          <p:txBody>
+            <a:bodyPr wrap="square" rtlCol="0">
+              <a:spAutoFit/>
+            </a:bodyPr>
+            <a:lstStyle/>
+            <a:p>
+              <a:r>
+                <a:rPr lang="en-US" altLang="zh-CN" b="1" dirty="0" smtClean="0"/>
+                <a:t>Grid</a:t>
+              </a:r>
+              <a:endParaRPr lang="en-SG" b="1" dirty="0"/>
+            </a:p>
+          </p:txBody>
+        </p:sp>
+      </p:grpSp>
+      <p:grpSp>
+        <p:nvGrpSpPr>
+          <p:cNvPr id="195" name="Group 194"/>
+          <p:cNvGrpSpPr/>
+          <p:nvPr/>
+        </p:nvGrpSpPr>
+        <p:grpSpPr>
+          <a:xfrm>
+            <a:off x="2790963" y="4589253"/>
+            <a:ext cx="7103144" cy="1176087"/>
+            <a:chOff x="3082411" y="4960493"/>
+            <a:chExt cx="5123123" cy="929150"/>
+          </a:xfrm>
+        </p:grpSpPr>
+        <p:sp>
+          <p:nvSpPr>
+            <p:cNvPr id="227" name="Rectangle 226"/>
+            <p:cNvSpPr/>
+            <p:nvPr/>
+          </p:nvSpPr>
+          <p:spPr>
+            <a:xfrm>
+              <a:off x="3082411" y="4960493"/>
+              <a:ext cx="5123123" cy="412956"/>
+            </a:xfrm>
+            <a:prstGeom prst="rect">
+              <a:avLst/>
+            </a:prstGeom>
+            <a:ln w="19050">
+              <a:prstDash val="solid"/>
+            </a:ln>
+          </p:spPr>
+          <p:style>
+            <a:lnRef idx="2">
+              <a:schemeClr val="dk1"/>
+            </a:lnRef>
+            <a:fillRef idx="1">
+              <a:schemeClr val="lt1"/>
+            </a:fillRef>
+            <a:effectRef idx="0">
+              <a:schemeClr val="dk1"/>
+            </a:effectRef>
+            <a:fontRef idx="minor">
+              <a:schemeClr val="dk1"/>
+            </a:fontRef>
+          </p:style>
+          <p:txBody>
+            <a:bodyPr rtlCol="0" anchor="ctr"/>
+            <a:lstStyle/>
+            <a:p>
+              <a:pPr algn="ctr"/>
+              <a:r>
+                <a:rPr lang="en-US" altLang="zh-CN" dirty="0" smtClean="0"/>
+                <a:t>Constant</a:t>
+              </a:r>
+              <a:r>
+                <a:rPr lang="zh-CN" altLang="en-US" dirty="0" smtClean="0"/>
+                <a:t> </a:t>
+              </a:r>
+              <a:r>
+                <a:rPr lang="en-US" altLang="zh-CN" dirty="0" smtClean="0"/>
+                <a:t>Memory</a:t>
+              </a:r>
+              <a:endParaRPr lang="en-SG" dirty="0"/>
+            </a:p>
+          </p:txBody>
+        </p:sp>
+        <p:sp>
+          <p:nvSpPr>
+            <p:cNvPr id="228" name="Rectangle 227"/>
+            <p:cNvSpPr/>
+            <p:nvPr/>
+          </p:nvSpPr>
+          <p:spPr>
+            <a:xfrm>
+              <a:off x="3082411" y="5476687"/>
+              <a:ext cx="5123123" cy="412956"/>
+            </a:xfrm>
+            <a:prstGeom prst="rect">
+              <a:avLst/>
+            </a:prstGeom>
+            <a:ln w="19050">
+              <a:prstDash val="solid"/>
+            </a:ln>
+          </p:spPr>
+          <p:style>
+            <a:lnRef idx="2">
+              <a:schemeClr val="dk1"/>
+            </a:lnRef>
+            <a:fillRef idx="1">
+              <a:schemeClr val="lt1"/>
+            </a:fillRef>
+            <a:effectRef idx="0">
+              <a:schemeClr val="dk1"/>
+            </a:effectRef>
+            <a:fontRef idx="minor">
+              <a:schemeClr val="dk1"/>
+            </a:fontRef>
+          </p:style>
+          <p:txBody>
+            <a:bodyPr rtlCol="0" anchor="ctr"/>
+            <a:lstStyle/>
+            <a:p>
+              <a:pPr algn="ctr"/>
+              <a:r>
+                <a:rPr lang="en-US" altLang="zh-CN" dirty="0" smtClean="0"/>
+                <a:t>Global</a:t>
+              </a:r>
+              <a:r>
+                <a:rPr lang="en-US" dirty="0" smtClean="0"/>
+                <a:t> </a:t>
+              </a:r>
+              <a:r>
+                <a:rPr lang="en-US" dirty="0"/>
+                <a:t>Memory</a:t>
+              </a:r>
+              <a:endParaRPr lang="en-SG" dirty="0"/>
+            </a:p>
+          </p:txBody>
+        </p:sp>
+      </p:grpSp>
+      <p:sp>
+        <p:nvSpPr>
+          <p:cNvPr id="132" name="Rectangle 227"/>
+          <p:cNvSpPr/>
+          <p:nvPr/>
+        </p:nvSpPr>
+        <p:spPr>
+          <a:xfrm>
+            <a:off x="2790964" y="5876428"/>
+            <a:ext cx="7103143" cy="522706"/>
+          </a:xfrm>
+          <a:prstGeom prst="rect">
+            <a:avLst/>
+          </a:prstGeom>
+          <a:ln w="19050">
+            <a:prstDash val="solid"/>
+          </a:ln>
+        </p:spPr>
+        <p:style>
+          <a:lnRef idx="2">
+            <a:schemeClr val="dk1"/>
+          </a:lnRef>
+          <a:fillRef idx="1">
+            <a:schemeClr val="lt1"/>
+          </a:fillRef>
+          <a:effectRef idx="0">
+            <a:schemeClr val="dk1"/>
+          </a:effectRef>
+          <a:fontRef idx="minor">
+            <a:schemeClr val="dk1"/>
+          </a:fontRef>
+        </p:style>
+        <p:txBody>
+          <a:bodyPr rtlCol="0" anchor="ctr"/>
+          <a:lstStyle/>
+          <a:p>
+            <a:pPr algn="ctr"/>
+            <a:r>
+              <a:rPr lang="en-US" altLang="zh-CN" dirty="0" smtClean="0"/>
+              <a:t>Texture</a:t>
+            </a:r>
+            <a:r>
+              <a:rPr lang="en-US" dirty="0" smtClean="0"/>
+              <a:t> </a:t>
+            </a:r>
+            <a:r>
+              <a:rPr lang="en-US" dirty="0"/>
+              <a:t>Memory</a:t>
+            </a:r>
+            <a:endParaRPr lang="en-SG" dirty="0"/>
+          </a:p>
+        </p:txBody>
+      </p:sp>
+      <p:grpSp>
+        <p:nvGrpSpPr>
+          <p:cNvPr id="26" name="组 25"/>
+          <p:cNvGrpSpPr/>
+          <p:nvPr/>
+        </p:nvGrpSpPr>
+        <p:grpSpPr>
+          <a:xfrm>
+            <a:off x="2832290" y="938839"/>
+            <a:ext cx="3396124" cy="4945604"/>
+            <a:chOff x="2832290" y="938839"/>
+            <a:chExt cx="3396124" cy="4945604"/>
+          </a:xfrm>
+        </p:grpSpPr>
+        <p:grpSp>
+          <p:nvGrpSpPr>
+            <p:cNvPr id="17" name="组 16"/>
+            <p:cNvGrpSpPr/>
+            <p:nvPr/>
+          </p:nvGrpSpPr>
+          <p:grpSpPr>
+            <a:xfrm>
+              <a:off x="2832290" y="938839"/>
+              <a:ext cx="3396124" cy="3412443"/>
+              <a:chOff x="2832290" y="938839"/>
+              <a:chExt cx="3396124" cy="3412443"/>
+            </a:xfrm>
+          </p:grpSpPr>
+          <p:grpSp>
+            <p:nvGrpSpPr>
+              <p:cNvPr id="4" name="组 3"/>
+              <p:cNvGrpSpPr/>
+              <p:nvPr/>
+            </p:nvGrpSpPr>
+            <p:grpSpPr>
+              <a:xfrm>
+                <a:off x="2832290" y="938839"/>
+                <a:ext cx="3396124" cy="3412443"/>
+                <a:chOff x="2832290" y="938839"/>
+                <a:chExt cx="3396124" cy="3412443"/>
+              </a:xfrm>
+            </p:grpSpPr>
+            <p:sp>
+              <p:nvSpPr>
+                <p:cNvPr id="192" name="Rectangle 191"/>
+                <p:cNvSpPr/>
+                <p:nvPr/>
+              </p:nvSpPr>
+              <p:spPr>
+                <a:xfrm>
+                  <a:off x="2832290" y="938839"/>
+                  <a:ext cx="3396124" cy="3412443"/>
+                </a:xfrm>
+                <a:prstGeom prst="rect">
+                  <a:avLst/>
+                </a:prstGeom>
+                <a:ln w="19050">
+                  <a:prstDash val="solid"/>
+                </a:ln>
+              </p:spPr>
+              <p:style>
+                <a:lnRef idx="2">
+                  <a:schemeClr val="dk1"/>
+                </a:lnRef>
+                <a:fillRef idx="1">
+                  <a:schemeClr val="lt1"/>
+                </a:fillRef>
+                <a:effectRef idx="0">
+                  <a:schemeClr val="dk1"/>
+                </a:effectRef>
+                <a:fontRef idx="minor">
+                  <a:schemeClr val="dk1"/>
+                </a:fontRef>
+              </p:style>
+              <p:txBody>
+                <a:bodyPr rtlCol="0" anchor="ctr"/>
+                <a:lstStyle/>
+                <a:p>
+                  <a:pPr algn="ctr"/>
+                  <a:endParaRPr lang="en-SG" dirty="0"/>
+                </a:p>
+              </p:txBody>
+            </p:sp>
+            <p:grpSp>
+              <p:nvGrpSpPr>
+                <p:cNvPr id="199" name="Group 198"/>
+                <p:cNvGrpSpPr/>
+                <p:nvPr/>
+              </p:nvGrpSpPr>
+              <p:grpSpPr>
+                <a:xfrm>
+                  <a:off x="3013602" y="1397640"/>
+                  <a:ext cx="3071889" cy="1754475"/>
+                  <a:chOff x="894306" y="2546240"/>
+                  <a:chExt cx="2215591" cy="1386096"/>
+                </a:xfrm>
+              </p:grpSpPr>
+              <p:sp>
+                <p:nvSpPr>
+                  <p:cNvPr id="214" name="Rectangle 213"/>
+                  <p:cNvSpPr/>
+                  <p:nvPr/>
+                </p:nvSpPr>
+                <p:spPr>
+                  <a:xfrm>
+                    <a:off x="904613" y="2546240"/>
+                    <a:ext cx="2205284" cy="267863"/>
+                  </a:xfrm>
+                  <a:prstGeom prst="rect">
+                    <a:avLst/>
+                  </a:prstGeom>
+                  <a:ln w="12700"/>
+                </p:spPr>
+                <p:style>
+                  <a:lnRef idx="2">
+                    <a:schemeClr val="dk1"/>
+                  </a:lnRef>
+                  <a:fillRef idx="1">
+                    <a:schemeClr val="lt1"/>
+                  </a:fillRef>
+                  <a:effectRef idx="0">
+                    <a:schemeClr val="dk1"/>
+                  </a:effectRef>
+                  <a:fontRef idx="minor">
+                    <a:schemeClr val="dk1"/>
+                  </a:fontRef>
+                </p:style>
+                <p:txBody>
+                  <a:bodyPr rtlCol="0" anchor="ctr"/>
+                  <a:lstStyle/>
+                  <a:p>
+                    <a:pPr algn="ctr"/>
+                    <a:r>
+                      <a:rPr lang="en-US" altLang="zh-CN" dirty="0"/>
+                      <a:t>S</a:t>
+                    </a:r>
+                    <a:r>
+                      <a:rPr lang="en-US" altLang="zh-CN" dirty="0" smtClean="0"/>
+                      <a:t>hared</a:t>
+                    </a:r>
+                    <a:r>
+                      <a:rPr lang="zh-CN" altLang="en-US" dirty="0" smtClean="0"/>
+                      <a:t> </a:t>
+                    </a:r>
+                    <a:r>
+                      <a:rPr lang="en-US" altLang="zh-CN" dirty="0" smtClean="0"/>
+                      <a:t>Memory</a:t>
+                    </a:r>
+                    <a:endParaRPr lang="en-SG" dirty="0"/>
+                  </a:p>
+                </p:txBody>
+              </p:sp>
+              <p:sp>
+                <p:nvSpPr>
+                  <p:cNvPr id="215" name="Rectangle 214"/>
+                  <p:cNvSpPr/>
+                  <p:nvPr/>
+                </p:nvSpPr>
+                <p:spPr>
+                  <a:xfrm>
+                    <a:off x="904614" y="3079996"/>
+                    <a:ext cx="732963" cy="325377"/>
+                  </a:xfrm>
+                  <a:prstGeom prst="rect">
+                    <a:avLst/>
+                  </a:prstGeom>
+                  <a:ln w="12700"/>
+                </p:spPr>
+                <p:style>
+                  <a:lnRef idx="2">
+                    <a:schemeClr val="dk1"/>
+                  </a:lnRef>
+                  <a:fillRef idx="1">
+                    <a:schemeClr val="lt1"/>
+                  </a:fillRef>
+                  <a:effectRef idx="0">
+                    <a:schemeClr val="dk1"/>
+                  </a:effectRef>
+                  <a:fontRef idx="minor">
+                    <a:schemeClr val="dk1"/>
+                  </a:fontRef>
+                </p:style>
+                <p:txBody>
+                  <a:bodyPr rtlCol="0" anchor="ctr"/>
+                  <a:lstStyle/>
+                  <a:p>
+                    <a:pPr algn="ctr"/>
+                    <a:r>
+                      <a:rPr lang="en-US" altLang="zh-CN" dirty="0" smtClean="0"/>
+                      <a:t>Register</a:t>
+                    </a:r>
+                    <a:endParaRPr lang="en-SG" dirty="0"/>
+                  </a:p>
+                </p:txBody>
+              </p:sp>
+              <p:sp>
+                <p:nvSpPr>
+                  <p:cNvPr id="216" name="Rectangle 215"/>
+                  <p:cNvSpPr/>
+                  <p:nvPr/>
+                </p:nvSpPr>
+                <p:spPr>
+                  <a:xfrm>
+                    <a:off x="894306" y="3629694"/>
+                    <a:ext cx="1040605" cy="302642"/>
+                  </a:xfrm>
+                  <a:prstGeom prst="rect">
+                    <a:avLst/>
+                  </a:prstGeom>
+                  <a:ln w="12700"/>
+                </p:spPr>
+                <p:style>
+                  <a:lnRef idx="2">
+                    <a:schemeClr val="dk1"/>
+                  </a:lnRef>
+                  <a:fillRef idx="1">
+                    <a:schemeClr val="lt1"/>
+                  </a:fillRef>
+                  <a:effectRef idx="0">
+                    <a:schemeClr val="dk1"/>
+                  </a:effectRef>
+                  <a:fontRef idx="minor">
+                    <a:schemeClr val="dk1"/>
+                  </a:fontRef>
+                </p:style>
+                <p:txBody>
+                  <a:bodyPr rtlCol="0" anchor="ctr"/>
+                  <a:lstStyle/>
+                  <a:p>
+                    <a:pPr algn="ctr"/>
+                    <a:r>
+                      <a:rPr lang="en-US" altLang="zh-CN" smtClean="0"/>
+                      <a:t>Thread(0,0)</a:t>
+                    </a:r>
+                    <a:endParaRPr lang="en-SG" dirty="0"/>
+                  </a:p>
+                </p:txBody>
+              </p:sp>
+            </p:grpSp>
+            <p:sp>
+              <p:nvSpPr>
+                <p:cNvPr id="212" name="Rectangle 211"/>
+                <p:cNvSpPr/>
+                <p:nvPr/>
+              </p:nvSpPr>
+              <p:spPr>
+                <a:xfrm>
+                  <a:off x="3027894" y="3434595"/>
+                  <a:ext cx="1016244" cy="648154"/>
+                </a:xfrm>
+                <a:prstGeom prst="rect">
+                  <a:avLst/>
+                </a:prstGeom>
+                <a:ln w="12700"/>
+              </p:spPr>
+              <p:style>
+                <a:lnRef idx="2">
+                  <a:schemeClr val="dk1"/>
+                </a:lnRef>
+                <a:fillRef idx="1">
+                  <a:schemeClr val="lt1"/>
+                </a:fillRef>
+                <a:effectRef idx="0">
+                  <a:schemeClr val="dk1"/>
+                </a:effectRef>
+                <a:fontRef idx="minor">
+                  <a:schemeClr val="dk1"/>
+                </a:fontRef>
+              </p:style>
+              <p:txBody>
+                <a:bodyPr rtlCol="0" anchor="ctr"/>
+                <a:lstStyle/>
+                <a:p>
+                  <a:pPr algn="ctr"/>
+                  <a:r>
+                    <a:rPr lang="en-US" altLang="zh-CN" dirty="0" smtClean="0"/>
+                    <a:t>Local</a:t>
+                  </a:r>
+                </a:p>
+                <a:p>
+                  <a:pPr algn="ctr"/>
+                  <a:r>
+                    <a:rPr lang="en-US" altLang="zh-CN" dirty="0" smtClean="0"/>
+                    <a:t>Memory</a:t>
+                  </a:r>
+                  <a:endParaRPr lang="en-SG" dirty="0"/>
+                </a:p>
+              </p:txBody>
+            </p:sp>
+            <p:sp>
+              <p:nvSpPr>
+                <p:cNvPr id="134" name="TextBox 229"/>
+                <p:cNvSpPr txBox="1"/>
+                <p:nvPr/>
+              </p:nvSpPr>
+              <p:spPr>
+                <a:xfrm>
+                  <a:off x="2886871" y="962552"/>
+                  <a:ext cx="3198620" cy="369332"/>
+                </a:xfrm>
+                <a:prstGeom prst="rect">
+                  <a:avLst/>
+                </a:prstGeom>
+                <a:noFill/>
+                <a:ln w="38100">
+                  <a:noFill/>
+                  <a:prstDash val="solid"/>
+                </a:ln>
+              </p:spPr>
+              <p:txBody>
+                <a:bodyPr wrap="square" rtlCol="0">
+                  <a:spAutoFit/>
+                </a:bodyPr>
+                <a:lstStyle/>
+                <a:p>
+                  <a:r>
+                    <a:rPr lang="en-US" altLang="zh-CN" b="1" dirty="0" smtClean="0"/>
+                    <a:t>Block(0,0)</a:t>
+                  </a:r>
+                  <a:endParaRPr lang="en-SG" b="1" dirty="0"/>
+                </a:p>
+              </p:txBody>
+            </p:sp>
+            <p:sp>
+              <p:nvSpPr>
+                <p:cNvPr id="135" name="Rectangle 214"/>
+                <p:cNvSpPr/>
+                <p:nvPr/>
+              </p:nvSpPr>
+              <p:spPr>
+                <a:xfrm>
+                  <a:off x="4647711" y="2076366"/>
+                  <a:ext cx="1031449" cy="407653"/>
+                </a:xfrm>
+                <a:prstGeom prst="rect">
+                  <a:avLst/>
+                </a:prstGeom>
+                <a:ln w="12700"/>
+              </p:spPr>
+              <p:style>
+                <a:lnRef idx="2">
+                  <a:schemeClr val="dk1"/>
+                </a:lnRef>
+                <a:fillRef idx="1">
+                  <a:schemeClr val="lt1"/>
+                </a:fillRef>
+                <a:effectRef idx="0">
+                  <a:schemeClr val="dk1"/>
+                </a:effectRef>
+                <a:fontRef idx="minor">
+                  <a:schemeClr val="dk1"/>
+                </a:fontRef>
+              </p:style>
+              <p:txBody>
+                <a:bodyPr rtlCol="0" anchor="ctr"/>
+                <a:lstStyle/>
+                <a:p>
+                  <a:pPr algn="ctr"/>
+                  <a:r>
+                    <a:rPr lang="en-US" altLang="zh-CN" dirty="0" smtClean="0"/>
+                    <a:t>Register</a:t>
+                  </a:r>
+                  <a:endParaRPr lang="en-SG" dirty="0"/>
+                </a:p>
+              </p:txBody>
+            </p:sp>
+            <p:sp>
+              <p:nvSpPr>
+                <p:cNvPr id="136" name="Rectangle 215"/>
+                <p:cNvSpPr/>
+                <p:nvPr/>
+              </p:nvSpPr>
+              <p:spPr>
+                <a:xfrm>
+                  <a:off x="4642707" y="2760115"/>
+                  <a:ext cx="1442784" cy="390707"/>
+                </a:xfrm>
+                <a:prstGeom prst="rect">
+                  <a:avLst/>
+                </a:prstGeom>
+                <a:ln w="12700"/>
+              </p:spPr>
+              <p:style>
+                <a:lnRef idx="2">
+                  <a:schemeClr val="dk1"/>
+                </a:lnRef>
+                <a:fillRef idx="1">
+                  <a:schemeClr val="lt1"/>
+                </a:fillRef>
+                <a:effectRef idx="0">
+                  <a:schemeClr val="dk1"/>
+                </a:effectRef>
+                <a:fontRef idx="minor">
+                  <a:schemeClr val="dk1"/>
+                </a:fontRef>
+              </p:style>
+              <p:txBody>
+                <a:bodyPr rtlCol="0" anchor="ctr"/>
+                <a:lstStyle/>
+                <a:p>
+                  <a:pPr algn="ctr"/>
+                  <a:r>
+                    <a:rPr lang="en-US" altLang="zh-CN" dirty="0" smtClean="0"/>
+                    <a:t>Thread(1,0)</a:t>
+                  </a:r>
+                  <a:endParaRPr lang="en-SG" dirty="0"/>
+                </a:p>
+              </p:txBody>
+            </p:sp>
+            <p:sp>
+              <p:nvSpPr>
+                <p:cNvPr id="137" name="Rectangle 211"/>
+                <p:cNvSpPr/>
+                <p:nvPr/>
+              </p:nvSpPr>
+              <p:spPr>
+                <a:xfrm>
+                  <a:off x="4642706" y="3441338"/>
+                  <a:ext cx="1036454" cy="648154"/>
+                </a:xfrm>
+                <a:prstGeom prst="rect">
+                  <a:avLst/>
+                </a:prstGeom>
+                <a:ln w="12700"/>
+              </p:spPr>
+              <p:style>
+                <a:lnRef idx="2">
+                  <a:schemeClr val="dk1"/>
+                </a:lnRef>
+                <a:fillRef idx="1">
+                  <a:schemeClr val="lt1"/>
+                </a:fillRef>
+                <a:effectRef idx="0">
+                  <a:schemeClr val="dk1"/>
+                </a:effectRef>
+                <a:fontRef idx="minor">
+                  <a:schemeClr val="dk1"/>
+                </a:fontRef>
+              </p:style>
+              <p:txBody>
+                <a:bodyPr rtlCol="0" anchor="ctr"/>
+                <a:lstStyle/>
+                <a:p>
+                  <a:pPr algn="ctr"/>
+                  <a:r>
+                    <a:rPr lang="en-US" altLang="zh-CN" dirty="0" smtClean="0"/>
+                    <a:t>Local</a:t>
+                  </a:r>
+                </a:p>
+                <a:p>
+                  <a:pPr algn="ctr"/>
+                  <a:r>
+                    <a:rPr lang="en-US" altLang="zh-CN" dirty="0" smtClean="0"/>
+                    <a:t>Memory</a:t>
+                  </a:r>
+                  <a:endParaRPr lang="en-SG" dirty="0"/>
+                </a:p>
+              </p:txBody>
+            </p:sp>
+          </p:grpSp>
+          <p:cxnSp>
+            <p:nvCxnSpPr>
+              <p:cNvPr id="11" name="直线箭头连接符 10"/>
+              <p:cNvCxnSpPr/>
+              <p:nvPr/>
+            </p:nvCxnSpPr>
+            <p:spPr>
+              <a:xfrm>
+                <a:off x="3541986" y="2501462"/>
+                <a:ext cx="0" cy="262759"/>
+              </a:xfrm>
+              <a:prstGeom prst="straightConnector1">
+                <a:avLst/>
+              </a:prstGeom>
+              <a:ln w="12700">
+                <a:solidFill>
+                  <a:schemeClr val="tx1"/>
+                </a:solidFill>
+                <a:headEnd type="triangle"/>
+                <a:tailEnd type="triangle"/>
+              </a:ln>
+            </p:spPr>
+            <p:style>
+              <a:lnRef idx="1">
+                <a:schemeClr val="accent1"/>
+              </a:lnRef>
+              <a:fillRef idx="0">
+                <a:schemeClr val="accent1"/>
+              </a:fillRef>
+              <a:effectRef idx="0">
+                <a:schemeClr val="accent1"/>
+              </a:effectRef>
+              <a:fontRef idx="minor">
+                <a:schemeClr val="tx1"/>
+              </a:fontRef>
+            </p:style>
+          </p:cxnSp>
+          <p:cxnSp>
+            <p:nvCxnSpPr>
+              <p:cNvPr id="34" name="直线箭头连接符 33"/>
+              <p:cNvCxnSpPr/>
+              <p:nvPr/>
+            </p:nvCxnSpPr>
+            <p:spPr>
+              <a:xfrm>
+                <a:off x="5160933" y="2484019"/>
+                <a:ext cx="0" cy="262759"/>
+              </a:xfrm>
+              <a:prstGeom prst="straightConnector1">
+                <a:avLst/>
+              </a:prstGeom>
+              <a:ln w="12700">
+                <a:solidFill>
+                  <a:schemeClr val="tx1"/>
+                </a:solidFill>
+                <a:headEnd type="triangle"/>
+                <a:tailEnd type="triangle"/>
+              </a:ln>
+            </p:spPr>
+            <p:style>
+              <a:lnRef idx="1">
+                <a:schemeClr val="accent1"/>
+              </a:lnRef>
+              <a:fillRef idx="0">
+                <a:schemeClr val="accent1"/>
+              </a:fillRef>
+              <a:effectRef idx="0">
+                <a:schemeClr val="accent1"/>
+              </a:effectRef>
+              <a:fontRef idx="minor">
+                <a:schemeClr val="tx1"/>
+              </a:fontRef>
+            </p:style>
+          </p:cxnSp>
+          <p:cxnSp>
+            <p:nvCxnSpPr>
+              <p:cNvPr id="35" name="直线箭头连接符 34"/>
+              <p:cNvCxnSpPr/>
+              <p:nvPr/>
+            </p:nvCxnSpPr>
+            <p:spPr>
+              <a:xfrm>
+                <a:off x="3536016" y="3150822"/>
+                <a:ext cx="0" cy="262759"/>
+              </a:xfrm>
+              <a:prstGeom prst="straightConnector1">
+                <a:avLst/>
+              </a:prstGeom>
+              <a:ln w="12700">
+                <a:solidFill>
+                  <a:schemeClr val="tx1"/>
+                </a:solidFill>
+                <a:headEnd type="triangle"/>
+                <a:tailEnd type="triangle"/>
+              </a:ln>
+            </p:spPr>
+            <p:style>
+              <a:lnRef idx="1">
+                <a:schemeClr val="accent1"/>
+              </a:lnRef>
+              <a:fillRef idx="0">
+                <a:schemeClr val="accent1"/>
+              </a:fillRef>
+              <a:effectRef idx="0">
+                <a:schemeClr val="accent1"/>
+              </a:effectRef>
+              <a:fontRef idx="minor">
+                <a:schemeClr val="tx1"/>
+              </a:fontRef>
+            </p:style>
+          </p:cxnSp>
+          <p:cxnSp>
+            <p:nvCxnSpPr>
+              <p:cNvPr id="36" name="直线箭头连接符 35"/>
+              <p:cNvCxnSpPr/>
+              <p:nvPr/>
+            </p:nvCxnSpPr>
+            <p:spPr>
+              <a:xfrm>
+                <a:off x="5160933" y="3150821"/>
+                <a:ext cx="0" cy="262759"/>
+              </a:xfrm>
+              <a:prstGeom prst="straightConnector1">
+                <a:avLst/>
+              </a:prstGeom>
+              <a:ln w="12700">
+                <a:solidFill>
+                  <a:schemeClr val="tx1"/>
+                </a:solidFill>
+                <a:headEnd type="triangle"/>
+                <a:tailEnd type="triangle"/>
+              </a:ln>
+            </p:spPr>
+            <p:style>
+              <a:lnRef idx="1">
+                <a:schemeClr val="accent1"/>
+              </a:lnRef>
+              <a:fillRef idx="0">
+                <a:schemeClr val="accent1"/>
+              </a:fillRef>
+              <a:effectRef idx="0">
+                <a:schemeClr val="accent1"/>
+              </a:effectRef>
+              <a:fontRef idx="minor">
+                <a:schemeClr val="tx1"/>
+              </a:fontRef>
+            </p:style>
+          </p:cxnSp>
+          <p:cxnSp>
+            <p:nvCxnSpPr>
+              <p:cNvPr id="16" name="直线箭头连接符 15"/>
+              <p:cNvCxnSpPr/>
+              <p:nvPr/>
+            </p:nvCxnSpPr>
+            <p:spPr>
+              <a:xfrm>
+                <a:off x="4200526" y="1788775"/>
+                <a:ext cx="0" cy="925953"/>
+              </a:xfrm>
+              <a:prstGeom prst="straightConnector1">
+                <a:avLst/>
+              </a:prstGeom>
+              <a:ln w="12700">
+                <a:solidFill>
+                  <a:schemeClr val="tx1"/>
+                </a:solidFill>
+                <a:headEnd type="triangle"/>
+                <a:tailEnd type="triangle"/>
+              </a:ln>
+            </p:spPr>
+            <p:style>
+              <a:lnRef idx="1">
+                <a:schemeClr val="accent1"/>
+              </a:lnRef>
+              <a:fillRef idx="0">
+                <a:schemeClr val="accent1"/>
+              </a:fillRef>
+              <a:effectRef idx="0">
+                <a:schemeClr val="accent1"/>
+              </a:effectRef>
+              <a:fontRef idx="minor">
+                <a:schemeClr val="tx1"/>
+              </a:fontRef>
+            </p:style>
+          </p:cxnSp>
+          <p:cxnSp>
+            <p:nvCxnSpPr>
+              <p:cNvPr id="41" name="直线箭头连接符 40"/>
+              <p:cNvCxnSpPr/>
+              <p:nvPr/>
+            </p:nvCxnSpPr>
+            <p:spPr>
+              <a:xfrm>
+                <a:off x="5867401" y="1788774"/>
+                <a:ext cx="0" cy="925953"/>
+              </a:xfrm>
+              <a:prstGeom prst="straightConnector1">
+                <a:avLst/>
+              </a:prstGeom>
+              <a:ln w="12700">
+                <a:solidFill>
+                  <a:schemeClr val="tx1"/>
+                </a:solidFill>
+                <a:headEnd type="triangle"/>
+                <a:tailEnd type="triangle"/>
+              </a:ln>
+            </p:spPr>
+            <p:style>
+              <a:lnRef idx="1">
+                <a:schemeClr val="accent1"/>
+              </a:lnRef>
+              <a:fillRef idx="0">
+                <a:schemeClr val="accent1"/>
+              </a:fillRef>
+              <a:effectRef idx="0">
+                <a:schemeClr val="accent1"/>
+              </a:effectRef>
+              <a:fontRef idx="minor">
+                <a:schemeClr val="tx1"/>
+              </a:fontRef>
+            </p:style>
+          </p:cxnSp>
+        </p:grpSp>
+        <p:grpSp>
+          <p:nvGrpSpPr>
+            <p:cNvPr id="25" name="组 24"/>
+            <p:cNvGrpSpPr/>
+            <p:nvPr/>
+          </p:nvGrpSpPr>
+          <p:grpSpPr>
+            <a:xfrm>
+              <a:off x="4129086" y="3150821"/>
+              <a:ext cx="155848" cy="2725607"/>
+              <a:chOff x="4129086" y="3150821"/>
+              <a:chExt cx="155848" cy="2725607"/>
+            </a:xfrm>
+          </p:grpSpPr>
+          <p:cxnSp>
+            <p:nvCxnSpPr>
+              <p:cNvPr id="19" name="直线箭头连接符 18"/>
+              <p:cNvCxnSpPr/>
+              <p:nvPr/>
+            </p:nvCxnSpPr>
+            <p:spPr>
+              <a:xfrm>
+                <a:off x="4129086" y="3150821"/>
+                <a:ext cx="0" cy="1438432"/>
+              </a:xfrm>
+              <a:prstGeom prst="straightConnector1">
+                <a:avLst/>
+              </a:prstGeom>
+              <a:ln w="12700">
+                <a:solidFill>
+                  <a:schemeClr val="tx1"/>
+                </a:solidFill>
+                <a:headEnd type="triangle"/>
+                <a:tailEnd type="triangle"/>
+              </a:ln>
+            </p:spPr>
+            <p:style>
+              <a:lnRef idx="1">
+                <a:schemeClr val="accent1"/>
+              </a:lnRef>
+              <a:fillRef idx="0">
+                <a:schemeClr val="accent1"/>
+              </a:fillRef>
+              <a:effectRef idx="0">
+                <a:schemeClr val="accent1"/>
+              </a:effectRef>
+              <a:fontRef idx="minor">
+                <a:schemeClr val="tx1"/>
+              </a:fontRef>
+            </p:style>
+          </p:cxnSp>
+          <p:cxnSp>
+            <p:nvCxnSpPr>
+              <p:cNvPr id="21" name="直线箭头连接符 20"/>
+              <p:cNvCxnSpPr/>
+              <p:nvPr/>
+            </p:nvCxnSpPr>
+            <p:spPr>
+              <a:xfrm>
+                <a:off x="4200526" y="3150821"/>
+                <a:ext cx="0" cy="2091813"/>
+              </a:xfrm>
+              <a:prstGeom prst="straightConnector1">
+                <a:avLst/>
+              </a:prstGeom>
+              <a:ln w="12700">
+                <a:solidFill>
+                  <a:schemeClr val="tx1"/>
+                </a:solidFill>
+                <a:headEnd type="triangle"/>
+                <a:tailEnd type="triangle"/>
+              </a:ln>
+            </p:spPr>
+            <p:style>
+              <a:lnRef idx="1">
+                <a:schemeClr val="accent1"/>
+              </a:lnRef>
+              <a:fillRef idx="0">
+                <a:schemeClr val="accent1"/>
+              </a:fillRef>
+              <a:effectRef idx="0">
+                <a:schemeClr val="accent1"/>
+              </a:effectRef>
+              <a:fontRef idx="minor">
+                <a:schemeClr val="tx1"/>
+              </a:fontRef>
+            </p:style>
+          </p:cxnSp>
+          <p:cxnSp>
+            <p:nvCxnSpPr>
+              <p:cNvPr id="24" name="直线箭头连接符 23"/>
+              <p:cNvCxnSpPr/>
+              <p:nvPr/>
+            </p:nvCxnSpPr>
+            <p:spPr>
+              <a:xfrm>
+                <a:off x="4284934" y="3150821"/>
+                <a:ext cx="0" cy="2725607"/>
+              </a:xfrm>
+              <a:prstGeom prst="straightConnector1">
+                <a:avLst/>
+              </a:prstGeom>
+              <a:ln w="12700">
+                <a:solidFill>
+                  <a:schemeClr val="tx1"/>
+                </a:solidFill>
+                <a:headEnd type="triangle"/>
+                <a:tailEnd type="triangle"/>
+              </a:ln>
+            </p:spPr>
+            <p:style>
+              <a:lnRef idx="1">
+                <a:schemeClr val="accent1"/>
+              </a:lnRef>
+              <a:fillRef idx="0">
+                <a:schemeClr val="accent1"/>
+              </a:fillRef>
+              <a:effectRef idx="0">
+                <a:schemeClr val="accent1"/>
+              </a:effectRef>
+              <a:fontRef idx="minor">
+                <a:schemeClr val="tx1"/>
+              </a:fontRef>
+            </p:style>
+          </p:cxnSp>
+        </p:grpSp>
+        <p:grpSp>
+          <p:nvGrpSpPr>
+            <p:cNvPr id="50" name="组 49"/>
+            <p:cNvGrpSpPr/>
+            <p:nvPr/>
+          </p:nvGrpSpPr>
+          <p:grpSpPr>
+            <a:xfrm>
+              <a:off x="5757097" y="3158836"/>
+              <a:ext cx="155848" cy="2725607"/>
+              <a:chOff x="4129086" y="3150821"/>
+              <a:chExt cx="155848" cy="2725607"/>
+            </a:xfrm>
+          </p:grpSpPr>
+          <p:cxnSp>
+            <p:nvCxnSpPr>
+              <p:cNvPr id="51" name="直线箭头连接符 50"/>
+              <p:cNvCxnSpPr/>
+              <p:nvPr/>
+            </p:nvCxnSpPr>
+            <p:spPr>
+              <a:xfrm>
+                <a:off x="4129086" y="3150821"/>
+                <a:ext cx="0" cy="1438432"/>
+              </a:xfrm>
+              <a:prstGeom prst="straightConnector1">
+                <a:avLst/>
+              </a:prstGeom>
+              <a:ln w="12700">
+                <a:solidFill>
+                  <a:schemeClr val="tx1"/>
+                </a:solidFill>
+                <a:headEnd type="triangle"/>
+                <a:tailEnd type="triangle"/>
+              </a:ln>
+            </p:spPr>
+            <p:style>
+              <a:lnRef idx="1">
+                <a:schemeClr val="accent1"/>
+              </a:lnRef>
+              <a:fillRef idx="0">
+                <a:schemeClr val="accent1"/>
+              </a:fillRef>
+              <a:effectRef idx="0">
+                <a:schemeClr val="accent1"/>
+              </a:effectRef>
+              <a:fontRef idx="minor">
+                <a:schemeClr val="tx1"/>
+              </a:fontRef>
+            </p:style>
+          </p:cxnSp>
+          <p:cxnSp>
+            <p:nvCxnSpPr>
+              <p:cNvPr id="52" name="直线箭头连接符 51"/>
+              <p:cNvCxnSpPr/>
+              <p:nvPr/>
+            </p:nvCxnSpPr>
+            <p:spPr>
+              <a:xfrm>
+                <a:off x="4200526" y="3150821"/>
+                <a:ext cx="0" cy="2091813"/>
+              </a:xfrm>
+              <a:prstGeom prst="straightConnector1">
+                <a:avLst/>
+              </a:prstGeom>
+              <a:ln w="12700">
+                <a:solidFill>
+                  <a:schemeClr val="tx1"/>
+                </a:solidFill>
+                <a:headEnd type="triangle"/>
+                <a:tailEnd type="triangle"/>
+              </a:ln>
+            </p:spPr>
+            <p:style>
+              <a:lnRef idx="1">
+                <a:schemeClr val="accent1"/>
+              </a:lnRef>
+              <a:fillRef idx="0">
+                <a:schemeClr val="accent1"/>
+              </a:fillRef>
+              <a:effectRef idx="0">
+                <a:schemeClr val="accent1"/>
+              </a:effectRef>
+              <a:fontRef idx="minor">
+                <a:schemeClr val="tx1"/>
+              </a:fontRef>
+            </p:style>
+          </p:cxnSp>
+          <p:cxnSp>
+            <p:nvCxnSpPr>
+              <p:cNvPr id="53" name="直线箭头连接符 52"/>
+              <p:cNvCxnSpPr/>
+              <p:nvPr/>
+            </p:nvCxnSpPr>
+            <p:spPr>
+              <a:xfrm>
+                <a:off x="4284934" y="3150821"/>
+                <a:ext cx="0" cy="2725607"/>
+              </a:xfrm>
+              <a:prstGeom prst="straightConnector1">
+                <a:avLst/>
+              </a:prstGeom>
+              <a:ln w="12700">
+                <a:solidFill>
+                  <a:schemeClr val="tx1"/>
+                </a:solidFill>
+                <a:headEnd type="triangle"/>
+                <a:tailEnd type="triangle"/>
+              </a:ln>
+            </p:spPr>
+            <p:style>
+              <a:lnRef idx="1">
+                <a:schemeClr val="accent1"/>
+              </a:lnRef>
+              <a:fillRef idx="0">
+                <a:schemeClr val="accent1"/>
+              </a:fillRef>
+              <a:effectRef idx="0">
+                <a:schemeClr val="accent1"/>
+              </a:effectRef>
+              <a:fontRef idx="minor">
+                <a:schemeClr val="tx1"/>
+              </a:fontRef>
+            </p:style>
+          </p:cxnSp>
+        </p:grpSp>
+      </p:grpSp>
+      <p:grpSp>
+        <p:nvGrpSpPr>
+          <p:cNvPr id="82" name="组 81"/>
+          <p:cNvGrpSpPr/>
+          <p:nvPr/>
+        </p:nvGrpSpPr>
+        <p:grpSpPr>
+          <a:xfrm>
+            <a:off x="6497983" y="940778"/>
+            <a:ext cx="3396124" cy="4945604"/>
+            <a:chOff x="2832290" y="938839"/>
+            <a:chExt cx="3396124" cy="4945604"/>
+          </a:xfrm>
+        </p:grpSpPr>
+        <p:grpSp>
+          <p:nvGrpSpPr>
+            <p:cNvPr id="83" name="组 82"/>
+            <p:cNvGrpSpPr/>
+            <p:nvPr/>
+          </p:nvGrpSpPr>
+          <p:grpSpPr>
+            <a:xfrm>
+              <a:off x="2832290" y="938839"/>
+              <a:ext cx="3396124" cy="3412443"/>
+              <a:chOff x="2832290" y="938839"/>
+              <a:chExt cx="3396124" cy="3412443"/>
+            </a:xfrm>
+          </p:grpSpPr>
+          <p:grpSp>
+            <p:nvGrpSpPr>
+              <p:cNvPr id="92" name="组 91"/>
+              <p:cNvGrpSpPr/>
+              <p:nvPr/>
+            </p:nvGrpSpPr>
+            <p:grpSpPr>
+              <a:xfrm>
+                <a:off x="2832290" y="938839"/>
+                <a:ext cx="3396124" cy="3412443"/>
+                <a:chOff x="2832290" y="938839"/>
+                <a:chExt cx="3396124" cy="3412443"/>
+              </a:xfrm>
+            </p:grpSpPr>
+            <p:sp>
+              <p:nvSpPr>
+                <p:cNvPr id="99" name="Rectangle 191"/>
+                <p:cNvSpPr/>
+                <p:nvPr/>
+              </p:nvSpPr>
+              <p:spPr>
+                <a:xfrm>
+                  <a:off x="2832290" y="938839"/>
+                  <a:ext cx="3396124" cy="3412443"/>
+                </a:xfrm>
+                <a:prstGeom prst="rect">
+                  <a:avLst/>
+                </a:prstGeom>
+                <a:ln w="19050">
+                  <a:prstDash val="solid"/>
+                </a:ln>
+              </p:spPr>
+              <p:style>
+                <a:lnRef idx="2">
+                  <a:schemeClr val="dk1"/>
+                </a:lnRef>
+                <a:fillRef idx="1">
+                  <a:schemeClr val="lt1"/>
+                </a:fillRef>
+                <a:effectRef idx="0">
+                  <a:schemeClr val="dk1"/>
+                </a:effectRef>
+                <a:fontRef idx="minor">
+                  <a:schemeClr val="dk1"/>
+                </a:fontRef>
+              </p:style>
+              <p:txBody>
+                <a:bodyPr rtlCol="0" anchor="ctr"/>
+                <a:lstStyle/>
+                <a:p>
+                  <a:pPr algn="ctr"/>
+                  <a:endParaRPr lang="en-SG" dirty="0"/>
+                </a:p>
+              </p:txBody>
+            </p:sp>
+            <p:grpSp>
+              <p:nvGrpSpPr>
+                <p:cNvPr id="100" name="Group 198"/>
+                <p:cNvGrpSpPr/>
+                <p:nvPr/>
+              </p:nvGrpSpPr>
+              <p:grpSpPr>
+                <a:xfrm>
+                  <a:off x="3013602" y="1397640"/>
+                  <a:ext cx="3071889" cy="1754475"/>
+                  <a:chOff x="894306" y="2546240"/>
+                  <a:chExt cx="2215591" cy="1386096"/>
+                </a:xfrm>
+              </p:grpSpPr>
+              <p:sp>
+                <p:nvSpPr>
+                  <p:cNvPr id="106" name="Rectangle 213"/>
+                  <p:cNvSpPr/>
+                  <p:nvPr/>
+                </p:nvSpPr>
+                <p:spPr>
+                  <a:xfrm>
+                    <a:off x="904613" y="2546240"/>
+                    <a:ext cx="2205284" cy="267863"/>
+                  </a:xfrm>
+                  <a:prstGeom prst="rect">
+                    <a:avLst/>
+                  </a:prstGeom>
+                  <a:ln w="12700"/>
+                </p:spPr>
+                <p:style>
+                  <a:lnRef idx="2">
+                    <a:schemeClr val="dk1"/>
+                  </a:lnRef>
+                  <a:fillRef idx="1">
+                    <a:schemeClr val="lt1"/>
+                  </a:fillRef>
+                  <a:effectRef idx="0">
+                    <a:schemeClr val="dk1"/>
+                  </a:effectRef>
+                  <a:fontRef idx="minor">
+                    <a:schemeClr val="dk1"/>
+                  </a:fontRef>
+                </p:style>
+                <p:txBody>
+                  <a:bodyPr rtlCol="0" anchor="ctr"/>
+                  <a:lstStyle/>
+                  <a:p>
+                    <a:pPr algn="ctr"/>
+                    <a:r>
+                      <a:rPr lang="en-US" altLang="zh-CN" dirty="0"/>
+                      <a:t>S</a:t>
+                    </a:r>
+                    <a:r>
+                      <a:rPr lang="en-US" altLang="zh-CN" dirty="0" smtClean="0"/>
+                      <a:t>hared</a:t>
+                    </a:r>
+                    <a:r>
+                      <a:rPr lang="zh-CN" altLang="en-US" dirty="0" smtClean="0"/>
+                      <a:t> </a:t>
+                    </a:r>
+                    <a:r>
+                      <a:rPr lang="en-US" altLang="zh-CN" dirty="0" smtClean="0"/>
+                      <a:t>Memory</a:t>
+                    </a:r>
+                    <a:endParaRPr lang="en-SG" dirty="0"/>
+                  </a:p>
+                </p:txBody>
+              </p:sp>
+              <p:sp>
+                <p:nvSpPr>
+                  <p:cNvPr id="107" name="Rectangle 214"/>
+                  <p:cNvSpPr/>
+                  <p:nvPr/>
+                </p:nvSpPr>
+                <p:spPr>
+                  <a:xfrm>
+                    <a:off x="904614" y="3079996"/>
+                    <a:ext cx="732963" cy="325377"/>
+                  </a:xfrm>
+                  <a:prstGeom prst="rect">
+                    <a:avLst/>
+                  </a:prstGeom>
+                  <a:ln w="12700"/>
+                </p:spPr>
+                <p:style>
+                  <a:lnRef idx="2">
+                    <a:schemeClr val="dk1"/>
+                  </a:lnRef>
+                  <a:fillRef idx="1">
+                    <a:schemeClr val="lt1"/>
+                  </a:fillRef>
+                  <a:effectRef idx="0">
+                    <a:schemeClr val="dk1"/>
+                  </a:effectRef>
+                  <a:fontRef idx="minor">
+                    <a:schemeClr val="dk1"/>
+                  </a:fontRef>
+                </p:style>
+                <p:txBody>
+                  <a:bodyPr rtlCol="0" anchor="ctr"/>
+                  <a:lstStyle/>
+                  <a:p>
+                    <a:pPr algn="ctr"/>
+                    <a:r>
+                      <a:rPr lang="en-US" altLang="zh-CN" dirty="0" smtClean="0"/>
+                      <a:t>Register</a:t>
+                    </a:r>
+                    <a:endParaRPr lang="en-SG" dirty="0"/>
+                  </a:p>
+                </p:txBody>
+              </p:sp>
+              <p:sp>
+                <p:nvSpPr>
+                  <p:cNvPr id="108" name="Rectangle 215"/>
+                  <p:cNvSpPr/>
+                  <p:nvPr/>
+                </p:nvSpPr>
+                <p:spPr>
+                  <a:xfrm>
+                    <a:off x="894306" y="3629694"/>
+                    <a:ext cx="1040605" cy="302642"/>
+                  </a:xfrm>
+                  <a:prstGeom prst="rect">
+                    <a:avLst/>
+                  </a:prstGeom>
+                  <a:ln w="12700"/>
+                </p:spPr>
+                <p:style>
+                  <a:lnRef idx="2">
+                    <a:schemeClr val="dk1"/>
+                  </a:lnRef>
+                  <a:fillRef idx="1">
+                    <a:schemeClr val="lt1"/>
+                  </a:fillRef>
+                  <a:effectRef idx="0">
+                    <a:schemeClr val="dk1"/>
+                  </a:effectRef>
+                  <a:fontRef idx="minor">
+                    <a:schemeClr val="dk1"/>
+                  </a:fontRef>
+                </p:style>
+                <p:txBody>
+                  <a:bodyPr rtlCol="0" anchor="ctr"/>
+                  <a:lstStyle/>
+                  <a:p>
+                    <a:pPr algn="ctr"/>
+                    <a:r>
+                      <a:rPr lang="en-US" altLang="zh-CN" smtClean="0"/>
+                      <a:t>Thread(0,0)</a:t>
+                    </a:r>
+                    <a:endParaRPr lang="en-SG" dirty="0"/>
+                  </a:p>
+                </p:txBody>
+              </p:sp>
+            </p:grpSp>
+            <p:sp>
+              <p:nvSpPr>
+                <p:cNvPr id="101" name="Rectangle 211"/>
+                <p:cNvSpPr/>
+                <p:nvPr/>
+              </p:nvSpPr>
+              <p:spPr>
+                <a:xfrm>
+                  <a:off x="3027894" y="3434595"/>
+                  <a:ext cx="1016244" cy="648154"/>
+                </a:xfrm>
+                <a:prstGeom prst="rect">
+                  <a:avLst/>
+                </a:prstGeom>
+                <a:ln w="12700"/>
+              </p:spPr>
+              <p:style>
+                <a:lnRef idx="2">
+                  <a:schemeClr val="dk1"/>
+                </a:lnRef>
+                <a:fillRef idx="1">
+                  <a:schemeClr val="lt1"/>
+                </a:fillRef>
+                <a:effectRef idx="0">
+                  <a:schemeClr val="dk1"/>
+                </a:effectRef>
+                <a:fontRef idx="minor">
+                  <a:schemeClr val="dk1"/>
+                </a:fontRef>
+              </p:style>
+              <p:txBody>
+                <a:bodyPr rtlCol="0" anchor="ctr"/>
+                <a:lstStyle/>
+                <a:p>
+                  <a:pPr algn="ctr"/>
+                  <a:r>
+                    <a:rPr lang="en-US" altLang="zh-CN" dirty="0" smtClean="0"/>
+                    <a:t>Local</a:t>
+                  </a:r>
+                </a:p>
+                <a:p>
+                  <a:pPr algn="ctr"/>
+                  <a:r>
+                    <a:rPr lang="en-US" altLang="zh-CN" dirty="0" smtClean="0"/>
+                    <a:t>Memory</a:t>
+                  </a:r>
+                  <a:endParaRPr lang="en-SG" dirty="0"/>
+                </a:p>
+              </p:txBody>
+            </p:sp>
+            <p:sp>
+              <p:nvSpPr>
+                <p:cNvPr id="102" name="TextBox 229"/>
+                <p:cNvSpPr txBox="1"/>
+                <p:nvPr/>
+              </p:nvSpPr>
+              <p:spPr>
+                <a:xfrm>
+                  <a:off x="2886871" y="962552"/>
+                  <a:ext cx="3198620" cy="369332"/>
+                </a:xfrm>
+                <a:prstGeom prst="rect">
+                  <a:avLst/>
+                </a:prstGeom>
+                <a:noFill/>
+                <a:ln w="38100">
+                  <a:noFill/>
+                  <a:prstDash val="solid"/>
+                </a:ln>
+              </p:spPr>
+              <p:txBody>
+                <a:bodyPr wrap="square" rtlCol="0">
+                  <a:spAutoFit/>
+                </a:bodyPr>
+                <a:lstStyle/>
+                <a:p>
+                  <a:r>
+                    <a:rPr lang="en-US" altLang="zh-CN" b="1" dirty="0" smtClean="0"/>
+                    <a:t>Block(1,0</a:t>
+                  </a:r>
+                  <a:r>
+                    <a:rPr lang="en-US" altLang="zh-CN" b="1" dirty="0" smtClean="0"/>
+                    <a:t>)</a:t>
+                  </a:r>
+                  <a:endParaRPr lang="en-SG" b="1" dirty="0"/>
+                </a:p>
+              </p:txBody>
+            </p:sp>
+            <p:sp>
+              <p:nvSpPr>
+                <p:cNvPr id="103" name="Rectangle 214"/>
+                <p:cNvSpPr/>
+                <p:nvPr/>
+              </p:nvSpPr>
+              <p:spPr>
+                <a:xfrm>
+                  <a:off x="4647711" y="2076366"/>
+                  <a:ext cx="1031449" cy="407653"/>
+                </a:xfrm>
+                <a:prstGeom prst="rect">
+                  <a:avLst/>
+                </a:prstGeom>
+                <a:ln w="12700"/>
+              </p:spPr>
+              <p:style>
+                <a:lnRef idx="2">
+                  <a:schemeClr val="dk1"/>
+                </a:lnRef>
+                <a:fillRef idx="1">
+                  <a:schemeClr val="lt1"/>
+                </a:fillRef>
+                <a:effectRef idx="0">
+                  <a:schemeClr val="dk1"/>
+                </a:effectRef>
+                <a:fontRef idx="minor">
+                  <a:schemeClr val="dk1"/>
+                </a:fontRef>
+              </p:style>
+              <p:txBody>
+                <a:bodyPr rtlCol="0" anchor="ctr"/>
+                <a:lstStyle/>
+                <a:p>
+                  <a:pPr algn="ctr"/>
+                  <a:r>
+                    <a:rPr lang="en-US" altLang="zh-CN" dirty="0" smtClean="0"/>
+                    <a:t>Register</a:t>
+                  </a:r>
+                  <a:endParaRPr lang="en-SG" dirty="0"/>
+                </a:p>
+              </p:txBody>
+            </p:sp>
+            <p:sp>
+              <p:nvSpPr>
+                <p:cNvPr id="104" name="Rectangle 215"/>
+                <p:cNvSpPr/>
+                <p:nvPr/>
+              </p:nvSpPr>
+              <p:spPr>
+                <a:xfrm>
+                  <a:off x="4642707" y="2760115"/>
+                  <a:ext cx="1442784" cy="390707"/>
+                </a:xfrm>
+                <a:prstGeom prst="rect">
+                  <a:avLst/>
+                </a:prstGeom>
+                <a:ln w="12700"/>
+              </p:spPr>
+              <p:style>
+                <a:lnRef idx="2">
+                  <a:schemeClr val="dk1"/>
+                </a:lnRef>
+                <a:fillRef idx="1">
+                  <a:schemeClr val="lt1"/>
+                </a:fillRef>
+                <a:effectRef idx="0">
+                  <a:schemeClr val="dk1"/>
+                </a:effectRef>
+                <a:fontRef idx="minor">
+                  <a:schemeClr val="dk1"/>
+                </a:fontRef>
+              </p:style>
+              <p:txBody>
+                <a:bodyPr rtlCol="0" anchor="ctr"/>
+                <a:lstStyle/>
+                <a:p>
+                  <a:pPr algn="ctr"/>
+                  <a:r>
+                    <a:rPr lang="en-US" altLang="zh-CN" dirty="0" smtClean="0"/>
+                    <a:t>Thread(1,0)</a:t>
+                  </a:r>
+                  <a:endParaRPr lang="en-SG" dirty="0"/>
+                </a:p>
+              </p:txBody>
+            </p:sp>
+            <p:sp>
+              <p:nvSpPr>
+                <p:cNvPr id="105" name="Rectangle 211"/>
+                <p:cNvSpPr/>
+                <p:nvPr/>
+              </p:nvSpPr>
+              <p:spPr>
+                <a:xfrm>
+                  <a:off x="4642706" y="3441338"/>
+                  <a:ext cx="1036454" cy="648154"/>
+                </a:xfrm>
+                <a:prstGeom prst="rect">
+                  <a:avLst/>
+                </a:prstGeom>
+                <a:ln w="12700"/>
+              </p:spPr>
+              <p:style>
+                <a:lnRef idx="2">
+                  <a:schemeClr val="dk1"/>
+                </a:lnRef>
+                <a:fillRef idx="1">
+                  <a:schemeClr val="lt1"/>
+                </a:fillRef>
+                <a:effectRef idx="0">
+                  <a:schemeClr val="dk1"/>
+                </a:effectRef>
+                <a:fontRef idx="minor">
+                  <a:schemeClr val="dk1"/>
+                </a:fontRef>
+              </p:style>
+              <p:txBody>
+                <a:bodyPr rtlCol="0" anchor="ctr"/>
+                <a:lstStyle/>
+                <a:p>
+                  <a:pPr algn="ctr"/>
+                  <a:r>
+                    <a:rPr lang="en-US" altLang="zh-CN" dirty="0" smtClean="0"/>
+                    <a:t>Local</a:t>
+                  </a:r>
+                </a:p>
+                <a:p>
+                  <a:pPr algn="ctr"/>
+                  <a:r>
+                    <a:rPr lang="en-US" altLang="zh-CN" dirty="0" smtClean="0"/>
+                    <a:t>Memory</a:t>
+                  </a:r>
+                  <a:endParaRPr lang="en-SG" dirty="0"/>
+                </a:p>
+              </p:txBody>
+            </p:sp>
+          </p:grpSp>
+          <p:cxnSp>
+            <p:nvCxnSpPr>
+              <p:cNvPr id="93" name="直线箭头连接符 92"/>
+              <p:cNvCxnSpPr/>
+              <p:nvPr/>
+            </p:nvCxnSpPr>
+            <p:spPr>
+              <a:xfrm>
+                <a:off x="3541986" y="2501462"/>
+                <a:ext cx="0" cy="262759"/>
+              </a:xfrm>
+              <a:prstGeom prst="straightConnector1">
+                <a:avLst/>
+              </a:prstGeom>
+              <a:ln w="12700">
+                <a:solidFill>
+                  <a:schemeClr val="tx1"/>
+                </a:solidFill>
+                <a:headEnd type="triangle"/>
+                <a:tailEnd type="triangle"/>
+              </a:ln>
+            </p:spPr>
+            <p:style>
+              <a:lnRef idx="1">
+                <a:schemeClr val="accent1"/>
+              </a:lnRef>
+              <a:fillRef idx="0">
+                <a:schemeClr val="accent1"/>
+              </a:fillRef>
+              <a:effectRef idx="0">
+                <a:schemeClr val="accent1"/>
+              </a:effectRef>
+              <a:fontRef idx="minor">
+                <a:schemeClr val="tx1"/>
+              </a:fontRef>
+            </p:style>
+          </p:cxnSp>
+          <p:cxnSp>
+            <p:nvCxnSpPr>
+              <p:cNvPr id="94" name="直线箭头连接符 93"/>
+              <p:cNvCxnSpPr/>
+              <p:nvPr/>
+            </p:nvCxnSpPr>
+            <p:spPr>
+              <a:xfrm>
+                <a:off x="5160933" y="2484019"/>
+                <a:ext cx="0" cy="262759"/>
+              </a:xfrm>
+              <a:prstGeom prst="straightConnector1">
+                <a:avLst/>
+              </a:prstGeom>
+              <a:ln w="12700">
+                <a:solidFill>
+                  <a:schemeClr val="tx1"/>
+                </a:solidFill>
+                <a:headEnd type="triangle"/>
+                <a:tailEnd type="triangle"/>
+              </a:ln>
+            </p:spPr>
+            <p:style>
+              <a:lnRef idx="1">
+                <a:schemeClr val="accent1"/>
+              </a:lnRef>
+              <a:fillRef idx="0">
+                <a:schemeClr val="accent1"/>
+              </a:fillRef>
+              <a:effectRef idx="0">
+                <a:schemeClr val="accent1"/>
+              </a:effectRef>
+              <a:fontRef idx="minor">
+                <a:schemeClr val="tx1"/>
+              </a:fontRef>
+            </p:style>
+          </p:cxnSp>
+          <p:cxnSp>
+            <p:nvCxnSpPr>
+              <p:cNvPr id="95" name="直线箭头连接符 94"/>
+              <p:cNvCxnSpPr/>
+              <p:nvPr/>
+            </p:nvCxnSpPr>
+            <p:spPr>
+              <a:xfrm>
+                <a:off x="3536016" y="3150822"/>
+                <a:ext cx="0" cy="262759"/>
+              </a:xfrm>
+              <a:prstGeom prst="straightConnector1">
+                <a:avLst/>
+              </a:prstGeom>
+              <a:ln w="12700">
+                <a:solidFill>
+                  <a:schemeClr val="tx1"/>
+                </a:solidFill>
+                <a:headEnd type="triangle"/>
+                <a:tailEnd type="triangle"/>
+              </a:ln>
+            </p:spPr>
+            <p:style>
+              <a:lnRef idx="1">
+                <a:schemeClr val="accent1"/>
+              </a:lnRef>
+              <a:fillRef idx="0">
+                <a:schemeClr val="accent1"/>
+              </a:fillRef>
+              <a:effectRef idx="0">
+                <a:schemeClr val="accent1"/>
+              </a:effectRef>
+              <a:fontRef idx="minor">
+                <a:schemeClr val="tx1"/>
+              </a:fontRef>
+            </p:style>
+          </p:cxnSp>
+          <p:cxnSp>
+            <p:nvCxnSpPr>
+              <p:cNvPr id="96" name="直线箭头连接符 95"/>
+              <p:cNvCxnSpPr/>
+              <p:nvPr/>
+            </p:nvCxnSpPr>
+            <p:spPr>
+              <a:xfrm>
+                <a:off x="5160933" y="3150821"/>
+                <a:ext cx="0" cy="262759"/>
+              </a:xfrm>
+              <a:prstGeom prst="straightConnector1">
+                <a:avLst/>
+              </a:prstGeom>
+              <a:ln w="12700">
+                <a:solidFill>
+                  <a:schemeClr val="tx1"/>
+                </a:solidFill>
+                <a:headEnd type="triangle"/>
+                <a:tailEnd type="triangle"/>
+              </a:ln>
+            </p:spPr>
+            <p:style>
+              <a:lnRef idx="1">
+                <a:schemeClr val="accent1"/>
+              </a:lnRef>
+              <a:fillRef idx="0">
+                <a:schemeClr val="accent1"/>
+              </a:fillRef>
+              <a:effectRef idx="0">
+                <a:schemeClr val="accent1"/>
+              </a:effectRef>
+              <a:fontRef idx="minor">
+                <a:schemeClr val="tx1"/>
+              </a:fontRef>
+            </p:style>
+          </p:cxnSp>
+          <p:cxnSp>
+            <p:nvCxnSpPr>
+              <p:cNvPr id="97" name="直线箭头连接符 96"/>
+              <p:cNvCxnSpPr/>
+              <p:nvPr/>
+            </p:nvCxnSpPr>
+            <p:spPr>
+              <a:xfrm>
+                <a:off x="4200526" y="1788775"/>
+                <a:ext cx="0" cy="925953"/>
+              </a:xfrm>
+              <a:prstGeom prst="straightConnector1">
+                <a:avLst/>
+              </a:prstGeom>
+              <a:ln w="12700">
+                <a:solidFill>
+                  <a:schemeClr val="tx1"/>
+                </a:solidFill>
+                <a:headEnd type="triangle"/>
+                <a:tailEnd type="triangle"/>
+              </a:ln>
+            </p:spPr>
+            <p:style>
+              <a:lnRef idx="1">
+                <a:schemeClr val="accent1"/>
+              </a:lnRef>
+              <a:fillRef idx="0">
+                <a:schemeClr val="accent1"/>
+              </a:fillRef>
+              <a:effectRef idx="0">
+                <a:schemeClr val="accent1"/>
+              </a:effectRef>
+              <a:fontRef idx="minor">
+                <a:schemeClr val="tx1"/>
+              </a:fontRef>
+            </p:style>
+          </p:cxnSp>
+          <p:cxnSp>
+            <p:nvCxnSpPr>
+              <p:cNvPr id="98" name="直线箭头连接符 97"/>
+              <p:cNvCxnSpPr/>
+              <p:nvPr/>
+            </p:nvCxnSpPr>
+            <p:spPr>
+              <a:xfrm>
+                <a:off x="5867401" y="1788774"/>
+                <a:ext cx="0" cy="925953"/>
+              </a:xfrm>
+              <a:prstGeom prst="straightConnector1">
+                <a:avLst/>
+              </a:prstGeom>
+              <a:ln w="12700">
+                <a:solidFill>
+                  <a:schemeClr val="tx1"/>
+                </a:solidFill>
+                <a:headEnd type="triangle"/>
+                <a:tailEnd type="triangle"/>
+              </a:ln>
+            </p:spPr>
+            <p:style>
+              <a:lnRef idx="1">
+                <a:schemeClr val="accent1"/>
+              </a:lnRef>
+              <a:fillRef idx="0">
+                <a:schemeClr val="accent1"/>
+              </a:fillRef>
+              <a:effectRef idx="0">
+                <a:schemeClr val="accent1"/>
+              </a:effectRef>
+              <a:fontRef idx="minor">
+                <a:schemeClr val="tx1"/>
+              </a:fontRef>
+            </p:style>
+          </p:cxnSp>
+        </p:grpSp>
+        <p:grpSp>
+          <p:nvGrpSpPr>
+            <p:cNvPr id="84" name="组 83"/>
+            <p:cNvGrpSpPr/>
+            <p:nvPr/>
+          </p:nvGrpSpPr>
+          <p:grpSpPr>
+            <a:xfrm>
+              <a:off x="4129086" y="3150821"/>
+              <a:ext cx="155848" cy="2725607"/>
+              <a:chOff x="4129086" y="3150821"/>
+              <a:chExt cx="155848" cy="2725607"/>
+            </a:xfrm>
+          </p:grpSpPr>
+          <p:cxnSp>
+            <p:nvCxnSpPr>
+              <p:cNvPr id="89" name="直线箭头连接符 88"/>
+              <p:cNvCxnSpPr/>
+              <p:nvPr/>
+            </p:nvCxnSpPr>
+            <p:spPr>
+              <a:xfrm>
+                <a:off x="4129086" y="3150821"/>
+                <a:ext cx="0" cy="1438432"/>
+              </a:xfrm>
+              <a:prstGeom prst="straightConnector1">
+                <a:avLst/>
+              </a:prstGeom>
+              <a:ln w="12700">
+                <a:solidFill>
+                  <a:schemeClr val="tx1"/>
+                </a:solidFill>
+                <a:headEnd type="triangle"/>
+                <a:tailEnd type="triangle"/>
+              </a:ln>
+            </p:spPr>
+            <p:style>
+              <a:lnRef idx="1">
+                <a:schemeClr val="accent1"/>
+              </a:lnRef>
+              <a:fillRef idx="0">
+                <a:schemeClr val="accent1"/>
+              </a:fillRef>
+              <a:effectRef idx="0">
+                <a:schemeClr val="accent1"/>
+              </a:effectRef>
+              <a:fontRef idx="minor">
+                <a:schemeClr val="tx1"/>
+              </a:fontRef>
+            </p:style>
+          </p:cxnSp>
+          <p:cxnSp>
+            <p:nvCxnSpPr>
+              <p:cNvPr id="90" name="直线箭头连接符 89"/>
+              <p:cNvCxnSpPr/>
+              <p:nvPr/>
+            </p:nvCxnSpPr>
+            <p:spPr>
+              <a:xfrm>
+                <a:off x="4200526" y="3150821"/>
+                <a:ext cx="0" cy="2091813"/>
+              </a:xfrm>
+              <a:prstGeom prst="straightConnector1">
+                <a:avLst/>
+              </a:prstGeom>
+              <a:ln w="12700">
+                <a:solidFill>
+                  <a:schemeClr val="tx1"/>
+                </a:solidFill>
+                <a:headEnd type="triangle"/>
+                <a:tailEnd type="triangle"/>
+              </a:ln>
+            </p:spPr>
+            <p:style>
+              <a:lnRef idx="1">
+                <a:schemeClr val="accent1"/>
+              </a:lnRef>
+              <a:fillRef idx="0">
+                <a:schemeClr val="accent1"/>
+              </a:fillRef>
+              <a:effectRef idx="0">
+                <a:schemeClr val="accent1"/>
+              </a:effectRef>
+              <a:fontRef idx="minor">
+                <a:schemeClr val="tx1"/>
+              </a:fontRef>
+            </p:style>
+          </p:cxnSp>
+          <p:cxnSp>
+            <p:nvCxnSpPr>
+              <p:cNvPr id="91" name="直线箭头连接符 90"/>
+              <p:cNvCxnSpPr/>
+              <p:nvPr/>
+            </p:nvCxnSpPr>
+            <p:spPr>
+              <a:xfrm>
+                <a:off x="4284934" y="3150821"/>
+                <a:ext cx="0" cy="2725607"/>
+              </a:xfrm>
+              <a:prstGeom prst="straightConnector1">
+                <a:avLst/>
+              </a:prstGeom>
+              <a:ln w="12700">
+                <a:solidFill>
+                  <a:schemeClr val="tx1"/>
+                </a:solidFill>
+                <a:headEnd type="triangle"/>
+                <a:tailEnd type="triangle"/>
+              </a:ln>
+            </p:spPr>
+            <p:style>
+              <a:lnRef idx="1">
+                <a:schemeClr val="accent1"/>
+              </a:lnRef>
+              <a:fillRef idx="0">
+                <a:schemeClr val="accent1"/>
+              </a:fillRef>
+              <a:effectRef idx="0">
+                <a:schemeClr val="accent1"/>
+              </a:effectRef>
+              <a:fontRef idx="minor">
+                <a:schemeClr val="tx1"/>
+              </a:fontRef>
+            </p:style>
+          </p:cxnSp>
+        </p:grpSp>
+        <p:grpSp>
+          <p:nvGrpSpPr>
+            <p:cNvPr id="85" name="组 84"/>
+            <p:cNvGrpSpPr/>
+            <p:nvPr/>
+          </p:nvGrpSpPr>
+          <p:grpSpPr>
+            <a:xfrm>
+              <a:off x="5757097" y="3158836"/>
+              <a:ext cx="155848" cy="2725607"/>
+              <a:chOff x="4129086" y="3150821"/>
+              <a:chExt cx="155848" cy="2725607"/>
+            </a:xfrm>
+          </p:grpSpPr>
+          <p:cxnSp>
+            <p:nvCxnSpPr>
+              <p:cNvPr id="86" name="直线箭头连接符 85"/>
+              <p:cNvCxnSpPr/>
+              <p:nvPr/>
+            </p:nvCxnSpPr>
+            <p:spPr>
+              <a:xfrm>
+                <a:off x="4129086" y="3150821"/>
+                <a:ext cx="0" cy="1438432"/>
+              </a:xfrm>
+              <a:prstGeom prst="straightConnector1">
+                <a:avLst/>
+              </a:prstGeom>
+              <a:ln w="12700">
+                <a:solidFill>
+                  <a:schemeClr val="tx1"/>
+                </a:solidFill>
+                <a:headEnd type="triangle"/>
+                <a:tailEnd type="triangle"/>
+              </a:ln>
+            </p:spPr>
+            <p:style>
+              <a:lnRef idx="1">
+                <a:schemeClr val="accent1"/>
+              </a:lnRef>
+              <a:fillRef idx="0">
+                <a:schemeClr val="accent1"/>
+              </a:fillRef>
+              <a:effectRef idx="0">
+                <a:schemeClr val="accent1"/>
+              </a:effectRef>
+              <a:fontRef idx="minor">
+                <a:schemeClr val="tx1"/>
+              </a:fontRef>
+            </p:style>
+          </p:cxnSp>
+          <p:cxnSp>
+            <p:nvCxnSpPr>
+              <p:cNvPr id="87" name="直线箭头连接符 86"/>
+              <p:cNvCxnSpPr/>
+              <p:nvPr/>
+            </p:nvCxnSpPr>
+            <p:spPr>
+              <a:xfrm>
+                <a:off x="4200526" y="3150821"/>
+                <a:ext cx="0" cy="2091813"/>
+              </a:xfrm>
+              <a:prstGeom prst="straightConnector1">
+                <a:avLst/>
+              </a:prstGeom>
+              <a:ln w="12700">
+                <a:solidFill>
+                  <a:schemeClr val="tx1"/>
+                </a:solidFill>
+                <a:headEnd type="triangle"/>
+                <a:tailEnd type="triangle"/>
+              </a:ln>
+            </p:spPr>
+            <p:style>
+              <a:lnRef idx="1">
+                <a:schemeClr val="accent1"/>
+              </a:lnRef>
+              <a:fillRef idx="0">
+                <a:schemeClr val="accent1"/>
+              </a:fillRef>
+              <a:effectRef idx="0">
+                <a:schemeClr val="accent1"/>
+              </a:effectRef>
+              <a:fontRef idx="minor">
+                <a:schemeClr val="tx1"/>
+              </a:fontRef>
+            </p:style>
+          </p:cxnSp>
+          <p:cxnSp>
+            <p:nvCxnSpPr>
+              <p:cNvPr id="88" name="直线箭头连接符 87"/>
+              <p:cNvCxnSpPr/>
+              <p:nvPr/>
+            </p:nvCxnSpPr>
+            <p:spPr>
+              <a:xfrm>
+                <a:off x="4284934" y="3150821"/>
+                <a:ext cx="0" cy="2725607"/>
+              </a:xfrm>
+              <a:prstGeom prst="straightConnector1">
+                <a:avLst/>
+              </a:prstGeom>
+              <a:ln w="12700">
+                <a:solidFill>
+                  <a:schemeClr val="tx1"/>
+                </a:solidFill>
+                <a:headEnd type="triangle"/>
+                <a:tailEnd type="triangle"/>
+              </a:ln>
+            </p:spPr>
+            <p:style>
+              <a:lnRef idx="1">
+                <a:schemeClr val="accent1"/>
+              </a:lnRef>
+              <a:fillRef idx="0">
+                <a:schemeClr val="accent1"/>
+              </a:fillRef>
+              <a:effectRef idx="0">
+                <a:schemeClr val="accent1"/>
+              </a:effectRef>
+              <a:fontRef idx="minor">
+                <a:schemeClr val="tx1"/>
+              </a:fontRef>
+            </p:style>
+          </p:cxnSp>
+        </p:grpSp>
+      </p:grpSp>
+    </p:spTree>
+    <p:extLst>
+      <p:ext uri="{BB962C8B-B14F-4D97-AF65-F5344CB8AC3E}">
+        <p14:creationId xmlns:p14="http://schemas.microsoft.com/office/powerpoint/2010/main" val="1626883898"/>
+      </p:ext>
+    </p:extLst>
+  </p:cSld>
+  <p:clrMapOvr>
+    <a:masterClrMapping/>
+  </p:clrMapOvr>
+  <p:timing>
+    <p:tnLst>
+      <p:par>
+        <p:cTn id="1" dur="indefinite" restart="never" nodeType="tmRoot"/>
+      </p:par>
+    </p:tnLst>
+  </p:timing>
+</p:sld>
+</file>
+
+<file path=ppt/slides/slide8.xml><?xml version="1.0" encoding="utf-8"?>
+<p:sld xmlns:a="http://schemas.openxmlformats.org/drawingml/2006/main" xmlns:r="http://schemas.openxmlformats.org/officeDocument/2006/relationships" xmlns:p="http://schemas.openxmlformats.org/presentationml/2006/main">
+  <p:cSld>
+    <p:spTree>
+      <p:nvGrpSpPr>
+        <p:cNvPr id="1" name=""/>
+        <p:cNvGrpSpPr/>
+        <p:nvPr/>
+      </p:nvGrpSpPr>
+      <p:grpSpPr>
+        <a:xfrm>
+          <a:off x="0" y="0"/>
+          <a:ext cx="0" cy="0"/>
+          <a:chOff x="0" y="0"/>
+          <a:chExt cx="0" cy="0"/>
+        </a:xfrm>
+      </p:grpSpPr>
+      <p:grpSp>
+        <p:nvGrpSpPr>
+          <p:cNvPr id="191" name="Group 190"/>
+          <p:cNvGrpSpPr/>
+          <p:nvPr/>
+        </p:nvGrpSpPr>
+        <p:grpSpPr>
+          <a:xfrm>
+            <a:off x="3909849" y="850479"/>
+            <a:ext cx="3878317" cy="5529300"/>
+            <a:chOff x="2920181" y="1504335"/>
+            <a:chExt cx="4167732" cy="4269305"/>
+          </a:xfrm>
+        </p:grpSpPr>
+        <p:sp>
+          <p:nvSpPr>
+            <p:cNvPr id="229" name="Rectangle 228"/>
+            <p:cNvSpPr/>
+            <p:nvPr/>
+          </p:nvSpPr>
+          <p:spPr>
+            <a:xfrm>
+              <a:off x="2920181" y="1504335"/>
+              <a:ext cx="4167732" cy="4269305"/>
+            </a:xfrm>
+            <a:prstGeom prst="rect">
+              <a:avLst/>
+            </a:prstGeom>
+            <a:solidFill>
+              <a:schemeClr val="bg1"/>
+            </a:solidFill>
+            <a:ln w="38100">
+              <a:prstDash val="solid"/>
+            </a:ln>
+          </p:spPr>
+          <p:style>
+            <a:lnRef idx="2">
+              <a:schemeClr val="dk1"/>
+            </a:lnRef>
+            <a:fillRef idx="1">
+              <a:schemeClr val="lt1"/>
+            </a:fillRef>
+            <a:effectRef idx="0">
+              <a:schemeClr val="dk1"/>
+            </a:effectRef>
+            <a:fontRef idx="minor">
+              <a:schemeClr val="dk1"/>
+            </a:fontRef>
+          </p:style>
+          <p:txBody>
+            <a:bodyPr rtlCol="0" anchor="ctr"/>
+            <a:lstStyle/>
+            <a:p>
+              <a:pPr algn="ctr"/>
+              <a:endParaRPr lang="en-SG"/>
+            </a:p>
+          </p:txBody>
+        </p:sp>
+        <p:sp>
+          <p:nvSpPr>
+            <p:cNvPr id="230" name="TextBox 229"/>
+            <p:cNvSpPr txBox="1"/>
+            <p:nvPr/>
+          </p:nvSpPr>
+          <p:spPr>
+            <a:xfrm>
+              <a:off x="2920181" y="1504335"/>
+              <a:ext cx="3392129" cy="285170"/>
+            </a:xfrm>
+            <a:prstGeom prst="rect">
+              <a:avLst/>
+            </a:prstGeom>
+            <a:noFill/>
+            <a:ln w="38100">
+              <a:noFill/>
+              <a:prstDash val="solid"/>
+            </a:ln>
+          </p:spPr>
+          <p:txBody>
+            <a:bodyPr wrap="square" rtlCol="0">
+              <a:spAutoFit/>
+            </a:bodyPr>
+            <a:lstStyle/>
+            <a:p>
+              <a:r>
+                <a:rPr lang="en-SG" b="1" dirty="0" smtClean="0"/>
+                <a:t>Device</a:t>
+              </a:r>
+              <a:endParaRPr lang="en-SG" b="1" dirty="0"/>
+            </a:p>
+          </p:txBody>
+        </p:sp>
+      </p:grpSp>
+      <p:grpSp>
+        <p:nvGrpSpPr>
+          <p:cNvPr id="2" name="组 1"/>
+          <p:cNvGrpSpPr/>
+          <p:nvPr/>
+        </p:nvGrpSpPr>
+        <p:grpSpPr>
+          <a:xfrm>
+            <a:off x="1491083" y="850479"/>
+            <a:ext cx="2002750" cy="5529300"/>
+            <a:chOff x="2397067" y="850479"/>
+            <a:chExt cx="1096765" cy="6269407"/>
+          </a:xfrm>
+        </p:grpSpPr>
+        <p:sp>
+          <p:nvSpPr>
+            <p:cNvPr id="231" name="Rectangle 230"/>
+            <p:cNvSpPr/>
+            <p:nvPr/>
+          </p:nvSpPr>
+          <p:spPr>
+            <a:xfrm>
+              <a:off x="2397067" y="850479"/>
+              <a:ext cx="1096765" cy="6269407"/>
+            </a:xfrm>
+            <a:prstGeom prst="rect">
+              <a:avLst/>
+            </a:prstGeom>
+            <a:ln w="38100"/>
+          </p:spPr>
+          <p:style>
+            <a:lnRef idx="2">
+              <a:schemeClr val="dk1"/>
+            </a:lnRef>
+            <a:fillRef idx="1">
+              <a:schemeClr val="lt1"/>
+            </a:fillRef>
+            <a:effectRef idx="0">
+              <a:schemeClr val="dk1"/>
+            </a:effectRef>
+            <a:fontRef idx="minor">
+              <a:schemeClr val="dk1"/>
+            </a:fontRef>
+          </p:style>
+          <p:txBody>
+            <a:bodyPr rtlCol="0" anchor="ctr"/>
+            <a:lstStyle/>
+            <a:p>
+              <a:pPr algn="ctr"/>
+              <a:endParaRPr lang="en-SG" b="1" dirty="0"/>
+            </a:p>
+          </p:txBody>
+        </p:sp>
+        <p:sp>
+          <p:nvSpPr>
+            <p:cNvPr id="132" name="TextBox 229"/>
+            <p:cNvSpPr txBox="1"/>
+            <p:nvPr/>
+          </p:nvSpPr>
+          <p:spPr>
+            <a:xfrm>
+              <a:off x="2397067" y="850479"/>
+              <a:ext cx="783048" cy="369332"/>
+            </a:xfrm>
+            <a:prstGeom prst="rect">
+              <a:avLst/>
+            </a:prstGeom>
+            <a:noFill/>
+            <a:ln w="38100">
+              <a:noFill/>
+              <a:prstDash val="solid"/>
+            </a:ln>
+          </p:spPr>
+          <p:txBody>
+            <a:bodyPr wrap="square" rtlCol="0">
+              <a:spAutoFit/>
+            </a:bodyPr>
+            <a:lstStyle/>
+            <a:p>
+              <a:r>
+                <a:rPr lang="en-US" altLang="zh-CN" b="1" dirty="0" smtClean="0"/>
+                <a:t>Host</a:t>
+              </a:r>
+              <a:endParaRPr lang="en-SG" b="1" dirty="0"/>
+            </a:p>
+          </p:txBody>
+        </p:sp>
+      </p:grpSp>
+      <p:sp>
+        <p:nvSpPr>
+          <p:cNvPr id="133" name="Rectangle 224"/>
+          <p:cNvSpPr/>
+          <p:nvPr/>
+        </p:nvSpPr>
+        <p:spPr>
+          <a:xfrm>
+            <a:off x="1953122" y="1444312"/>
+            <a:ext cx="1103705" cy="452291"/>
+          </a:xfrm>
+          <a:prstGeom prst="rect">
+            <a:avLst/>
+          </a:prstGeom>
+          <a:ln w="12700"/>
+        </p:spPr>
+        <p:style>
+          <a:lnRef idx="2">
+            <a:schemeClr val="dk1"/>
+          </a:lnRef>
+          <a:fillRef idx="1">
+            <a:schemeClr val="lt1"/>
+          </a:fillRef>
+          <a:effectRef idx="0">
+            <a:schemeClr val="dk1"/>
+          </a:effectRef>
+          <a:fontRef idx="minor">
+            <a:schemeClr val="dk1"/>
+          </a:fontRef>
+        </p:style>
+        <p:txBody>
+          <a:bodyPr rtlCol="0" anchor="ctr"/>
+          <a:lstStyle/>
+          <a:p>
+            <a:pPr algn="ctr"/>
+            <a:r>
+              <a:rPr lang="en-US" altLang="zh-CN" dirty="0" smtClean="0"/>
+              <a:t>Kernel</a:t>
+            </a:r>
+            <a:r>
+              <a:rPr lang="zh-CN" altLang="en-US" dirty="0" smtClean="0"/>
+              <a:t> </a:t>
+            </a:r>
+            <a:r>
+              <a:rPr lang="en-US" altLang="zh-CN" dirty="0" smtClean="0"/>
+              <a:t>1</a:t>
+            </a:r>
+            <a:endParaRPr lang="en-SG" dirty="0"/>
+          </a:p>
+        </p:txBody>
+      </p:sp>
+      <p:sp>
+        <p:nvSpPr>
+          <p:cNvPr id="135" name="Rectangle 224"/>
+          <p:cNvSpPr/>
+          <p:nvPr/>
+        </p:nvSpPr>
+        <p:spPr>
+          <a:xfrm>
+            <a:off x="1907860" y="3919170"/>
+            <a:ext cx="1103705" cy="452291"/>
+          </a:xfrm>
+          <a:prstGeom prst="rect">
+            <a:avLst/>
+          </a:prstGeom>
+          <a:ln w="12700"/>
+        </p:spPr>
+        <p:style>
+          <a:lnRef idx="2">
+            <a:schemeClr val="dk1"/>
+          </a:lnRef>
+          <a:fillRef idx="1">
+            <a:schemeClr val="lt1"/>
+          </a:fillRef>
+          <a:effectRef idx="0">
+            <a:schemeClr val="dk1"/>
+          </a:effectRef>
+          <a:fontRef idx="minor">
+            <a:schemeClr val="dk1"/>
+          </a:fontRef>
+        </p:style>
+        <p:txBody>
+          <a:bodyPr rtlCol="0" anchor="ctr"/>
+          <a:lstStyle/>
+          <a:p>
+            <a:pPr algn="ctr"/>
+            <a:r>
+              <a:rPr lang="en-US" altLang="zh-CN" dirty="0" smtClean="0"/>
+              <a:t>Kernel</a:t>
+            </a:r>
+            <a:r>
+              <a:rPr lang="zh-CN" altLang="en-US" dirty="0" smtClean="0"/>
+              <a:t> </a:t>
+            </a:r>
+            <a:r>
+              <a:rPr lang="en-US" altLang="zh-CN" dirty="0"/>
+              <a:t>2</a:t>
+            </a:r>
+            <a:endParaRPr lang="en-SG" dirty="0"/>
+          </a:p>
+        </p:txBody>
+      </p:sp>
+      <p:cxnSp>
+        <p:nvCxnSpPr>
+          <p:cNvPr id="4" name="直线箭头连接符 3"/>
+          <p:cNvCxnSpPr/>
+          <p:nvPr/>
+        </p:nvCxnSpPr>
+        <p:spPr>
+          <a:xfrm>
+            <a:off x="1736203" y="1435505"/>
+            <a:ext cx="0" cy="4079819"/>
+          </a:xfrm>
+          <a:prstGeom prst="straightConnector1">
+            <a:avLst/>
+          </a:prstGeom>
+          <a:ln w="19050">
+            <a:solidFill>
+              <a:schemeClr val="tx1"/>
+            </a:solidFill>
+            <a:tailEnd type="triangle"/>
+          </a:ln>
+        </p:spPr>
+        <p:style>
+          <a:lnRef idx="1">
+            <a:schemeClr val="accent1"/>
+          </a:lnRef>
+          <a:fillRef idx="0">
+            <a:schemeClr val="accent1"/>
+          </a:fillRef>
+          <a:effectRef idx="0">
+            <a:schemeClr val="accent1"/>
+          </a:effectRef>
+          <a:fontRef idx="minor">
+            <a:schemeClr val="tx1"/>
+          </a:fontRef>
+        </p:style>
+      </p:cxnSp>
+      <p:grpSp>
+        <p:nvGrpSpPr>
+          <p:cNvPr id="16" name="组 15"/>
+          <p:cNvGrpSpPr/>
+          <p:nvPr/>
+        </p:nvGrpSpPr>
+        <p:grpSpPr>
+          <a:xfrm>
+            <a:off x="4348627" y="1303284"/>
+            <a:ext cx="3113718" cy="2385848"/>
+            <a:chOff x="4348627" y="1303284"/>
+            <a:chExt cx="3113718" cy="2385848"/>
+          </a:xfrm>
+        </p:grpSpPr>
+        <p:sp>
+          <p:nvSpPr>
+            <p:cNvPr id="194" name="Rectangle 193"/>
+            <p:cNvSpPr/>
+            <p:nvPr/>
+          </p:nvSpPr>
+          <p:spPr>
+            <a:xfrm>
+              <a:off x="4348627" y="1303284"/>
+              <a:ext cx="3113718" cy="2385848"/>
+            </a:xfrm>
+            <a:prstGeom prst="rect">
+              <a:avLst/>
+            </a:prstGeom>
+            <a:ln w="19050">
+              <a:prstDash val="solid"/>
+            </a:ln>
+          </p:spPr>
+          <p:style>
+            <a:lnRef idx="2">
+              <a:schemeClr val="dk1"/>
+            </a:lnRef>
+            <a:fillRef idx="1">
+              <a:schemeClr val="lt1"/>
+            </a:fillRef>
+            <a:effectRef idx="0">
+              <a:schemeClr val="dk1"/>
+            </a:effectRef>
+            <a:fontRef idx="minor">
+              <a:schemeClr val="dk1"/>
+            </a:fontRef>
+          </p:style>
+          <p:txBody>
+            <a:bodyPr rtlCol="0" anchor="ctr"/>
+            <a:lstStyle/>
+            <a:p>
+              <a:pPr algn="ctr"/>
+              <a:endParaRPr lang="en-SG" dirty="0"/>
+            </a:p>
+          </p:txBody>
+        </p:sp>
+        <p:sp>
+          <p:nvSpPr>
+            <p:cNvPr id="139" name="TextBox 229"/>
+            <p:cNvSpPr txBox="1"/>
+            <p:nvPr/>
+          </p:nvSpPr>
+          <p:spPr>
+            <a:xfrm>
+              <a:off x="4348627" y="1306693"/>
+              <a:ext cx="2945644" cy="369332"/>
+            </a:xfrm>
+            <a:prstGeom prst="rect">
+              <a:avLst/>
+            </a:prstGeom>
+            <a:noFill/>
+            <a:ln w="38100">
+              <a:noFill/>
+              <a:prstDash val="solid"/>
+            </a:ln>
+          </p:spPr>
+          <p:txBody>
+            <a:bodyPr wrap="square" rtlCol="0">
+              <a:spAutoFit/>
+            </a:bodyPr>
+            <a:lstStyle/>
+            <a:p>
+              <a:r>
+                <a:rPr lang="en-SG" dirty="0" smtClean="0"/>
+                <a:t>Grid 1</a:t>
+              </a:r>
+              <a:endParaRPr lang="en-SG" dirty="0"/>
+            </a:p>
+          </p:txBody>
+        </p:sp>
+        <p:grpSp>
+          <p:nvGrpSpPr>
+            <p:cNvPr id="15" name="组 14"/>
+            <p:cNvGrpSpPr/>
+            <p:nvPr/>
+          </p:nvGrpSpPr>
+          <p:grpSpPr>
+            <a:xfrm>
+              <a:off x="4504242" y="1672955"/>
+              <a:ext cx="845524" cy="1878284"/>
+              <a:chOff x="4504242" y="1672955"/>
+              <a:chExt cx="845524" cy="1878284"/>
+            </a:xfrm>
+          </p:grpSpPr>
+          <p:sp>
+            <p:nvSpPr>
+              <p:cNvPr id="219" name="Rectangle 218"/>
+              <p:cNvSpPr/>
+              <p:nvPr/>
+            </p:nvSpPr>
+            <p:spPr>
+              <a:xfrm>
+                <a:off x="4504242" y="1672955"/>
+                <a:ext cx="845524" cy="571665"/>
+              </a:xfrm>
+              <a:prstGeom prst="rect">
+                <a:avLst/>
+              </a:prstGeom>
+              <a:ln w="12700"/>
+            </p:spPr>
+            <p:style>
+              <a:lnRef idx="2">
+                <a:schemeClr val="dk1"/>
+              </a:lnRef>
+              <a:fillRef idx="1">
+                <a:schemeClr val="lt1"/>
+              </a:fillRef>
+              <a:effectRef idx="0">
+                <a:schemeClr val="dk1"/>
+              </a:effectRef>
+              <a:fontRef idx="minor">
+                <a:schemeClr val="dk1"/>
+              </a:fontRef>
+            </p:style>
+            <p:txBody>
+              <a:bodyPr rtlCol="0" anchor="ctr"/>
+              <a:lstStyle/>
+              <a:p>
+                <a:pPr algn="ctr"/>
+                <a:r>
+                  <a:rPr lang="en-US" dirty="0" smtClean="0"/>
+                  <a:t>Block</a:t>
+                </a:r>
+              </a:p>
+              <a:p>
+                <a:pPr algn="ctr"/>
+                <a:r>
+                  <a:rPr lang="en-US" dirty="0" smtClean="0"/>
+                  <a:t>(0,0)</a:t>
+                </a:r>
+                <a:endParaRPr lang="en-SG" dirty="0"/>
+              </a:p>
+            </p:txBody>
+          </p:sp>
+          <p:sp>
+            <p:nvSpPr>
+              <p:cNvPr id="140" name="Rectangle 218"/>
+              <p:cNvSpPr/>
+              <p:nvPr/>
+            </p:nvSpPr>
+            <p:spPr>
+              <a:xfrm>
+                <a:off x="4504242" y="2325049"/>
+                <a:ext cx="845524" cy="571665"/>
+              </a:xfrm>
+              <a:prstGeom prst="rect">
+                <a:avLst/>
+              </a:prstGeom>
+              <a:ln w="12700"/>
+            </p:spPr>
+            <p:style>
+              <a:lnRef idx="2">
+                <a:schemeClr val="dk1"/>
+              </a:lnRef>
+              <a:fillRef idx="1">
+                <a:schemeClr val="lt1"/>
+              </a:fillRef>
+              <a:effectRef idx="0">
+                <a:schemeClr val="dk1"/>
+              </a:effectRef>
+              <a:fontRef idx="minor">
+                <a:schemeClr val="dk1"/>
+              </a:fontRef>
+            </p:style>
+            <p:txBody>
+              <a:bodyPr rtlCol="0" anchor="ctr"/>
+              <a:lstStyle/>
+              <a:p>
+                <a:pPr algn="ctr"/>
+                <a:r>
+                  <a:rPr lang="en-US" dirty="0" smtClean="0"/>
+                  <a:t>Block</a:t>
+                </a:r>
+              </a:p>
+              <a:p>
+                <a:pPr algn="ctr"/>
+                <a:r>
+                  <a:rPr lang="en-US" dirty="0" smtClean="0"/>
+                  <a:t>(0,1)</a:t>
+                </a:r>
+                <a:endParaRPr lang="en-SG" dirty="0"/>
+              </a:p>
+            </p:txBody>
+          </p:sp>
+          <p:sp>
+            <p:nvSpPr>
+              <p:cNvPr id="141" name="Rectangle 218"/>
+              <p:cNvSpPr/>
+              <p:nvPr/>
+            </p:nvSpPr>
+            <p:spPr>
+              <a:xfrm>
+                <a:off x="4504242" y="2979574"/>
+                <a:ext cx="845524" cy="571665"/>
+              </a:xfrm>
+              <a:prstGeom prst="rect">
+                <a:avLst/>
+              </a:prstGeom>
+              <a:ln w="12700"/>
+            </p:spPr>
+            <p:style>
+              <a:lnRef idx="2">
+                <a:schemeClr val="dk1"/>
+              </a:lnRef>
+              <a:fillRef idx="1">
+                <a:schemeClr val="lt1"/>
+              </a:fillRef>
+              <a:effectRef idx="0">
+                <a:schemeClr val="dk1"/>
+              </a:effectRef>
+              <a:fontRef idx="minor">
+                <a:schemeClr val="dk1"/>
+              </a:fontRef>
+            </p:style>
+            <p:txBody>
+              <a:bodyPr rtlCol="0" anchor="ctr"/>
+              <a:lstStyle/>
+              <a:p>
+                <a:pPr algn="ctr"/>
+                <a:r>
+                  <a:rPr lang="en-US" altLang="zh-CN" dirty="0"/>
+                  <a:t>……</a:t>
+                </a:r>
+                <a:endParaRPr lang="en-SG" dirty="0"/>
+              </a:p>
+            </p:txBody>
+          </p:sp>
+        </p:grpSp>
+        <p:grpSp>
+          <p:nvGrpSpPr>
+            <p:cNvPr id="144" name="组 143"/>
+            <p:cNvGrpSpPr/>
+            <p:nvPr/>
+          </p:nvGrpSpPr>
+          <p:grpSpPr>
+            <a:xfrm>
+              <a:off x="5458516" y="1671739"/>
+              <a:ext cx="845524" cy="1878284"/>
+              <a:chOff x="4504242" y="1672955"/>
+              <a:chExt cx="845524" cy="1878284"/>
+            </a:xfrm>
+          </p:grpSpPr>
+          <p:sp>
+            <p:nvSpPr>
+              <p:cNvPr id="145" name="Rectangle 218"/>
+              <p:cNvSpPr/>
+              <p:nvPr/>
+            </p:nvSpPr>
+            <p:spPr>
+              <a:xfrm>
+                <a:off x="4504242" y="1672955"/>
+                <a:ext cx="845524" cy="571665"/>
+              </a:xfrm>
+              <a:prstGeom prst="rect">
+                <a:avLst/>
+              </a:prstGeom>
+              <a:ln w="12700"/>
+            </p:spPr>
+            <p:style>
+              <a:lnRef idx="2">
+                <a:schemeClr val="dk1"/>
+              </a:lnRef>
+              <a:fillRef idx="1">
+                <a:schemeClr val="lt1"/>
+              </a:fillRef>
+              <a:effectRef idx="0">
+                <a:schemeClr val="dk1"/>
+              </a:effectRef>
+              <a:fontRef idx="minor">
+                <a:schemeClr val="dk1"/>
+              </a:fontRef>
+            </p:style>
+            <p:txBody>
+              <a:bodyPr rtlCol="0" anchor="ctr"/>
+              <a:lstStyle/>
+              <a:p>
+                <a:pPr algn="ctr"/>
+                <a:r>
+                  <a:rPr lang="en-US" dirty="0" smtClean="0"/>
+                  <a:t>Block</a:t>
+                </a:r>
+              </a:p>
+              <a:p>
+                <a:pPr algn="ctr"/>
+                <a:r>
+                  <a:rPr lang="en-US" dirty="0" smtClean="0"/>
+                  <a:t>(</a:t>
+                </a:r>
+                <a:r>
+                  <a:rPr lang="en-US" altLang="zh-CN" dirty="0" smtClean="0"/>
+                  <a:t>1</a:t>
+                </a:r>
+                <a:r>
+                  <a:rPr lang="en-US" dirty="0" smtClean="0"/>
+                  <a:t>,0)</a:t>
+                </a:r>
+                <a:endParaRPr lang="en-SG" dirty="0"/>
+              </a:p>
+            </p:txBody>
+          </p:sp>
+          <p:sp>
+            <p:nvSpPr>
+              <p:cNvPr id="146" name="Rectangle 218"/>
+              <p:cNvSpPr/>
+              <p:nvPr/>
+            </p:nvSpPr>
+            <p:spPr>
+              <a:xfrm>
+                <a:off x="4504242" y="2325049"/>
+                <a:ext cx="845524" cy="571665"/>
+              </a:xfrm>
+              <a:prstGeom prst="rect">
+                <a:avLst/>
+              </a:prstGeom>
+              <a:ln w="12700"/>
+            </p:spPr>
+            <p:style>
+              <a:lnRef idx="2">
+                <a:schemeClr val="dk1"/>
+              </a:lnRef>
+              <a:fillRef idx="1">
+                <a:schemeClr val="lt1"/>
+              </a:fillRef>
+              <a:effectRef idx="0">
+                <a:schemeClr val="dk1"/>
+              </a:effectRef>
+              <a:fontRef idx="minor">
+                <a:schemeClr val="dk1"/>
+              </a:fontRef>
+            </p:style>
+            <p:txBody>
+              <a:bodyPr rtlCol="0" anchor="ctr"/>
+              <a:lstStyle/>
+              <a:p>
+                <a:pPr algn="ctr"/>
+                <a:r>
+                  <a:rPr lang="en-US" dirty="0" smtClean="0"/>
+                  <a:t>Block</a:t>
+                </a:r>
+              </a:p>
+              <a:p>
+                <a:pPr algn="ctr"/>
+                <a:r>
+                  <a:rPr lang="en-US" dirty="0" smtClean="0"/>
+                  <a:t>(</a:t>
+                </a:r>
+                <a:r>
+                  <a:rPr lang="en-US" altLang="zh-CN" dirty="0" smtClean="0"/>
+                  <a:t>1</a:t>
+                </a:r>
+                <a:r>
+                  <a:rPr lang="en-US" dirty="0" smtClean="0"/>
+                  <a:t>,</a:t>
+                </a:r>
+                <a:r>
+                  <a:rPr lang="en-US" altLang="zh-CN" dirty="0" smtClean="0"/>
+                  <a:t>1</a:t>
+                </a:r>
+                <a:r>
+                  <a:rPr lang="en-US" dirty="0" smtClean="0"/>
+                  <a:t>)</a:t>
+                </a:r>
+                <a:endParaRPr lang="en-SG" dirty="0"/>
+              </a:p>
+            </p:txBody>
+          </p:sp>
+          <p:sp>
+            <p:nvSpPr>
+              <p:cNvPr id="147" name="Rectangle 218"/>
+              <p:cNvSpPr/>
+              <p:nvPr/>
+            </p:nvSpPr>
+            <p:spPr>
+              <a:xfrm>
+                <a:off x="4504242" y="2979574"/>
+                <a:ext cx="845524" cy="571665"/>
+              </a:xfrm>
+              <a:prstGeom prst="rect">
+                <a:avLst/>
+              </a:prstGeom>
+              <a:ln w="12700"/>
+            </p:spPr>
+            <p:style>
+              <a:lnRef idx="2">
+                <a:schemeClr val="dk1"/>
+              </a:lnRef>
+              <a:fillRef idx="1">
+                <a:schemeClr val="lt1"/>
+              </a:fillRef>
+              <a:effectRef idx="0">
+                <a:schemeClr val="dk1"/>
+              </a:effectRef>
+              <a:fontRef idx="minor">
+                <a:schemeClr val="dk1"/>
+              </a:fontRef>
+            </p:style>
+            <p:txBody>
+              <a:bodyPr rtlCol="0" anchor="ctr"/>
+              <a:lstStyle/>
+              <a:p>
+                <a:pPr algn="ctr"/>
+                <a:r>
+                  <a:rPr lang="en-US" altLang="zh-CN" dirty="0" smtClean="0"/>
+                  <a:t>……</a:t>
+                </a:r>
+                <a:endParaRPr lang="en-SG" altLang="zh-CN" dirty="0"/>
+              </a:p>
+            </p:txBody>
+          </p:sp>
+        </p:grpSp>
+        <p:grpSp>
+          <p:nvGrpSpPr>
+            <p:cNvPr id="189" name="组 188"/>
+            <p:cNvGrpSpPr/>
+            <p:nvPr/>
+          </p:nvGrpSpPr>
+          <p:grpSpPr>
+            <a:xfrm>
+              <a:off x="6412790" y="1670458"/>
+              <a:ext cx="845524" cy="1878284"/>
+              <a:chOff x="4504242" y="1672955"/>
+              <a:chExt cx="845524" cy="1878284"/>
+            </a:xfrm>
+          </p:grpSpPr>
+          <p:sp>
+            <p:nvSpPr>
+              <p:cNvPr id="236" name="Rectangle 218"/>
+              <p:cNvSpPr/>
+              <p:nvPr/>
+            </p:nvSpPr>
+            <p:spPr>
+              <a:xfrm>
+                <a:off x="4504242" y="1672955"/>
+                <a:ext cx="845524" cy="571665"/>
+              </a:xfrm>
+              <a:prstGeom prst="rect">
+                <a:avLst/>
+              </a:prstGeom>
+              <a:ln w="12700"/>
+            </p:spPr>
+            <p:style>
+              <a:lnRef idx="2">
+                <a:schemeClr val="dk1"/>
+              </a:lnRef>
+              <a:fillRef idx="1">
+                <a:schemeClr val="lt1"/>
+              </a:fillRef>
+              <a:effectRef idx="0">
+                <a:schemeClr val="dk1"/>
+              </a:effectRef>
+              <a:fontRef idx="minor">
+                <a:schemeClr val="dk1"/>
+              </a:fontRef>
+            </p:style>
+            <p:txBody>
+              <a:bodyPr rtlCol="0" anchor="ctr"/>
+              <a:lstStyle/>
+              <a:p>
+                <a:pPr algn="ctr"/>
+                <a:r>
+                  <a:rPr lang="en-US" dirty="0" smtClean="0"/>
+                  <a:t>Block</a:t>
+                </a:r>
+              </a:p>
+              <a:p>
+                <a:pPr algn="ctr"/>
+                <a:r>
+                  <a:rPr lang="en-US" dirty="0" smtClean="0"/>
+                  <a:t>(</a:t>
+                </a:r>
+                <a:r>
+                  <a:rPr lang="en-US" altLang="zh-CN" dirty="0" smtClean="0"/>
+                  <a:t>2</a:t>
+                </a:r>
+                <a:r>
+                  <a:rPr lang="en-US" dirty="0" smtClean="0"/>
+                  <a:t>,0)</a:t>
+                </a:r>
+                <a:endParaRPr lang="en-SG" dirty="0"/>
+              </a:p>
+            </p:txBody>
+          </p:sp>
+          <p:sp>
+            <p:nvSpPr>
+              <p:cNvPr id="238" name="Rectangle 218"/>
+              <p:cNvSpPr/>
+              <p:nvPr/>
+            </p:nvSpPr>
+            <p:spPr>
+              <a:xfrm>
+                <a:off x="4504242" y="2325049"/>
+                <a:ext cx="845524" cy="571665"/>
+              </a:xfrm>
+              <a:prstGeom prst="rect">
+                <a:avLst/>
+              </a:prstGeom>
+              <a:ln w="12700"/>
+            </p:spPr>
+            <p:style>
+              <a:lnRef idx="2">
+                <a:schemeClr val="dk1"/>
+              </a:lnRef>
+              <a:fillRef idx="1">
+                <a:schemeClr val="lt1"/>
+              </a:fillRef>
+              <a:effectRef idx="0">
+                <a:schemeClr val="dk1"/>
+              </a:effectRef>
+              <a:fontRef idx="minor">
+                <a:schemeClr val="dk1"/>
+              </a:fontRef>
+            </p:style>
+            <p:txBody>
+              <a:bodyPr rtlCol="0" anchor="ctr"/>
+              <a:lstStyle/>
+              <a:p>
+                <a:pPr algn="ctr"/>
+                <a:r>
+                  <a:rPr lang="en-US" dirty="0" smtClean="0"/>
+                  <a:t>Block</a:t>
+                </a:r>
+              </a:p>
+              <a:p>
+                <a:pPr algn="ctr"/>
+                <a:r>
+                  <a:rPr lang="en-US" dirty="0" smtClean="0"/>
+                  <a:t>(</a:t>
+                </a:r>
+                <a:r>
+                  <a:rPr lang="en-US" altLang="zh-CN" dirty="0" smtClean="0"/>
+                  <a:t>2</a:t>
+                </a:r>
+                <a:r>
+                  <a:rPr lang="en-US" dirty="0" smtClean="0"/>
+                  <a:t>,</a:t>
+                </a:r>
+                <a:r>
+                  <a:rPr lang="en-US" altLang="zh-CN" dirty="0" smtClean="0"/>
+                  <a:t>1</a:t>
+                </a:r>
+                <a:r>
+                  <a:rPr lang="en-US" dirty="0" smtClean="0"/>
+                  <a:t>)</a:t>
+                </a:r>
+                <a:endParaRPr lang="en-SG" dirty="0"/>
+              </a:p>
+            </p:txBody>
+          </p:sp>
+          <p:sp>
+            <p:nvSpPr>
+              <p:cNvPr id="239" name="Rectangle 218"/>
+              <p:cNvSpPr/>
+              <p:nvPr/>
+            </p:nvSpPr>
+            <p:spPr>
+              <a:xfrm>
+                <a:off x="4504242" y="2979574"/>
+                <a:ext cx="845524" cy="571665"/>
+              </a:xfrm>
+              <a:prstGeom prst="rect">
+                <a:avLst/>
+              </a:prstGeom>
+              <a:ln w="12700"/>
+            </p:spPr>
+            <p:style>
+              <a:lnRef idx="2">
+                <a:schemeClr val="dk1"/>
+              </a:lnRef>
+              <a:fillRef idx="1">
+                <a:schemeClr val="lt1"/>
+              </a:fillRef>
+              <a:effectRef idx="0">
+                <a:schemeClr val="dk1"/>
+              </a:effectRef>
+              <a:fontRef idx="minor">
+                <a:schemeClr val="dk1"/>
+              </a:fontRef>
+            </p:style>
+            <p:txBody>
+              <a:bodyPr rtlCol="0" anchor="ctr"/>
+              <a:lstStyle/>
+              <a:p>
+                <a:pPr algn="ctr"/>
+                <a:r>
+                  <a:rPr lang="en-US" altLang="zh-CN" dirty="0" smtClean="0"/>
+                  <a:t>……</a:t>
+                </a:r>
+                <a:endParaRPr lang="en-SG" altLang="zh-CN" dirty="0"/>
+              </a:p>
+            </p:txBody>
+          </p:sp>
+        </p:grpSp>
+      </p:grpSp>
+      <p:grpSp>
+        <p:nvGrpSpPr>
+          <p:cNvPr id="240" name="组 239"/>
+          <p:cNvGrpSpPr/>
+          <p:nvPr/>
+        </p:nvGrpSpPr>
+        <p:grpSpPr>
+          <a:xfrm>
+            <a:off x="4348627" y="3841531"/>
+            <a:ext cx="3113718" cy="2385848"/>
+            <a:chOff x="4348627" y="1303284"/>
+            <a:chExt cx="3113718" cy="2385848"/>
+          </a:xfrm>
+        </p:grpSpPr>
+        <p:sp>
+          <p:nvSpPr>
+            <p:cNvPr id="241" name="Rectangle 193"/>
+            <p:cNvSpPr/>
+            <p:nvPr/>
+          </p:nvSpPr>
+          <p:spPr>
+            <a:xfrm>
+              <a:off x="4348627" y="1303284"/>
+              <a:ext cx="3113718" cy="2385848"/>
+            </a:xfrm>
+            <a:prstGeom prst="rect">
+              <a:avLst/>
+            </a:prstGeom>
+            <a:ln w="19050">
+              <a:prstDash val="solid"/>
+            </a:ln>
+          </p:spPr>
+          <p:style>
+            <a:lnRef idx="2">
+              <a:schemeClr val="dk1"/>
+            </a:lnRef>
+            <a:fillRef idx="1">
+              <a:schemeClr val="lt1"/>
+            </a:fillRef>
+            <a:effectRef idx="0">
+              <a:schemeClr val="dk1"/>
+            </a:effectRef>
+            <a:fontRef idx="minor">
+              <a:schemeClr val="dk1"/>
+            </a:fontRef>
+          </p:style>
+          <p:txBody>
+            <a:bodyPr rtlCol="0" anchor="ctr"/>
+            <a:lstStyle/>
+            <a:p>
+              <a:pPr algn="ctr"/>
+              <a:endParaRPr lang="en-SG" dirty="0"/>
+            </a:p>
+          </p:txBody>
+        </p:sp>
+        <p:sp>
+          <p:nvSpPr>
+            <p:cNvPr id="242" name="TextBox 229"/>
+            <p:cNvSpPr txBox="1"/>
+            <p:nvPr/>
+          </p:nvSpPr>
+          <p:spPr>
+            <a:xfrm>
+              <a:off x="4348627" y="1306693"/>
+              <a:ext cx="2945644" cy="369332"/>
+            </a:xfrm>
+            <a:prstGeom prst="rect">
+              <a:avLst/>
+            </a:prstGeom>
+            <a:noFill/>
+            <a:ln w="38100">
+              <a:noFill/>
+              <a:prstDash val="solid"/>
+            </a:ln>
+          </p:spPr>
+          <p:txBody>
+            <a:bodyPr wrap="square" rtlCol="0">
+              <a:spAutoFit/>
+            </a:bodyPr>
+            <a:lstStyle/>
+            <a:p>
+              <a:r>
+                <a:rPr lang="en-SG" dirty="0" smtClean="0"/>
+                <a:t>Grid </a:t>
+              </a:r>
+              <a:r>
+                <a:rPr lang="en-US" altLang="zh-CN" dirty="0" smtClean="0"/>
+                <a:t>2</a:t>
+              </a:r>
+              <a:endParaRPr lang="en-SG" dirty="0"/>
+            </a:p>
+          </p:txBody>
+        </p:sp>
+        <p:grpSp>
+          <p:nvGrpSpPr>
+            <p:cNvPr id="243" name="组 242"/>
+            <p:cNvGrpSpPr/>
+            <p:nvPr/>
+          </p:nvGrpSpPr>
+          <p:grpSpPr>
+            <a:xfrm>
+              <a:off x="4504242" y="1672955"/>
+              <a:ext cx="845524" cy="1878284"/>
+              <a:chOff x="4504242" y="1672955"/>
+              <a:chExt cx="845524" cy="1878284"/>
+            </a:xfrm>
+          </p:grpSpPr>
+          <p:sp>
+            <p:nvSpPr>
+              <p:cNvPr id="252" name="Rectangle 218"/>
+              <p:cNvSpPr/>
+              <p:nvPr/>
+            </p:nvSpPr>
+            <p:spPr>
+              <a:xfrm>
+                <a:off x="4504242" y="1672955"/>
+                <a:ext cx="845524" cy="571665"/>
+              </a:xfrm>
+              <a:prstGeom prst="rect">
+                <a:avLst/>
+              </a:prstGeom>
+              <a:ln w="12700"/>
+            </p:spPr>
+            <p:style>
+              <a:lnRef idx="2">
+                <a:schemeClr val="dk1"/>
+              </a:lnRef>
+              <a:fillRef idx="1">
+                <a:schemeClr val="lt1"/>
+              </a:fillRef>
+              <a:effectRef idx="0">
+                <a:schemeClr val="dk1"/>
+              </a:effectRef>
+              <a:fontRef idx="minor">
+                <a:schemeClr val="dk1"/>
+              </a:fontRef>
+            </p:style>
+            <p:txBody>
+              <a:bodyPr rtlCol="0" anchor="ctr"/>
+              <a:lstStyle/>
+              <a:p>
+                <a:pPr algn="ctr"/>
+                <a:endParaRPr lang="en-SG" dirty="0"/>
+              </a:p>
+            </p:txBody>
+          </p:sp>
+          <p:sp>
+            <p:nvSpPr>
+              <p:cNvPr id="253" name="Rectangle 218"/>
+              <p:cNvSpPr/>
+              <p:nvPr/>
+            </p:nvSpPr>
+            <p:spPr>
+              <a:xfrm>
+                <a:off x="4504242" y="2325049"/>
+                <a:ext cx="845524" cy="571665"/>
+              </a:xfrm>
+              <a:prstGeom prst="rect">
+                <a:avLst/>
+              </a:prstGeom>
+              <a:ln w="12700"/>
+            </p:spPr>
+            <p:style>
+              <a:lnRef idx="2">
+                <a:schemeClr val="dk1"/>
+              </a:lnRef>
+              <a:fillRef idx="1">
+                <a:schemeClr val="lt1"/>
+              </a:fillRef>
+              <a:effectRef idx="0">
+                <a:schemeClr val="dk1"/>
+              </a:effectRef>
+              <a:fontRef idx="minor">
+                <a:schemeClr val="dk1"/>
+              </a:fontRef>
+            </p:style>
+            <p:txBody>
+              <a:bodyPr rtlCol="0" anchor="ctr"/>
+              <a:lstStyle/>
+              <a:p>
+                <a:pPr algn="ctr"/>
+                <a:endParaRPr lang="en-SG" dirty="0"/>
+              </a:p>
+            </p:txBody>
+          </p:sp>
+          <p:sp>
+            <p:nvSpPr>
+              <p:cNvPr id="254" name="Rectangle 218"/>
+              <p:cNvSpPr/>
+              <p:nvPr/>
+            </p:nvSpPr>
+            <p:spPr>
+              <a:xfrm>
+                <a:off x="4504242" y="2979574"/>
+                <a:ext cx="845524" cy="571665"/>
+              </a:xfrm>
+              <a:prstGeom prst="rect">
+                <a:avLst/>
+              </a:prstGeom>
+              <a:ln w="12700"/>
+            </p:spPr>
+            <p:style>
+              <a:lnRef idx="2">
+                <a:schemeClr val="dk1"/>
+              </a:lnRef>
+              <a:fillRef idx="1">
+                <a:schemeClr val="lt1"/>
+              </a:fillRef>
+              <a:effectRef idx="0">
+                <a:schemeClr val="dk1"/>
+              </a:effectRef>
+              <a:fontRef idx="minor">
+                <a:schemeClr val="dk1"/>
+              </a:fontRef>
+            </p:style>
+            <p:txBody>
+              <a:bodyPr rtlCol="0" anchor="ctr"/>
+              <a:lstStyle/>
+              <a:p>
+                <a:pPr algn="ctr"/>
+                <a:endParaRPr lang="en-SG" dirty="0"/>
+              </a:p>
+            </p:txBody>
+          </p:sp>
+        </p:grpSp>
+        <p:grpSp>
+          <p:nvGrpSpPr>
+            <p:cNvPr id="244" name="组 243"/>
+            <p:cNvGrpSpPr/>
+            <p:nvPr/>
+          </p:nvGrpSpPr>
+          <p:grpSpPr>
+            <a:xfrm>
+              <a:off x="5458516" y="1671739"/>
+              <a:ext cx="845524" cy="1878284"/>
+              <a:chOff x="4504242" y="1672955"/>
+              <a:chExt cx="845524" cy="1878284"/>
+            </a:xfrm>
+          </p:grpSpPr>
+          <p:sp>
+            <p:nvSpPr>
+              <p:cNvPr id="249" name="Rectangle 218"/>
+              <p:cNvSpPr/>
+              <p:nvPr/>
+            </p:nvSpPr>
+            <p:spPr>
+              <a:xfrm>
+                <a:off x="4504242" y="1672955"/>
+                <a:ext cx="845524" cy="571665"/>
+              </a:xfrm>
+              <a:prstGeom prst="rect">
+                <a:avLst/>
+              </a:prstGeom>
+              <a:ln w="12700"/>
+            </p:spPr>
+            <p:style>
+              <a:lnRef idx="2">
+                <a:schemeClr val="dk1"/>
+              </a:lnRef>
+              <a:fillRef idx="1">
+                <a:schemeClr val="lt1"/>
+              </a:fillRef>
+              <a:effectRef idx="0">
+                <a:schemeClr val="dk1"/>
+              </a:effectRef>
+              <a:fontRef idx="minor">
+                <a:schemeClr val="dk1"/>
+              </a:fontRef>
+            </p:style>
+            <p:txBody>
+              <a:bodyPr rtlCol="0" anchor="ctr"/>
+              <a:lstStyle/>
+              <a:p>
+                <a:pPr algn="ctr"/>
+                <a:endParaRPr lang="en-SG" dirty="0"/>
+              </a:p>
+            </p:txBody>
+          </p:sp>
+          <p:sp>
+            <p:nvSpPr>
+              <p:cNvPr id="250" name="Rectangle 218"/>
+              <p:cNvSpPr/>
+              <p:nvPr/>
+            </p:nvSpPr>
+            <p:spPr>
+              <a:xfrm>
+                <a:off x="4504242" y="2325049"/>
+                <a:ext cx="845524" cy="571665"/>
+              </a:xfrm>
+              <a:prstGeom prst="rect">
+                <a:avLst/>
+              </a:prstGeom>
+              <a:ln w="12700"/>
+            </p:spPr>
+            <p:style>
+              <a:lnRef idx="2">
+                <a:schemeClr val="dk1"/>
+              </a:lnRef>
+              <a:fillRef idx="1">
+                <a:schemeClr val="lt1"/>
+              </a:fillRef>
+              <a:effectRef idx="0">
+                <a:schemeClr val="dk1"/>
+              </a:effectRef>
+              <a:fontRef idx="minor">
+                <a:schemeClr val="dk1"/>
+              </a:fontRef>
+            </p:style>
+            <p:txBody>
+              <a:bodyPr rtlCol="0" anchor="ctr"/>
+              <a:lstStyle/>
+              <a:p>
+                <a:pPr algn="ctr"/>
+                <a:endParaRPr lang="en-SG" dirty="0"/>
+              </a:p>
+            </p:txBody>
+          </p:sp>
+          <p:sp>
+            <p:nvSpPr>
+              <p:cNvPr id="251" name="Rectangle 218"/>
+              <p:cNvSpPr/>
+              <p:nvPr/>
+            </p:nvSpPr>
+            <p:spPr>
+              <a:xfrm>
+                <a:off x="4504242" y="2979574"/>
+                <a:ext cx="845524" cy="571665"/>
+              </a:xfrm>
+              <a:prstGeom prst="rect">
+                <a:avLst/>
+              </a:prstGeom>
+              <a:ln w="12700"/>
+            </p:spPr>
+            <p:style>
+              <a:lnRef idx="2">
+                <a:schemeClr val="dk1"/>
+              </a:lnRef>
+              <a:fillRef idx="1">
+                <a:schemeClr val="lt1"/>
+              </a:fillRef>
+              <a:effectRef idx="0">
+                <a:schemeClr val="dk1"/>
+              </a:effectRef>
+              <a:fontRef idx="minor">
+                <a:schemeClr val="dk1"/>
+              </a:fontRef>
+            </p:style>
+            <p:txBody>
+              <a:bodyPr rtlCol="0" anchor="ctr"/>
+              <a:lstStyle/>
+              <a:p>
+                <a:pPr algn="ctr"/>
+                <a:endParaRPr lang="en-SG" altLang="zh-CN" dirty="0"/>
+              </a:p>
+            </p:txBody>
+          </p:sp>
+        </p:grpSp>
+        <p:grpSp>
+          <p:nvGrpSpPr>
+            <p:cNvPr id="245" name="组 244"/>
+            <p:cNvGrpSpPr/>
+            <p:nvPr/>
+          </p:nvGrpSpPr>
+          <p:grpSpPr>
+            <a:xfrm>
+              <a:off x="6412790" y="1670458"/>
+              <a:ext cx="845524" cy="1878284"/>
+              <a:chOff x="4504242" y="1672955"/>
+              <a:chExt cx="845524" cy="1878284"/>
+            </a:xfrm>
+          </p:grpSpPr>
+          <p:sp>
+            <p:nvSpPr>
+              <p:cNvPr id="246" name="Rectangle 218"/>
+              <p:cNvSpPr/>
+              <p:nvPr/>
+            </p:nvSpPr>
+            <p:spPr>
+              <a:xfrm>
+                <a:off x="4504242" y="1672955"/>
+                <a:ext cx="845524" cy="571665"/>
+              </a:xfrm>
+              <a:prstGeom prst="rect">
+                <a:avLst/>
+              </a:prstGeom>
+              <a:ln w="12700"/>
+            </p:spPr>
+            <p:style>
+              <a:lnRef idx="2">
+                <a:schemeClr val="dk1"/>
+              </a:lnRef>
+              <a:fillRef idx="1">
+                <a:schemeClr val="lt1"/>
+              </a:fillRef>
+              <a:effectRef idx="0">
+                <a:schemeClr val="dk1"/>
+              </a:effectRef>
+              <a:fontRef idx="minor">
+                <a:schemeClr val="dk1"/>
+              </a:fontRef>
+            </p:style>
+            <p:txBody>
+              <a:bodyPr rtlCol="0" anchor="ctr"/>
+              <a:lstStyle/>
+              <a:p>
+                <a:pPr algn="ctr"/>
+                <a:endParaRPr lang="en-SG" dirty="0"/>
+              </a:p>
+            </p:txBody>
+          </p:sp>
+          <p:sp>
+            <p:nvSpPr>
+              <p:cNvPr id="247" name="Rectangle 218"/>
+              <p:cNvSpPr/>
+              <p:nvPr/>
+            </p:nvSpPr>
+            <p:spPr>
+              <a:xfrm>
+                <a:off x="4504242" y="2325049"/>
+                <a:ext cx="845524" cy="571665"/>
+              </a:xfrm>
+              <a:prstGeom prst="rect">
+                <a:avLst/>
+              </a:prstGeom>
+              <a:ln w="12700"/>
+            </p:spPr>
+            <p:style>
+              <a:lnRef idx="2">
+                <a:schemeClr val="dk1"/>
+              </a:lnRef>
+              <a:fillRef idx="1">
+                <a:schemeClr val="lt1"/>
+              </a:fillRef>
+              <a:effectRef idx="0">
+                <a:schemeClr val="dk1"/>
+              </a:effectRef>
+              <a:fontRef idx="minor">
+                <a:schemeClr val="dk1"/>
+              </a:fontRef>
+            </p:style>
+            <p:txBody>
+              <a:bodyPr rtlCol="0" anchor="ctr"/>
+              <a:lstStyle/>
+              <a:p>
+                <a:pPr algn="ctr"/>
+                <a:endParaRPr lang="en-SG" dirty="0"/>
+              </a:p>
+            </p:txBody>
+          </p:sp>
+          <p:sp>
+            <p:nvSpPr>
+              <p:cNvPr id="248" name="Rectangle 218"/>
+              <p:cNvSpPr/>
+              <p:nvPr/>
+            </p:nvSpPr>
+            <p:spPr>
+              <a:xfrm>
+                <a:off x="4504242" y="2979574"/>
+                <a:ext cx="845524" cy="571665"/>
+              </a:xfrm>
+              <a:prstGeom prst="rect">
+                <a:avLst/>
+              </a:prstGeom>
+              <a:ln w="12700"/>
+            </p:spPr>
+            <p:style>
+              <a:lnRef idx="2">
+                <a:schemeClr val="dk1"/>
+              </a:lnRef>
+              <a:fillRef idx="1">
+                <a:schemeClr val="lt1"/>
+              </a:fillRef>
+              <a:effectRef idx="0">
+                <a:schemeClr val="dk1"/>
+              </a:effectRef>
+              <a:fontRef idx="minor">
+                <a:schemeClr val="dk1"/>
+              </a:fontRef>
+            </p:style>
+            <p:txBody>
+              <a:bodyPr rtlCol="0" anchor="ctr"/>
+              <a:lstStyle/>
+              <a:p>
+                <a:pPr algn="ctr"/>
+                <a:endParaRPr lang="en-SG" altLang="zh-CN" dirty="0"/>
+              </a:p>
+            </p:txBody>
+          </p:sp>
+        </p:grpSp>
+      </p:grpSp>
+      <p:grpSp>
+        <p:nvGrpSpPr>
+          <p:cNvPr id="255" name="组 254"/>
+          <p:cNvGrpSpPr/>
+          <p:nvPr/>
+        </p:nvGrpSpPr>
+        <p:grpSpPr>
+          <a:xfrm>
+            <a:off x="3367298" y="4357069"/>
+            <a:ext cx="4526863" cy="2464194"/>
+            <a:chOff x="4335157" y="1741542"/>
+            <a:chExt cx="4008669" cy="2330977"/>
+          </a:xfrm>
+        </p:grpSpPr>
+        <p:sp>
+          <p:nvSpPr>
+            <p:cNvPr id="256" name="Rectangle 193"/>
+            <p:cNvSpPr/>
+            <p:nvPr/>
+          </p:nvSpPr>
+          <p:spPr>
+            <a:xfrm>
+              <a:off x="4335157" y="1741542"/>
+              <a:ext cx="4008669" cy="2330977"/>
+            </a:xfrm>
+            <a:prstGeom prst="rect">
+              <a:avLst/>
+            </a:prstGeom>
+            <a:solidFill>
+              <a:schemeClr val="bg1">
+                <a:lumMod val="85000"/>
+              </a:schemeClr>
+            </a:solidFill>
+            <a:ln w="19050">
+              <a:prstDash val="solid"/>
+            </a:ln>
+          </p:spPr>
+          <p:style>
+            <a:lnRef idx="2">
+              <a:schemeClr val="dk1"/>
+            </a:lnRef>
+            <a:fillRef idx="1">
+              <a:schemeClr val="lt1"/>
+            </a:fillRef>
+            <a:effectRef idx="0">
+              <a:schemeClr val="dk1"/>
+            </a:effectRef>
+            <a:fontRef idx="minor">
+              <a:schemeClr val="dk1"/>
+            </a:fontRef>
+          </p:style>
+          <p:txBody>
+            <a:bodyPr rtlCol="0" anchor="ctr"/>
+            <a:lstStyle/>
+            <a:p>
+              <a:pPr algn="ctr"/>
+              <a:endParaRPr lang="en-SG" dirty="0"/>
+            </a:p>
+          </p:txBody>
+        </p:sp>
+        <p:sp>
+          <p:nvSpPr>
+            <p:cNvPr id="257" name="TextBox 229"/>
+            <p:cNvSpPr txBox="1"/>
+            <p:nvPr/>
+          </p:nvSpPr>
+          <p:spPr>
+            <a:xfrm>
+              <a:off x="4379856" y="1755156"/>
+              <a:ext cx="3929159" cy="369332"/>
+            </a:xfrm>
+            <a:prstGeom prst="rect">
+              <a:avLst/>
+            </a:prstGeom>
+            <a:noFill/>
+            <a:ln w="38100">
+              <a:noFill/>
+              <a:prstDash val="solid"/>
+            </a:ln>
+          </p:spPr>
+          <p:txBody>
+            <a:bodyPr wrap="square" rtlCol="0">
+              <a:spAutoFit/>
+            </a:bodyPr>
+            <a:lstStyle/>
+            <a:p>
+              <a:pPr algn="ctr"/>
+              <a:r>
+                <a:rPr lang="en-US" altLang="zh-CN" dirty="0" smtClean="0"/>
+                <a:t>Block(1,1)</a:t>
+              </a:r>
+              <a:endParaRPr lang="en-SG" dirty="0"/>
+            </a:p>
+          </p:txBody>
+        </p:sp>
+      </p:grpSp>
+      <p:graphicFrame>
+        <p:nvGraphicFramePr>
+          <p:cNvPr id="19" name="表格 18"/>
+          <p:cNvGraphicFramePr>
+            <a:graphicFrameLocks noGrp="1"/>
+          </p:cNvGraphicFramePr>
+          <p:nvPr>
+            <p:extLst>
+              <p:ext uri="{D42A27DB-BD31-4B8C-83A1-F6EECF244321}">
+                <p14:modId xmlns:p14="http://schemas.microsoft.com/office/powerpoint/2010/main" val="1339720452"/>
+              </p:ext>
+            </p:extLst>
+          </p:nvPr>
+        </p:nvGraphicFramePr>
+        <p:xfrm>
+          <a:off x="3481586" y="4726401"/>
+          <a:ext cx="4322192" cy="1894078"/>
+        </p:xfrm>
+        <a:graphic>
+          <a:graphicData uri="http://schemas.openxmlformats.org/drawingml/2006/table">
+            <a:tbl>
+              <a:tblPr firstRow="1" bandRow="1">
+                <a:tableStyleId>{5940675A-B579-460E-94D1-54222C63F5DA}</a:tableStyleId>
+              </a:tblPr>
+              <a:tblGrid>
+                <a:gridCol w="858952"/>
+                <a:gridCol w="857250"/>
+                <a:gridCol w="857250"/>
+                <a:gridCol w="857250"/>
+                <a:gridCol w="891490"/>
+              </a:tblGrid>
+              <a:tr h="707262">
+                <a:tc>
+                  <a:txBody>
+                    <a:bodyPr/>
+                    <a:lstStyle/>
+                    <a:p>
+                      <a:pPr algn="ctr"/>
+                      <a:r>
+                        <a:rPr lang="en-US" altLang="zh-CN" dirty="0" smtClean="0"/>
+                        <a:t>Thread</a:t>
+                      </a:r>
+                    </a:p>
+                    <a:p>
+                      <a:pPr algn="ctr"/>
+                      <a:r>
+                        <a:rPr lang="en-US" altLang="zh-CN" dirty="0" smtClean="0"/>
+                        <a:t>(0,0)</a:t>
+                      </a:r>
+                      <a:endParaRPr lang="zh-CN" altLang="en-US" dirty="0"/>
+                    </a:p>
+                  </a:txBody>
+                  <a:tcPr anchor="ctr">
+                    <a:solidFill>
+                      <a:schemeClr val="bg1"/>
+                    </a:solidFill>
+                  </a:tcPr>
+                </a:tc>
+                <a:tc>
+                  <a:txBody>
+                    <a:bodyPr/>
+                    <a:lstStyle/>
+                    <a:p>
+                      <a:pPr algn="ctr"/>
+                      <a:r>
+                        <a:rPr lang="en-US" altLang="zh-CN" dirty="0" smtClean="0"/>
+                        <a:t>Thread</a:t>
+                      </a:r>
+                    </a:p>
+                    <a:p>
+                      <a:pPr algn="ctr"/>
+                      <a:r>
+                        <a:rPr lang="en-US" altLang="zh-CN" dirty="0" smtClean="0"/>
+                        <a:t>(1,0)</a:t>
+                      </a:r>
+                      <a:endParaRPr lang="zh-CN" altLang="en-US" dirty="0" smtClean="0"/>
+                    </a:p>
+                  </a:txBody>
+                  <a:tcPr anchor="ctr">
+                    <a:solidFill>
+                      <a:schemeClr val="bg1"/>
+                    </a:solidFill>
+                  </a:tcPr>
+                </a:tc>
+                <a:tc>
+                  <a:txBody>
+                    <a:bodyPr/>
+                    <a:lstStyle/>
+                    <a:p>
+                      <a:pPr algn="ctr"/>
+                      <a:r>
+                        <a:rPr lang="en-US" altLang="zh-CN" dirty="0" smtClean="0"/>
+                        <a:t>Thread</a:t>
+                      </a:r>
+                    </a:p>
+                    <a:p>
+                      <a:pPr algn="ctr"/>
+                      <a:r>
+                        <a:rPr lang="en-US" altLang="zh-CN" dirty="0" smtClean="0"/>
+                        <a:t>(2,0)</a:t>
+                      </a:r>
+                      <a:endParaRPr lang="zh-CN" altLang="en-US" dirty="0" smtClean="0"/>
+                    </a:p>
+                  </a:txBody>
+                  <a:tcPr anchor="ctr">
+                    <a:solidFill>
+                      <a:schemeClr val="bg1"/>
+                    </a:solidFill>
+                  </a:tcPr>
+                </a:tc>
+                <a:tc>
+                  <a:txBody>
+                    <a:bodyPr/>
+                    <a:lstStyle/>
+                    <a:p>
+                      <a:pPr algn="ctr"/>
+                      <a:r>
+                        <a:rPr lang="en-US" altLang="zh-CN" dirty="0" smtClean="0"/>
+                        <a:t>Thread</a:t>
+                      </a:r>
+                    </a:p>
+                    <a:p>
+                      <a:pPr algn="ctr"/>
+                      <a:r>
+                        <a:rPr lang="en-US" altLang="zh-CN" dirty="0" smtClean="0"/>
+                        <a:t>(3,0)</a:t>
+                      </a:r>
+                      <a:endParaRPr lang="zh-CN" altLang="en-US" dirty="0" smtClean="0"/>
+                    </a:p>
+                  </a:txBody>
+                  <a:tcPr anchor="ctr">
+                    <a:solidFill>
+                      <a:schemeClr val="bg1"/>
+                    </a:solidFill>
+                  </a:tcPr>
+                </a:tc>
+                <a:tc>
+                  <a:txBody>
+                    <a:bodyPr/>
+                    <a:lstStyle/>
+                    <a:p>
+                      <a:pPr algn="ctr"/>
+                      <a:r>
+                        <a:rPr lang="en-US" altLang="zh-CN" dirty="0" smtClean="0"/>
+                        <a:t>Thread</a:t>
+                      </a:r>
+                    </a:p>
+                    <a:p>
+                      <a:pPr algn="ctr"/>
+                      <a:r>
+                        <a:rPr lang="en-US" altLang="zh-CN" dirty="0" smtClean="0"/>
+                        <a:t>(4,0)</a:t>
+                      </a:r>
+                      <a:endParaRPr lang="zh-CN" altLang="en-US" dirty="0" smtClean="0"/>
+                    </a:p>
+                  </a:txBody>
+                  <a:tcPr anchor="ctr">
+                    <a:solidFill>
+                      <a:schemeClr val="bg1"/>
+                    </a:solidFill>
+                  </a:tcPr>
+                </a:tc>
+              </a:tr>
+              <a:tr h="369586">
+                <a:tc>
+                  <a:txBody>
+                    <a:bodyPr/>
+                    <a:lstStyle/>
+                    <a:p>
+                      <a:pPr algn="ctr"/>
+                      <a:r>
+                        <a:rPr lang="en-US" altLang="zh-CN" dirty="0" smtClean="0"/>
+                        <a:t>Thread</a:t>
+                      </a:r>
+                    </a:p>
+                    <a:p>
+                      <a:pPr algn="ctr"/>
+                      <a:r>
+                        <a:rPr lang="en-US" altLang="zh-CN" dirty="0" smtClean="0"/>
+                        <a:t>(0,1)</a:t>
+                      </a:r>
+                      <a:endParaRPr lang="zh-CN" altLang="en-US" dirty="0" smtClean="0"/>
+                    </a:p>
+                  </a:txBody>
+                  <a:tcPr anchor="ctr">
+                    <a:solidFill>
+                      <a:schemeClr val="bg1"/>
+                    </a:solidFill>
+                  </a:tcPr>
+                </a:tc>
+                <a:tc>
+                  <a:txBody>
+                    <a:bodyPr/>
+                    <a:lstStyle/>
+                    <a:p>
+                      <a:pPr algn="ctr"/>
+                      <a:r>
+                        <a:rPr lang="en-US" altLang="zh-CN" dirty="0" smtClean="0"/>
+                        <a:t>Thread</a:t>
+                      </a:r>
+                    </a:p>
+                    <a:p>
+                      <a:pPr algn="ctr"/>
+                      <a:r>
+                        <a:rPr lang="en-US" altLang="zh-CN" dirty="0" smtClean="0"/>
+                        <a:t>(1,1)</a:t>
+                      </a:r>
+                      <a:endParaRPr lang="zh-CN" altLang="en-US" dirty="0" smtClean="0"/>
+                    </a:p>
+                  </a:txBody>
+                  <a:tcPr anchor="ctr">
+                    <a:solidFill>
+                      <a:schemeClr val="bg1"/>
+                    </a:solidFill>
+                  </a:tcPr>
+                </a:tc>
+                <a:tc>
+                  <a:txBody>
+                    <a:bodyPr/>
+                    <a:lstStyle/>
+                    <a:p>
+                      <a:pPr algn="ctr"/>
+                      <a:r>
+                        <a:rPr lang="en-US" altLang="zh-CN" dirty="0" smtClean="0"/>
+                        <a:t>Thread</a:t>
+                      </a:r>
+                    </a:p>
+                    <a:p>
+                      <a:pPr algn="ctr"/>
+                      <a:r>
+                        <a:rPr lang="en-US" altLang="zh-CN" dirty="0" smtClean="0"/>
+                        <a:t>(2,1)</a:t>
+                      </a:r>
+                      <a:endParaRPr lang="zh-CN" altLang="en-US" dirty="0" smtClean="0"/>
+                    </a:p>
+                  </a:txBody>
+                  <a:tcPr anchor="ctr">
+                    <a:solidFill>
+                      <a:schemeClr val="bg1"/>
+                    </a:solidFill>
+                  </a:tcPr>
+                </a:tc>
+                <a:tc>
+                  <a:txBody>
+                    <a:bodyPr/>
+                    <a:lstStyle/>
+                    <a:p>
+                      <a:pPr algn="ctr"/>
+                      <a:r>
+                        <a:rPr lang="en-US" altLang="zh-CN" dirty="0" smtClean="0"/>
+                        <a:t>Thread</a:t>
+                      </a:r>
+                    </a:p>
+                    <a:p>
+                      <a:pPr algn="ctr"/>
+                      <a:r>
+                        <a:rPr lang="en-US" altLang="zh-CN" dirty="0" smtClean="0"/>
+                        <a:t>(3,1)</a:t>
+                      </a:r>
+                      <a:endParaRPr lang="zh-CN" altLang="en-US" dirty="0" smtClean="0"/>
+                    </a:p>
+                  </a:txBody>
+                  <a:tcPr anchor="ctr">
+                    <a:solidFill>
+                      <a:schemeClr val="bg1"/>
+                    </a:solidFill>
+                  </a:tcPr>
+                </a:tc>
+                <a:tc>
+                  <a:txBody>
+                    <a:bodyPr/>
+                    <a:lstStyle/>
+                    <a:p>
+                      <a:pPr algn="ctr"/>
+                      <a:r>
+                        <a:rPr lang="en-US" altLang="zh-CN" dirty="0" smtClean="0"/>
+                        <a:t>Thread</a:t>
+                      </a:r>
+                    </a:p>
+                    <a:p>
+                      <a:pPr algn="ctr"/>
+                      <a:r>
+                        <a:rPr lang="en-US" altLang="zh-CN" dirty="0" smtClean="0"/>
+                        <a:t>(4,1)</a:t>
+                      </a:r>
+                      <a:endParaRPr lang="zh-CN" altLang="en-US" dirty="0" smtClean="0"/>
+                    </a:p>
+                  </a:txBody>
+                  <a:tcPr anchor="ctr">
+                    <a:solidFill>
+                      <a:schemeClr val="bg1"/>
+                    </a:solidFill>
+                  </a:tcPr>
+                </a:tc>
+              </a:tr>
+              <a:tr h="546736">
+                <a:tc>
+                  <a:txBody>
+                    <a:bodyPr/>
+                    <a:lstStyle/>
+                    <a:p>
+                      <a:pPr algn="ctr"/>
+                      <a:r>
+                        <a:rPr lang="en-US" altLang="zh-CN" dirty="0" smtClean="0"/>
+                        <a:t>……</a:t>
+                      </a:r>
+                      <a:endParaRPr lang="zh-CN" altLang="en-US" dirty="0"/>
+                    </a:p>
+                  </a:txBody>
+                  <a:tcPr anchor="ctr">
+                    <a:solidFill>
+                      <a:schemeClr val="bg1"/>
+                    </a:solidFill>
+                  </a:tcPr>
+                </a:tc>
+                <a:tc>
+                  <a:txBody>
+                    <a:bodyPr/>
+                    <a:lstStyle/>
+                    <a:p>
+                      <a:pPr algn="ctr"/>
+                      <a:r>
+                        <a:rPr lang="en-US" altLang="zh-CN" dirty="0" smtClean="0"/>
+                        <a:t>……</a:t>
+                      </a:r>
+                      <a:endParaRPr lang="zh-CN" altLang="en-US" dirty="0"/>
+                    </a:p>
+                  </a:txBody>
+                  <a:tcPr anchor="ctr">
+                    <a:solidFill>
+                      <a:schemeClr val="bg1"/>
+                    </a:solidFill>
+                  </a:tcPr>
+                </a:tc>
+                <a:tc>
+                  <a:txBody>
+                    <a:bodyPr/>
+                    <a:lstStyle/>
+                    <a:p>
+                      <a:pPr marL="0" marR="0" indent="0" algn="ctr" defTabSz="914400" rtl="0" eaLnBrk="1" fontAlgn="auto" latinLnBrk="0" hangingPunct="1">
+                        <a:lnSpc>
+                          <a:spcPct val="100000"/>
+                        </a:lnSpc>
+                        <a:spcBef>
+                          <a:spcPts val="0"/>
+                        </a:spcBef>
+                        <a:spcAft>
+                          <a:spcPts val="0"/>
+                        </a:spcAft>
+                        <a:buClrTx/>
+                        <a:buSzTx/>
+                        <a:buFontTx/>
+                        <a:buNone/>
+                        <a:tabLst/>
+                        <a:defRPr/>
+                      </a:pPr>
+                      <a:r>
+                        <a:rPr lang="en-US" altLang="zh-CN" dirty="0" smtClean="0"/>
+                        <a:t>……</a:t>
+                      </a:r>
+                      <a:endParaRPr lang="zh-CN" altLang="en-US" dirty="0" smtClean="0"/>
+                    </a:p>
+                  </a:txBody>
+                  <a:tcPr anchor="ctr">
+                    <a:solidFill>
+                      <a:schemeClr val="bg1"/>
+                    </a:solidFill>
+                  </a:tcPr>
+                </a:tc>
+                <a:tc>
+                  <a:txBody>
+                    <a:bodyPr/>
+                    <a:lstStyle/>
+                    <a:p>
+                      <a:pPr marL="0" marR="0" indent="0" algn="ctr" defTabSz="914400" rtl="0" eaLnBrk="1" fontAlgn="auto" latinLnBrk="0" hangingPunct="1">
+                        <a:lnSpc>
+                          <a:spcPct val="100000"/>
+                        </a:lnSpc>
+                        <a:spcBef>
+                          <a:spcPts val="0"/>
+                        </a:spcBef>
+                        <a:spcAft>
+                          <a:spcPts val="0"/>
+                        </a:spcAft>
+                        <a:buClrTx/>
+                        <a:buSzTx/>
+                        <a:buFontTx/>
+                        <a:buNone/>
+                        <a:tabLst/>
+                        <a:defRPr/>
+                      </a:pPr>
+                      <a:r>
+                        <a:rPr lang="en-US" altLang="zh-CN" dirty="0" smtClean="0"/>
+                        <a:t>……</a:t>
+                      </a:r>
+                      <a:endParaRPr lang="zh-CN" altLang="en-US" dirty="0" smtClean="0"/>
+                    </a:p>
+                  </a:txBody>
+                  <a:tcPr anchor="ctr">
+                    <a:solidFill>
+                      <a:schemeClr val="bg1"/>
+                    </a:solidFill>
+                  </a:tcPr>
+                </a:tc>
+                <a:tc>
+                  <a:txBody>
+                    <a:bodyPr/>
+                    <a:lstStyle/>
+                    <a:p>
+                      <a:pPr marL="0" marR="0" indent="0" algn="ctr" defTabSz="914400" rtl="0" eaLnBrk="1" fontAlgn="auto" latinLnBrk="0" hangingPunct="1">
+                        <a:lnSpc>
+                          <a:spcPct val="100000"/>
+                        </a:lnSpc>
+                        <a:spcBef>
+                          <a:spcPts val="0"/>
+                        </a:spcBef>
+                        <a:spcAft>
+                          <a:spcPts val="0"/>
+                        </a:spcAft>
+                        <a:buClrTx/>
+                        <a:buSzTx/>
+                        <a:buFontTx/>
+                        <a:buNone/>
+                        <a:tabLst/>
+                        <a:defRPr/>
+                      </a:pPr>
+                      <a:r>
+                        <a:rPr lang="en-US" altLang="zh-CN" dirty="0" smtClean="0"/>
+                        <a:t>……</a:t>
+                      </a:r>
+                      <a:endParaRPr lang="zh-CN" altLang="en-US" dirty="0" smtClean="0"/>
+                    </a:p>
+                  </a:txBody>
+                  <a:tcPr anchor="ctr">
+                    <a:solidFill>
+                      <a:schemeClr val="bg1"/>
+                    </a:solidFill>
+                  </a:tcPr>
+                </a:tc>
+              </a:tr>
+            </a:tbl>
+          </a:graphicData>
+        </a:graphic>
+      </p:graphicFrame>
+      <p:cxnSp>
+        <p:nvCxnSpPr>
+          <p:cNvPr id="21" name="直线连接符 20"/>
+          <p:cNvCxnSpPr/>
+          <p:nvPr/>
+        </p:nvCxnSpPr>
+        <p:spPr>
+          <a:xfrm flipH="1">
+            <a:off x="3367298" y="2322552"/>
+            <a:ext cx="2091218" cy="2034517"/>
+          </a:xfrm>
+          <a:prstGeom prst="line">
+            <a:avLst/>
+          </a:prstGeom>
+          <a:ln>
+            <a:solidFill>
+              <a:schemeClr val="bg1">
+                <a:lumMod val="50000"/>
+              </a:schemeClr>
+            </a:solidFill>
+            <a:prstDash val="dash"/>
+          </a:ln>
+        </p:spPr>
+        <p:style>
+          <a:lnRef idx="1">
+            <a:schemeClr val="accent1"/>
+          </a:lnRef>
+          <a:fillRef idx="0">
+            <a:schemeClr val="accent1"/>
+          </a:fillRef>
+          <a:effectRef idx="0">
+            <a:schemeClr val="accent1"/>
+          </a:effectRef>
+          <a:fontRef idx="minor">
+            <a:schemeClr val="tx1"/>
+          </a:fontRef>
+        </p:style>
+      </p:cxnSp>
+      <p:cxnSp>
+        <p:nvCxnSpPr>
+          <p:cNvPr id="270" name="直线连接符 269"/>
+          <p:cNvCxnSpPr/>
+          <p:nvPr/>
+        </p:nvCxnSpPr>
+        <p:spPr>
+          <a:xfrm flipH="1">
+            <a:off x="3367298" y="2896714"/>
+            <a:ext cx="2091218" cy="3919454"/>
+          </a:xfrm>
+          <a:prstGeom prst="line">
+            <a:avLst/>
+          </a:prstGeom>
+          <a:ln>
+            <a:solidFill>
+              <a:schemeClr val="bg1">
+                <a:lumMod val="50000"/>
+              </a:schemeClr>
+            </a:solidFill>
+            <a:prstDash val="dash"/>
+          </a:ln>
+        </p:spPr>
+        <p:style>
+          <a:lnRef idx="1">
+            <a:schemeClr val="accent1"/>
+          </a:lnRef>
+          <a:fillRef idx="0">
+            <a:schemeClr val="accent1"/>
+          </a:fillRef>
+          <a:effectRef idx="0">
+            <a:schemeClr val="accent1"/>
+          </a:effectRef>
+          <a:fontRef idx="minor">
+            <a:schemeClr val="tx1"/>
+          </a:fontRef>
+        </p:style>
+      </p:cxnSp>
+      <p:cxnSp>
+        <p:nvCxnSpPr>
+          <p:cNvPr id="271" name="直线连接符 270"/>
+          <p:cNvCxnSpPr/>
+          <p:nvPr/>
+        </p:nvCxnSpPr>
+        <p:spPr>
+          <a:xfrm>
+            <a:off x="6301660" y="2896714"/>
+            <a:ext cx="1610868" cy="3935870"/>
+          </a:xfrm>
+          <a:prstGeom prst="line">
+            <a:avLst/>
+          </a:prstGeom>
+          <a:ln>
+            <a:solidFill>
+              <a:schemeClr val="bg1">
+                <a:lumMod val="50000"/>
+              </a:schemeClr>
+            </a:solidFill>
+            <a:prstDash val="dash"/>
+          </a:ln>
+        </p:spPr>
+        <p:style>
+          <a:lnRef idx="1">
+            <a:schemeClr val="accent1"/>
+          </a:lnRef>
+          <a:fillRef idx="0">
+            <a:schemeClr val="accent1"/>
+          </a:fillRef>
+          <a:effectRef idx="0">
+            <a:schemeClr val="accent1"/>
+          </a:effectRef>
+          <a:fontRef idx="minor">
+            <a:schemeClr val="tx1"/>
+          </a:fontRef>
+        </p:style>
+      </p:cxnSp>
+      <p:cxnSp>
+        <p:nvCxnSpPr>
+          <p:cNvPr id="272" name="直线连接符 271"/>
+          <p:cNvCxnSpPr/>
+          <p:nvPr/>
+        </p:nvCxnSpPr>
+        <p:spPr>
+          <a:xfrm>
+            <a:off x="6301660" y="2383148"/>
+            <a:ext cx="1599463" cy="1988313"/>
+          </a:xfrm>
+          <a:prstGeom prst="line">
+            <a:avLst/>
+          </a:prstGeom>
+          <a:ln>
+            <a:solidFill>
+              <a:schemeClr val="bg1">
+                <a:lumMod val="50000"/>
+              </a:schemeClr>
+            </a:solidFill>
+            <a:prstDash val="dash"/>
+          </a:ln>
+        </p:spPr>
+        <p:style>
+          <a:lnRef idx="1">
+            <a:schemeClr val="accent1"/>
+          </a:lnRef>
+          <a:fillRef idx="0">
+            <a:schemeClr val="accent1"/>
+          </a:fillRef>
+          <a:effectRef idx="0">
+            <a:schemeClr val="accent1"/>
+          </a:effectRef>
+          <a:fontRef idx="minor">
+            <a:schemeClr val="tx1"/>
+          </a:fontRef>
+        </p:style>
+      </p:cxnSp>
+      <p:cxnSp>
+        <p:nvCxnSpPr>
+          <p:cNvPr id="61" name="直线箭头连接符 60"/>
+          <p:cNvCxnSpPr/>
+          <p:nvPr/>
+        </p:nvCxnSpPr>
+        <p:spPr>
+          <a:xfrm>
+            <a:off x="3056827" y="1670457"/>
+            <a:ext cx="1304317" cy="0"/>
+          </a:xfrm>
+          <a:prstGeom prst="straightConnector1">
+            <a:avLst/>
+          </a:prstGeom>
+          <a:ln w="19050">
+            <a:solidFill>
+              <a:schemeClr val="tx1"/>
+            </a:solidFill>
+            <a:tailEnd type="triangle"/>
+          </a:ln>
+        </p:spPr>
+        <p:style>
+          <a:lnRef idx="1">
+            <a:schemeClr val="accent1"/>
+          </a:lnRef>
+          <a:fillRef idx="0">
+            <a:schemeClr val="accent1"/>
+          </a:fillRef>
+          <a:effectRef idx="0">
+            <a:schemeClr val="accent1"/>
+          </a:effectRef>
+          <a:fontRef idx="minor">
+            <a:schemeClr val="tx1"/>
+          </a:fontRef>
+        </p:style>
+      </p:cxnSp>
+      <p:cxnSp>
+        <p:nvCxnSpPr>
+          <p:cNvPr id="273" name="直线箭头连接符 272"/>
+          <p:cNvCxnSpPr/>
+          <p:nvPr/>
+        </p:nvCxnSpPr>
+        <p:spPr>
+          <a:xfrm>
+            <a:off x="3012264" y="4130924"/>
+            <a:ext cx="1304317" cy="0"/>
+          </a:xfrm>
+          <a:prstGeom prst="straightConnector1">
+            <a:avLst/>
+          </a:prstGeom>
+          <a:ln w="19050">
+            <a:solidFill>
+              <a:schemeClr val="tx1"/>
+            </a:solidFill>
+            <a:tailEnd type="triangle"/>
+          </a:ln>
+        </p:spPr>
+        <p:style>
+          <a:lnRef idx="1">
+            <a:schemeClr val="accent1"/>
+          </a:lnRef>
+          <a:fillRef idx="0">
+            <a:schemeClr val="accent1"/>
+          </a:fillRef>
+          <a:effectRef idx="0">
+            <a:schemeClr val="accent1"/>
+          </a:effectRef>
+          <a:fontRef idx="minor">
+            <a:schemeClr val="tx1"/>
+          </a:fontRef>
+        </p:style>
+      </p:cxnSp>
+    </p:spTree>
+    <p:extLst>
+      <p:ext uri="{BB962C8B-B14F-4D97-AF65-F5344CB8AC3E}">
+        <p14:creationId xmlns:p14="http://schemas.microsoft.com/office/powerpoint/2010/main" val="1962035805"/>
+      </p:ext>
+    </p:extLst>
+  </p:cSld>
+  <p:clrMapOvr>
+    <a:masterClrMapping/>
+  </p:clrMapOvr>
+</p:sld>
+</file>
+
+<file path=ppt/slides/slide9.xml><?xml version="1.0" encoding="utf-8"?>
+<p:sld xmlns:a="http://schemas.openxmlformats.org/drawingml/2006/main" xmlns:r="http://schemas.openxmlformats.org/officeDocument/2006/relationships" xmlns:p="http://schemas.openxmlformats.org/presentationml/2006/main">
+  <p:cSld>
+    <p:spTree>
+      <p:nvGrpSpPr>
+        <p:cNvPr id="1" name=""/>
+        <p:cNvGrpSpPr/>
+        <p:nvPr/>
+      </p:nvGrpSpPr>
+      <p:grpSpPr>
+        <a:xfrm>
+          <a:off x="0" y="0"/>
+          <a:ext cx="0" cy="0"/>
+          <a:chOff x="0" y="0"/>
+          <a:chExt cx="0" cy="0"/>
+        </a:xfrm>
+      </p:grpSpPr>
+    </p:spTree>
+    <p:extLst>
+      <p:ext uri="{BB962C8B-B14F-4D97-AF65-F5344CB8AC3E}">
+        <p14:creationId xmlns:p14="http://schemas.microsoft.com/office/powerpoint/2010/main" val="1794918298"/>
       </p:ext>
     </p:extLst>
   </p:cSld>
@@ -13652,6 +18485,267 @@
 </file>
 
 <file path=ppt/theme/theme2.xml><?xml version="1.0" encoding="utf-8"?>
+<a:theme xmlns:a="http://schemas.openxmlformats.org/drawingml/2006/main" name="Office 主题">
+  <a:themeElements>
+    <a:clrScheme name="Office">
+      <a:dk1>
+        <a:sysClr val="windowText" lastClr="000000"/>
+      </a:dk1>
+      <a:lt1>
+        <a:sysClr val="window" lastClr="FFFFFF"/>
+      </a:lt1>
+      <a:dk2>
+        <a:srgbClr val="44546A"/>
+      </a:dk2>
+      <a:lt2>
+        <a:srgbClr val="E7E6E6"/>
+      </a:lt2>
+      <a:accent1>
+        <a:srgbClr val="4472C4"/>
+      </a:accent1>
+      <a:accent2>
+        <a:srgbClr val="ED7D31"/>
+      </a:accent2>
+      <a:accent3>
+        <a:srgbClr val="A5A5A5"/>
+      </a:accent3>
+      <a:accent4>
+        <a:srgbClr val="FFC000"/>
+      </a:accent4>
+      <a:accent5>
+        <a:srgbClr val="5B9BD5"/>
+      </a:accent5>
+      <a:accent6>
+        <a:srgbClr val="70AD47"/>
+      </a:accent6>
+      <a:hlink>
+        <a:srgbClr val="0563C1"/>
+      </a:hlink>
+      <a:folHlink>
+        <a:srgbClr val="954F72"/>
+      </a:folHlink>
+    </a:clrScheme>
+    <a:fontScheme name="Office">
+      <a:majorFont>
+        <a:latin typeface="DengXian Light" panose="020F0302020204030204"/>
+        <a:ea typeface=""/>
+        <a:cs typeface=""/>
+        <a:font script="Jpan" typeface="Yu Gothic Light"/>
+        <a:font script="Hang" typeface="맑은 고딕"/>
+        <a:font script="Hans" typeface="DengXian Light"/>
+        <a:font script="Hant" typeface="新細明體"/>
+        <a:font script="Arab" typeface="Times New Roman"/>
+        <a:font script="Hebr" typeface="Times New Roman"/>
+        <a:font script="Thai" typeface="Angsana New"/>
+        <a:font script="Ethi" typeface="Nyala"/>
+        <a:font script="Beng" typeface="Vrinda"/>
+        <a:font script="Gujr" typeface="Shruti"/>
+        <a:font script="Khmr" typeface="MoolBoran"/>
+        <a:font script="Knda" typeface="Tunga"/>
+        <a:font script="Guru" typeface="Raavi"/>
+        <a:font script="Cans" typeface="Euphemia"/>
+        <a:font script="Cher" typeface="Plantagenet Cherokee"/>
+        <a:font script="Yiii" typeface="Microsoft Yi Baiti"/>
+        <a:font script="Tibt" typeface="Microsoft Himalaya"/>
+        <a:font script="Thaa" typeface="MV Boli"/>
+        <a:font script="Deva" typeface="Mangal"/>
+        <a:font script="Telu" typeface="Gautami"/>
+        <a:font script="Taml" typeface="Latha"/>
+        <a:font script="Syrc" typeface="Estrangelo Edessa"/>
+        <a:font script="Orya" typeface="Kalinga"/>
+        <a:font script="Mlym" typeface="Kartika"/>
+        <a:font script="Laoo" typeface="DokChampa"/>
+        <a:font script="Sinh" typeface="Iskoola Pota"/>
+        <a:font script="Mong" typeface="Mongolian Baiti"/>
+        <a:font script="Viet" typeface="Times New Roman"/>
+        <a:font script="Uigh" typeface="Microsoft Uighur"/>
+        <a:font script="Geor" typeface="Sylfaen"/>
+      </a:majorFont>
+      <a:minorFont>
+        <a:latin typeface="DengXian" panose="020F0502020204030204"/>
+        <a:ea typeface=""/>
+        <a:cs typeface=""/>
+        <a:font script="Jpan" typeface="Yu Gothic"/>
+        <a:font script="Hang" typeface="맑은 고딕"/>
+        <a:font script="Hans" typeface="DengXian"/>
+        <a:font script="Hant" typeface="新細明體"/>
+        <a:font script="Arab" typeface="Arial"/>
+        <a:font script="Hebr" typeface="Arial"/>
+        <a:font script="Thai" typeface="Cordia New"/>
+        <a:font script="Ethi" typeface="Nyala"/>
+        <a:font script="Beng" typeface="Vrinda"/>
+        <a:font script="Gujr" typeface="Shruti"/>
+        <a:font script="Khmr" typeface="DaunPenh"/>
+        <a:font script="Knda" typeface="Tunga"/>
+        <a:font script="Guru" typeface="Raavi"/>
+        <a:font script="Cans" typeface="Euphemia"/>
+        <a:font script="Cher" typeface="Plantagenet Cherokee"/>
+        <a:font script="Yiii" typeface="Microsoft Yi Baiti"/>
+        <a:font script="Tibt" typeface="Microsoft Himalaya"/>
+        <a:font script="Thaa" typeface="MV Boli"/>
+        <a:font script="Deva" typeface="Mangal"/>
+        <a:font script="Telu" typeface="Gautami"/>
+        <a:font script="Taml" typeface="Latha"/>
+        <a:font script="Syrc" typeface="Estrangelo Edessa"/>
+        <a:font script="Orya" typeface="Kalinga"/>
+        <a:font script="Mlym" typeface="Kartika"/>
+        <a:font script="Laoo" typeface="DokChampa"/>
+        <a:font script="Sinh" typeface="Iskoola Pota"/>
+        <a:font script="Mong" typeface="Mongolian Baiti"/>
+        <a:font script="Viet" typeface="Arial"/>
+        <a:font script="Uigh" typeface="Microsoft Uighur"/>
+        <a:font script="Geor" typeface="Sylfaen"/>
+      </a:minorFont>
+    </a:fontScheme>
+    <a:fmtScheme name="Office">
+      <a:fillStyleLst>
+        <a:solidFill>
+          <a:schemeClr val="phClr"/>
+        </a:solidFill>
+        <a:gradFill rotWithShape="1">
+          <a:gsLst>
+            <a:gs pos="0">
+              <a:schemeClr val="phClr">
+                <a:lumMod val="110000"/>
+                <a:satMod val="105000"/>
+                <a:tint val="67000"/>
+              </a:schemeClr>
+            </a:gs>
+            <a:gs pos="50000">
+              <a:schemeClr val="phClr">
+                <a:lumMod val="105000"/>
+                <a:satMod val="103000"/>
+                <a:tint val="73000"/>
+              </a:schemeClr>
+            </a:gs>
+            <a:gs pos="100000">
+              <a:schemeClr val="phClr">
+                <a:lumMod val="105000"/>
+                <a:satMod val="109000"/>
+                <a:tint val="81000"/>
+              </a:schemeClr>
+            </a:gs>
+          </a:gsLst>
+          <a:lin ang="5400000" scaled="0"/>
+        </a:gradFill>
+        <a:gradFill rotWithShape="1">
+          <a:gsLst>
+            <a:gs pos="0">
+              <a:schemeClr val="phClr">
+                <a:satMod val="103000"/>
+                <a:lumMod val="102000"/>
+                <a:tint val="94000"/>
+              </a:schemeClr>
+            </a:gs>
+            <a:gs pos="50000">
+              <a:schemeClr val="phClr">
+                <a:satMod val="110000"/>
+                <a:lumMod val="100000"/>
+                <a:shade val="100000"/>
+              </a:schemeClr>
+            </a:gs>
+            <a:gs pos="100000">
+              <a:schemeClr val="phClr">
+                <a:lumMod val="99000"/>
+                <a:satMod val="120000"/>
+                <a:shade val="78000"/>
+              </a:schemeClr>
+            </a:gs>
+          </a:gsLst>
+          <a:lin ang="5400000" scaled="0"/>
+        </a:gradFill>
+      </a:fillStyleLst>
+      <a:lnStyleLst>
+        <a:ln w="6350" cap="flat" cmpd="sng" algn="ctr">
+          <a:solidFill>
+            <a:schemeClr val="phClr"/>
+          </a:solidFill>
+          <a:prstDash val="solid"/>
+          <a:miter lim="800000"/>
+        </a:ln>
+        <a:ln w="12700" cap="flat" cmpd="sng" algn="ctr">
+          <a:solidFill>
+            <a:schemeClr val="phClr"/>
+          </a:solidFill>
+          <a:prstDash val="solid"/>
+          <a:miter lim="800000"/>
+        </a:ln>
+        <a:ln w="19050" cap="flat" cmpd="sng" algn="ctr">
+          <a:solidFill>
+            <a:schemeClr val="phClr"/>
+          </a:solidFill>
+          <a:prstDash val="solid"/>
+          <a:miter lim="800000"/>
+        </a:ln>
+      </a:lnStyleLst>
+      <a:effectStyleLst>
+        <a:effectStyle>
+          <a:effectLst/>
+        </a:effectStyle>
+        <a:effectStyle>
+          <a:effectLst/>
+        </a:effectStyle>
+        <a:effectStyle>
+          <a:effectLst>
+            <a:outerShdw blurRad="57150" dist="19050" dir="5400000" algn="ctr" rotWithShape="0">
+              <a:srgbClr val="000000">
+                <a:alpha val="63000"/>
+              </a:srgbClr>
+            </a:outerShdw>
+          </a:effectLst>
+        </a:effectStyle>
+      </a:effectStyleLst>
+      <a:bgFillStyleLst>
+        <a:solidFill>
+          <a:schemeClr val="phClr"/>
+        </a:solidFill>
+        <a:solidFill>
+          <a:schemeClr val="phClr">
+            <a:tint val="95000"/>
+            <a:satMod val="170000"/>
+          </a:schemeClr>
+        </a:solidFill>
+        <a:gradFill rotWithShape="1">
+          <a:gsLst>
+            <a:gs pos="0">
+              <a:schemeClr val="phClr">
+                <a:tint val="93000"/>
+                <a:satMod val="150000"/>
+                <a:shade val="98000"/>
+                <a:lumMod val="102000"/>
+              </a:schemeClr>
+            </a:gs>
+            <a:gs pos="50000">
+              <a:schemeClr val="phClr">
+                <a:tint val="98000"/>
+                <a:satMod val="130000"/>
+                <a:shade val="90000"/>
+                <a:lumMod val="103000"/>
+              </a:schemeClr>
+            </a:gs>
+            <a:gs pos="100000">
+              <a:schemeClr val="phClr">
+                <a:shade val="63000"/>
+                <a:satMod val="120000"/>
+              </a:schemeClr>
+            </a:gs>
+          </a:gsLst>
+          <a:lin ang="5400000" scaled="0"/>
+        </a:gradFill>
+      </a:bgFillStyleLst>
+    </a:fmtScheme>
+  </a:themeElements>
+  <a:objectDefaults/>
+  <a:extraClrSchemeLst/>
+  <a:extLst>
+    <a:ext uri="{05A4C25C-085E-4340-85A3-A5531E510DB2}">
+      <thm15:themeFamily xmlns:thm15="http://schemas.microsoft.com/office/thememl/2012/main" name="Office Theme" id="{62F939B6-93AF-4DB8-9C6B-D6C7DFDC589F}" vid="{4A3C46E8-61CC-4603-A589-7422A47A8E4A}"/>
+    </a:ext>
+  </a:extLst>
+</a:theme>
+</file>
+
+<file path=ppt/theme/theme3.xml><?xml version="1.0" encoding="utf-8"?>
 <a:theme xmlns:a="http://schemas.openxmlformats.org/drawingml/2006/main" name="Office Theme">
   <a:themeElements>
     <a:clrScheme name="Office">

--- a/tkde-revision/fig/figures.pptx
+++ b/tkde-revision/fig/figures.pptx
@@ -4,11 +4,8 @@
   <p:sldMasterIdLst>
     <p:sldMasterId id="2147483648" r:id="rId1"/>
   </p:sldMasterIdLst>
-  <p:notesMasterIdLst>
-    <p:notesMasterId r:id="rId11"/>
-  </p:notesMasterIdLst>
   <p:handoutMasterIdLst>
-    <p:handoutMasterId r:id="rId12"/>
+    <p:handoutMasterId r:id="rId8"/>
   </p:handoutMasterIdLst>
   <p:sldIdLst>
     <p:sldId id="256" r:id="rId2"/>
@@ -17,9 +14,6 @@
     <p:sldId id="259" r:id="rId5"/>
     <p:sldId id="260" r:id="rId6"/>
     <p:sldId id="261" r:id="rId7"/>
-    <p:sldId id="262" r:id="rId8"/>
-    <p:sldId id="264" r:id="rId9"/>
-    <p:sldId id="263" r:id="rId10"/>
   </p:sldIdLst>
   <p:sldSz cx="12192000" cy="6858000"/>
   <p:notesSz cx="7315200" cy="9601200"/>
@@ -208,7 +202,7 @@
           <a:p>
             <a:fld id="{0349BD9D-4300-464C-B7F9-34ECBF4C094B}" type="datetimeFigureOut">
               <a:rPr lang="en-SG" smtClean="0"/>
-              <a:t>20/6/19</a:t>
+              <a:t>23/4/2019</a:t>
             </a:fld>
             <a:endParaRPr lang="en-SG"/>
           </a:p>
@@ -289,356 +283,6 @@
   </p:cSld>
   <p:clrMap bg1="lt1" tx1="dk1" bg2="lt2" tx2="dk2" accent1="accent1" accent2="accent2" accent3="accent3" accent4="accent4" accent5="accent5" accent6="accent6" hlink="hlink" folHlink="folHlink"/>
 </p:handoutMaster>
-</file>
-
-<file path=ppt/notesMasters/notesMaster1.xml><?xml version="1.0" encoding="utf-8"?>
-<p:notesMaster xmlns:a="http://schemas.openxmlformats.org/drawingml/2006/main" xmlns:r="http://schemas.openxmlformats.org/officeDocument/2006/relationships" xmlns:p="http://schemas.openxmlformats.org/presentationml/2006/main">
-  <p:cSld>
-    <p:bg>
-      <p:bgRef idx="1001">
-        <a:schemeClr val="bg1"/>
-      </p:bgRef>
-    </p:bg>
-    <p:spTree>
-      <p:nvGrpSpPr>
-        <p:cNvPr id="1" name=""/>
-        <p:cNvGrpSpPr/>
-        <p:nvPr/>
-      </p:nvGrpSpPr>
-      <p:grpSpPr>
-        <a:xfrm>
-          <a:off x="0" y="0"/>
-          <a:ext cx="0" cy="0"/>
-          <a:chOff x="0" y="0"/>
-          <a:chExt cx="0" cy="0"/>
-        </a:xfrm>
-      </p:grpSpPr>
-      <p:sp>
-        <p:nvSpPr>
-          <p:cNvPr id="2" name="页眉占位符 1"/>
-          <p:cNvSpPr>
-            <a:spLocks noGrp="1"/>
-          </p:cNvSpPr>
-          <p:nvPr>
-            <p:ph type="hdr" sz="quarter"/>
-          </p:nvPr>
-        </p:nvSpPr>
-        <p:spPr>
-          <a:xfrm>
-            <a:off x="0" y="0"/>
-            <a:ext cx="3170238" cy="481013"/>
-          </a:xfrm>
-          <a:prstGeom prst="rect">
-            <a:avLst/>
-          </a:prstGeom>
-        </p:spPr>
-        <p:txBody>
-          <a:bodyPr vert="horz" lIns="91440" tIns="45720" rIns="91440" bIns="45720" rtlCol="0"/>
-          <a:lstStyle>
-            <a:lvl1pPr algn="l">
-              <a:defRPr sz="1200"/>
-            </a:lvl1pPr>
-          </a:lstStyle>
-          <a:p>
-            <a:endParaRPr kumimoji="1" lang="zh-CN" altLang="en-US"/>
-          </a:p>
-        </p:txBody>
-      </p:sp>
-      <p:sp>
-        <p:nvSpPr>
-          <p:cNvPr id="3" name="日期占位符 2"/>
-          <p:cNvSpPr>
-            <a:spLocks noGrp="1"/>
-          </p:cNvSpPr>
-          <p:nvPr>
-            <p:ph type="dt" idx="1"/>
-          </p:nvPr>
-        </p:nvSpPr>
-        <p:spPr>
-          <a:xfrm>
-            <a:off x="4143375" y="0"/>
-            <a:ext cx="3170238" cy="481013"/>
-          </a:xfrm>
-          <a:prstGeom prst="rect">
-            <a:avLst/>
-          </a:prstGeom>
-        </p:spPr>
-        <p:txBody>
-          <a:bodyPr vert="horz" lIns="91440" tIns="45720" rIns="91440" bIns="45720" rtlCol="0"/>
-          <a:lstStyle>
-            <a:lvl1pPr algn="r">
-              <a:defRPr sz="1200"/>
-            </a:lvl1pPr>
-          </a:lstStyle>
-          <a:p>
-            <a:fld id="{31013FFD-1DAF-8848-87EA-F670F8C6A840}" type="datetimeFigureOut">
-              <a:rPr kumimoji="1" lang="zh-CN" altLang="en-US" smtClean="0"/>
-              <a:t>2019/6/20</a:t>
-            </a:fld>
-            <a:endParaRPr kumimoji="1" lang="zh-CN" altLang="en-US"/>
-          </a:p>
-        </p:txBody>
-      </p:sp>
-      <p:sp>
-        <p:nvSpPr>
-          <p:cNvPr id="4" name="幻灯片图像占位符 3"/>
-          <p:cNvSpPr>
-            <a:spLocks noGrp="1" noRot="1" noChangeAspect="1"/>
-          </p:cNvSpPr>
-          <p:nvPr>
-            <p:ph type="sldImg" idx="2"/>
-          </p:nvPr>
-        </p:nvSpPr>
-        <p:spPr>
-          <a:xfrm>
-            <a:off x="777875" y="1200150"/>
-            <a:ext cx="5759450" cy="3240088"/>
-          </a:xfrm>
-          <a:prstGeom prst="rect">
-            <a:avLst/>
-          </a:prstGeom>
-          <a:noFill/>
-          <a:ln w="12700">
-            <a:solidFill>
-              <a:prstClr val="black"/>
-            </a:solidFill>
-          </a:ln>
-        </p:spPr>
-        <p:txBody>
-          <a:bodyPr vert="horz" lIns="91440" tIns="45720" rIns="91440" bIns="45720" rtlCol="0" anchor="ctr"/>
-          <a:lstStyle/>
-          <a:p>
-            <a:endParaRPr lang="zh-CN" altLang="en-US"/>
-          </a:p>
-        </p:txBody>
-      </p:sp>
-      <p:sp>
-        <p:nvSpPr>
-          <p:cNvPr id="5" name="备注占位符 4"/>
-          <p:cNvSpPr>
-            <a:spLocks noGrp="1"/>
-          </p:cNvSpPr>
-          <p:nvPr>
-            <p:ph type="body" sz="quarter" idx="3"/>
-          </p:nvPr>
-        </p:nvSpPr>
-        <p:spPr>
-          <a:xfrm>
-            <a:off x="731838" y="4621213"/>
-            <a:ext cx="5851525" cy="3779837"/>
-          </a:xfrm>
-          <a:prstGeom prst="rect">
-            <a:avLst/>
-          </a:prstGeom>
-        </p:spPr>
-        <p:txBody>
-          <a:bodyPr vert="horz" lIns="91440" tIns="45720" rIns="91440" bIns="45720" rtlCol="0"/>
-          <a:lstStyle/>
-          <a:p>
-            <a:pPr lvl="0"/>
-            <a:r>
-              <a:rPr kumimoji="1" lang="zh-CN" altLang="en-US" smtClean="0"/>
-              <a:t>单击此处编辑母版文本样式</a:t>
-            </a:r>
-          </a:p>
-          <a:p>
-            <a:pPr lvl="1"/>
-            <a:r>
-              <a:rPr kumimoji="1" lang="zh-CN" altLang="en-US" smtClean="0"/>
-              <a:t>二级</a:t>
-            </a:r>
-          </a:p>
-          <a:p>
-            <a:pPr lvl="2"/>
-            <a:r>
-              <a:rPr kumimoji="1" lang="zh-CN" altLang="en-US" smtClean="0"/>
-              <a:t>三级</a:t>
-            </a:r>
-          </a:p>
-          <a:p>
-            <a:pPr lvl="3"/>
-            <a:r>
-              <a:rPr kumimoji="1" lang="zh-CN" altLang="en-US" smtClean="0"/>
-              <a:t>四级</a:t>
-            </a:r>
-          </a:p>
-          <a:p>
-            <a:pPr lvl="4"/>
-            <a:r>
-              <a:rPr kumimoji="1" lang="zh-CN" altLang="en-US" smtClean="0"/>
-              <a:t>五级</a:t>
-            </a:r>
-            <a:endParaRPr kumimoji="1" lang="zh-CN" altLang="en-US"/>
-          </a:p>
-        </p:txBody>
-      </p:sp>
-      <p:sp>
-        <p:nvSpPr>
-          <p:cNvPr id="6" name="页脚占位符 5"/>
-          <p:cNvSpPr>
-            <a:spLocks noGrp="1"/>
-          </p:cNvSpPr>
-          <p:nvPr>
-            <p:ph type="ftr" sz="quarter" idx="4"/>
-          </p:nvPr>
-        </p:nvSpPr>
-        <p:spPr>
-          <a:xfrm>
-            <a:off x="0" y="9120188"/>
-            <a:ext cx="3170238" cy="481012"/>
-          </a:xfrm>
-          <a:prstGeom prst="rect">
-            <a:avLst/>
-          </a:prstGeom>
-        </p:spPr>
-        <p:txBody>
-          <a:bodyPr vert="horz" lIns="91440" tIns="45720" rIns="91440" bIns="45720" rtlCol="0" anchor="b"/>
-          <a:lstStyle>
-            <a:lvl1pPr algn="l">
-              <a:defRPr sz="1200"/>
-            </a:lvl1pPr>
-          </a:lstStyle>
-          <a:p>
-            <a:endParaRPr kumimoji="1" lang="zh-CN" altLang="en-US"/>
-          </a:p>
-        </p:txBody>
-      </p:sp>
-      <p:sp>
-        <p:nvSpPr>
-          <p:cNvPr id="7" name="幻灯片编号占位符 6"/>
-          <p:cNvSpPr>
-            <a:spLocks noGrp="1"/>
-          </p:cNvSpPr>
-          <p:nvPr>
-            <p:ph type="sldNum" sz="quarter" idx="5"/>
-          </p:nvPr>
-        </p:nvSpPr>
-        <p:spPr>
-          <a:xfrm>
-            <a:off x="4143375" y="9120188"/>
-            <a:ext cx="3170238" cy="481012"/>
-          </a:xfrm>
-          <a:prstGeom prst="rect">
-            <a:avLst/>
-          </a:prstGeom>
-        </p:spPr>
-        <p:txBody>
-          <a:bodyPr vert="horz" lIns="91440" tIns="45720" rIns="91440" bIns="45720" rtlCol="0" anchor="b"/>
-          <a:lstStyle>
-            <a:lvl1pPr algn="r">
-              <a:defRPr sz="1200"/>
-            </a:lvl1pPr>
-          </a:lstStyle>
-          <a:p>
-            <a:fld id="{BF11C39B-901F-D145-BE17-C613C01F90C9}" type="slidenum">
-              <a:rPr kumimoji="1" lang="zh-CN" altLang="en-US" smtClean="0"/>
-              <a:t>‹#›</a:t>
-            </a:fld>
-            <a:endParaRPr kumimoji="1" lang="zh-CN" altLang="en-US"/>
-          </a:p>
-        </p:txBody>
-      </p:sp>
-    </p:spTree>
-    <p:extLst>
-      <p:ext uri="{BB962C8B-B14F-4D97-AF65-F5344CB8AC3E}">
-        <p14:creationId xmlns:p14="http://schemas.microsoft.com/office/powerpoint/2010/main" val="1993747488"/>
-      </p:ext>
-    </p:extLst>
-  </p:cSld>
-  <p:clrMap bg1="lt1" tx1="dk1" bg2="lt2" tx2="dk2" accent1="accent1" accent2="accent2" accent3="accent3" accent4="accent4" accent5="accent5" accent6="accent6" hlink="hlink" folHlink="folHlink"/>
-  <p:notesStyle>
-    <a:lvl1pPr marL="0" algn="l" defTabSz="914400" rtl="0" eaLnBrk="1" latinLnBrk="0" hangingPunct="1">
-      <a:defRPr sz="1200" kern="1200">
-        <a:solidFill>
-          <a:schemeClr val="tx1"/>
-        </a:solidFill>
-        <a:latin typeface="+mn-lt"/>
-        <a:ea typeface="+mn-ea"/>
-        <a:cs typeface="+mn-cs"/>
-      </a:defRPr>
-    </a:lvl1pPr>
-    <a:lvl2pPr marL="457200" algn="l" defTabSz="914400" rtl="0" eaLnBrk="1" latinLnBrk="0" hangingPunct="1">
-      <a:defRPr sz="1200" kern="1200">
-        <a:solidFill>
-          <a:schemeClr val="tx1"/>
-        </a:solidFill>
-        <a:latin typeface="+mn-lt"/>
-        <a:ea typeface="+mn-ea"/>
-        <a:cs typeface="+mn-cs"/>
-      </a:defRPr>
-    </a:lvl2pPr>
-    <a:lvl3pPr marL="914400" algn="l" defTabSz="914400" rtl="0" eaLnBrk="1" latinLnBrk="0" hangingPunct="1">
-      <a:defRPr sz="1200" kern="1200">
-        <a:solidFill>
-          <a:schemeClr val="tx1"/>
-        </a:solidFill>
-        <a:latin typeface="+mn-lt"/>
-        <a:ea typeface="+mn-ea"/>
-        <a:cs typeface="+mn-cs"/>
-      </a:defRPr>
-    </a:lvl3pPr>
-    <a:lvl4pPr marL="1371600" algn="l" defTabSz="914400" rtl="0" eaLnBrk="1" latinLnBrk="0" hangingPunct="1">
-      <a:defRPr sz="1200" kern="1200">
-        <a:solidFill>
-          <a:schemeClr val="tx1"/>
-        </a:solidFill>
-        <a:latin typeface="+mn-lt"/>
-        <a:ea typeface="+mn-ea"/>
-        <a:cs typeface="+mn-cs"/>
-      </a:defRPr>
-    </a:lvl4pPr>
-    <a:lvl5pPr marL="1828800" algn="l" defTabSz="914400" rtl="0" eaLnBrk="1" latinLnBrk="0" hangingPunct="1">
-      <a:defRPr sz="1200" kern="1200">
-        <a:solidFill>
-          <a:schemeClr val="tx1"/>
-        </a:solidFill>
-        <a:latin typeface="+mn-lt"/>
-        <a:ea typeface="+mn-ea"/>
-        <a:cs typeface="+mn-cs"/>
-      </a:defRPr>
-    </a:lvl5pPr>
-    <a:lvl6pPr marL="2286000" algn="l" defTabSz="914400" rtl="0" eaLnBrk="1" latinLnBrk="0" hangingPunct="1">
-      <a:defRPr sz="1200" kern="1200">
-        <a:solidFill>
-          <a:schemeClr val="tx1"/>
-        </a:solidFill>
-        <a:latin typeface="+mn-lt"/>
-        <a:ea typeface="+mn-ea"/>
-        <a:cs typeface="+mn-cs"/>
-      </a:defRPr>
-    </a:lvl6pPr>
-    <a:lvl7pPr marL="2743200" algn="l" defTabSz="914400" rtl="0" eaLnBrk="1" latinLnBrk="0" hangingPunct="1">
-      <a:defRPr sz="1200" kern="1200">
-        <a:solidFill>
-          <a:schemeClr val="tx1"/>
-        </a:solidFill>
-        <a:latin typeface="+mn-lt"/>
-        <a:ea typeface="+mn-ea"/>
-        <a:cs typeface="+mn-cs"/>
-      </a:defRPr>
-    </a:lvl7pPr>
-    <a:lvl8pPr marL="3200400" algn="l" defTabSz="914400" rtl="0" eaLnBrk="1" latinLnBrk="0" hangingPunct="1">
-      <a:defRPr sz="1200" kern="1200">
-        <a:solidFill>
-          <a:schemeClr val="tx1"/>
-        </a:solidFill>
-        <a:latin typeface="+mn-lt"/>
-        <a:ea typeface="+mn-ea"/>
-        <a:cs typeface="+mn-cs"/>
-      </a:defRPr>
-    </a:lvl8pPr>
-    <a:lvl9pPr marL="3657600" algn="l" defTabSz="914400" rtl="0" eaLnBrk="1" latinLnBrk="0" hangingPunct="1">
-      <a:defRPr sz="1200" kern="1200">
-        <a:solidFill>
-          <a:schemeClr val="tx1"/>
-        </a:solidFill>
-        <a:latin typeface="+mn-lt"/>
-        <a:ea typeface="+mn-ea"/>
-        <a:cs typeface="+mn-cs"/>
-      </a:defRPr>
-    </a:lvl9pPr>
-  </p:notesStyle>
-</p:notesMaster>
 </file>
 
 <file path=ppt/slideLayouts/slideLayout1.xml><?xml version="1.0" encoding="utf-8"?>
@@ -772,7 +416,7 @@
           <a:p>
             <a:fld id="{57E633AF-AADE-4157-966D-1D6DDCF97E88}" type="datetimeFigureOut">
               <a:rPr lang="en-SG" smtClean="0"/>
-              <a:t>20/6/19</a:t>
+              <a:t>23/4/2019</a:t>
             </a:fld>
             <a:endParaRPr lang="en-SG"/>
           </a:p>
@@ -942,7 +586,7 @@
           <a:p>
             <a:fld id="{57E633AF-AADE-4157-966D-1D6DDCF97E88}" type="datetimeFigureOut">
               <a:rPr lang="en-SG" smtClean="0"/>
-              <a:t>20/6/19</a:t>
+              <a:t>23/4/2019</a:t>
             </a:fld>
             <a:endParaRPr lang="en-SG"/>
           </a:p>
@@ -1122,7 +766,7 @@
           <a:p>
             <a:fld id="{57E633AF-AADE-4157-966D-1D6DDCF97E88}" type="datetimeFigureOut">
               <a:rPr lang="en-SG" smtClean="0"/>
-              <a:t>20/6/19</a:t>
+              <a:t>23/4/2019</a:t>
             </a:fld>
             <a:endParaRPr lang="en-SG"/>
           </a:p>
@@ -1292,7 +936,7 @@
           <a:p>
             <a:fld id="{57E633AF-AADE-4157-966D-1D6DDCF97E88}" type="datetimeFigureOut">
               <a:rPr lang="en-SG" smtClean="0"/>
-              <a:t>20/6/19</a:t>
+              <a:t>23/4/2019</a:t>
             </a:fld>
             <a:endParaRPr lang="en-SG"/>
           </a:p>
@@ -1538,7 +1182,7 @@
           <a:p>
             <a:fld id="{57E633AF-AADE-4157-966D-1D6DDCF97E88}" type="datetimeFigureOut">
               <a:rPr lang="en-SG" smtClean="0"/>
-              <a:t>20/6/19</a:t>
+              <a:t>23/4/2019</a:t>
             </a:fld>
             <a:endParaRPr lang="en-SG"/>
           </a:p>
@@ -1770,7 +1414,7 @@
           <a:p>
             <a:fld id="{57E633AF-AADE-4157-966D-1D6DDCF97E88}" type="datetimeFigureOut">
               <a:rPr lang="en-SG" smtClean="0"/>
-              <a:t>20/6/19</a:t>
+              <a:t>23/4/2019</a:t>
             </a:fld>
             <a:endParaRPr lang="en-SG"/>
           </a:p>
@@ -2137,7 +1781,7 @@
           <a:p>
             <a:fld id="{57E633AF-AADE-4157-966D-1D6DDCF97E88}" type="datetimeFigureOut">
               <a:rPr lang="en-SG" smtClean="0"/>
-              <a:t>20/6/19</a:t>
+              <a:t>23/4/2019</a:t>
             </a:fld>
             <a:endParaRPr lang="en-SG"/>
           </a:p>
@@ -2255,7 +1899,7 @@
           <a:p>
             <a:fld id="{57E633AF-AADE-4157-966D-1D6DDCF97E88}" type="datetimeFigureOut">
               <a:rPr lang="en-SG" smtClean="0"/>
-              <a:t>20/6/19</a:t>
+              <a:t>23/4/2019</a:t>
             </a:fld>
             <a:endParaRPr lang="en-SG"/>
           </a:p>
@@ -2350,7 +1994,7 @@
           <a:p>
             <a:fld id="{57E633AF-AADE-4157-966D-1D6DDCF97E88}" type="datetimeFigureOut">
               <a:rPr lang="en-SG" smtClean="0"/>
-              <a:t>20/6/19</a:t>
+              <a:t>23/4/2019</a:t>
             </a:fld>
             <a:endParaRPr lang="en-SG"/>
           </a:p>
@@ -2627,7 +2271,7 @@
           <a:p>
             <a:fld id="{57E633AF-AADE-4157-966D-1D6DDCF97E88}" type="datetimeFigureOut">
               <a:rPr lang="en-SG" smtClean="0"/>
-              <a:t>20/6/19</a:t>
+              <a:t>23/4/2019</a:t>
             </a:fld>
             <a:endParaRPr lang="en-SG"/>
           </a:p>
@@ -2880,7 +2524,7 @@
           <a:p>
             <a:fld id="{57E633AF-AADE-4157-966D-1D6DDCF97E88}" type="datetimeFigureOut">
               <a:rPr lang="en-SG" smtClean="0"/>
-              <a:t>20/6/19</a:t>
+              <a:t>23/4/2019</a:t>
             </a:fld>
             <a:endParaRPr lang="en-SG"/>
           </a:p>
@@ -3093,7 +2737,7 @@
           <a:p>
             <a:fld id="{57E633AF-AADE-4157-966D-1D6DDCF97E88}" type="datetimeFigureOut">
               <a:rPr lang="en-SG" smtClean="0"/>
-              <a:t>20/6/19</a:t>
+              <a:t>23/4/2019</a:t>
             </a:fld>
             <a:endParaRPr lang="en-SG"/>
           </a:p>
@@ -8852,7 +8496,7 @@
                         <m:sSubSupPr>
                           <m:ctrlPr>
                             <a:rPr lang="en-US" sz="1400" b="1" i="1" smtClean="0">
-                              <a:latin typeface="Cambria Math" charset="0"/>
+                              <a:latin typeface="Cambria Math" panose="02040503050406030204" pitchFamily="18" charset="0"/>
                             </a:rPr>
                           </m:ctrlPr>
                         </m:sSubSupPr>
@@ -8981,7 +8625,7 @@
                         <m:sSubSupPr>
                           <m:ctrlPr>
                             <a:rPr lang="en-US" sz="1400" b="1" i="1" smtClean="0">
-                              <a:latin typeface="Cambria Math" charset="0"/>
+                              <a:latin typeface="Cambria Math" panose="02040503050406030204" pitchFamily="18" charset="0"/>
                             </a:rPr>
                           </m:ctrlPr>
                         </m:sSubSupPr>
@@ -9340,7 +8984,7 @@
                       <m:sSupPr>
                         <m:ctrlPr>
                           <a:rPr lang="en-US" b="1" i="1" smtClean="0">
-                            <a:latin typeface="Cambria Math" charset="0"/>
+                            <a:latin typeface="Cambria Math" panose="02040503050406030204" pitchFamily="18" charset="0"/>
                           </a:rPr>
                         </m:ctrlPr>
                       </m:sSupPr>
@@ -10595,7 +10239,7 @@
                       <m:sSupPr>
                         <m:ctrlPr>
                           <a:rPr lang="en-US" b="1" i="1" smtClean="0">
-                            <a:latin typeface="Cambria Math" charset="0"/>
+                            <a:latin typeface="Cambria Math" panose="02040503050406030204" pitchFamily="18" charset="0"/>
                           </a:rPr>
                         </m:ctrlPr>
                       </m:sSupPr>
@@ -10662,8 +10306,8 @@
           </p:sp>
         </mc:Fallback>
       </mc:AlternateContent>
-      <mc:AlternateContent xmlns:mc="http://schemas.openxmlformats.org/markup-compatibility/2006" xmlns:a14="http://schemas.microsoft.com/office/drawing/2010/main">
-        <mc:Choice Requires="a14">
+      <mc:AlternateContent xmlns:mc="http://schemas.openxmlformats.org/markup-compatibility/2006">
+        <mc:Choice xmlns:a14="http://schemas.microsoft.com/office/drawing/2010/main" Requires="a14">
           <p:sp>
             <p:nvSpPr>
               <p:cNvPr id="53" name="TextBox 52"/>
@@ -10697,7 +10341,7 @@
                       <m:sSupPr>
                         <m:ctrlPr>
                           <a:rPr lang="en-US" b="1" i="1" smtClean="0">
-                            <a:latin typeface="Cambria Math" charset="0"/>
+                            <a:latin typeface="Cambria Math" panose="02040503050406030204" pitchFamily="18" charset="0"/>
                           </a:rPr>
                         </m:ctrlPr>
                       </m:sSupPr>
@@ -10725,7 +10369,7 @@
             </p:txBody>
           </p:sp>
         </mc:Choice>
-        <mc:Fallback xmlns="">
+        <mc:Fallback>
           <p:sp>
             <p:nvSpPr>
               <p:cNvPr id="53" name="TextBox 52"/>
@@ -13113,7 +12757,7 @@
                       <m:sSupPr>
                         <m:ctrlPr>
                           <a:rPr lang="en-US" b="1" i="1" smtClean="0">
-                            <a:latin typeface="Cambria Math" charset="0"/>
+                            <a:latin typeface="Cambria Math" panose="02040503050406030204" pitchFamily="18" charset="0"/>
                           </a:rPr>
                         </m:ctrlPr>
                       </m:sSupPr>
@@ -13737,4483 +13381,6 @@
     <p:extLst>
       <p:ext uri="{BB962C8B-B14F-4D97-AF65-F5344CB8AC3E}">
         <p14:creationId xmlns:p14="http://schemas.microsoft.com/office/powerpoint/2010/main" val="4167790843"/>
-      </p:ext>
-    </p:extLst>
-  </p:cSld>
-  <p:clrMapOvr>
-    <a:masterClrMapping/>
-  </p:clrMapOvr>
-  <p:timing>
-    <p:tnLst>
-      <p:par>
-        <p:cTn id="1" dur="indefinite" restart="never" nodeType="tmRoot"/>
-      </p:par>
-    </p:tnLst>
-  </p:timing>
-</p:sld>
-</file>
-
-<file path=ppt/slides/slide7.xml><?xml version="1.0" encoding="utf-8"?>
-<p:sld xmlns:a="http://schemas.openxmlformats.org/drawingml/2006/main" xmlns:r="http://schemas.openxmlformats.org/officeDocument/2006/relationships" xmlns:p="http://schemas.openxmlformats.org/presentationml/2006/main">
-  <p:cSld>
-    <p:spTree>
-      <p:nvGrpSpPr>
-        <p:cNvPr id="1" name=""/>
-        <p:cNvGrpSpPr/>
-        <p:nvPr/>
-      </p:nvGrpSpPr>
-      <p:grpSpPr>
-        <a:xfrm>
-          <a:off x="0" y="0"/>
-          <a:ext cx="0" cy="0"/>
-          <a:chOff x="0" y="0"/>
-          <a:chExt cx="0" cy="0"/>
-        </a:xfrm>
-      </p:grpSpPr>
-      <p:sp>
-        <p:nvSpPr>
-          <p:cNvPr id="131" name="Rectangle 191"/>
-          <p:cNvSpPr/>
-          <p:nvPr/>
-        </p:nvSpPr>
-        <p:spPr>
-          <a:xfrm>
-            <a:off x="2566032" y="2251752"/>
-            <a:ext cx="4770304" cy="1361014"/>
-          </a:xfrm>
-          <a:prstGeom prst="rect">
-            <a:avLst/>
-          </a:prstGeom>
-          <a:ln w="19050">
-            <a:prstDash val="solid"/>
-          </a:ln>
-        </p:spPr>
-        <p:style>
-          <a:lnRef idx="2">
-            <a:schemeClr val="dk1"/>
-          </a:lnRef>
-          <a:fillRef idx="1">
-            <a:schemeClr val="lt1"/>
-          </a:fillRef>
-          <a:effectRef idx="0">
-            <a:schemeClr val="dk1"/>
-          </a:effectRef>
-          <a:fontRef idx="minor">
-            <a:schemeClr val="dk1"/>
-          </a:fontRef>
-        </p:style>
-        <p:txBody>
-          <a:bodyPr rtlCol="0" anchor="ctr"/>
-          <a:lstStyle/>
-          <a:p>
-            <a:pPr algn="ctr"/>
-            <a:r>
-              <a:rPr lang="en-US" dirty="0"/>
-              <a:t>Warp Scheduler</a:t>
-            </a:r>
-            <a:endParaRPr lang="en-SG" dirty="0"/>
-          </a:p>
-        </p:txBody>
-      </p:sp>
-      <p:grpSp>
-        <p:nvGrpSpPr>
-          <p:cNvPr id="191" name="Group 190"/>
-          <p:cNvGrpSpPr/>
-          <p:nvPr/>
-        </p:nvGrpSpPr>
-        <p:grpSpPr>
-          <a:xfrm>
-            <a:off x="2566033" y="371475"/>
-            <a:ext cx="7606667" cy="6125578"/>
-            <a:chOff x="2920181" y="1495705"/>
-            <a:chExt cx="5569782" cy="3736630"/>
-          </a:xfrm>
-        </p:grpSpPr>
-        <p:sp>
-          <p:nvSpPr>
-            <p:cNvPr id="229" name="Rectangle 228"/>
-            <p:cNvSpPr/>
-            <p:nvPr/>
-          </p:nvSpPr>
-          <p:spPr>
-            <a:xfrm>
-              <a:off x="2920181" y="1495705"/>
-              <a:ext cx="5569782" cy="3736630"/>
-            </a:xfrm>
-            <a:prstGeom prst="rect">
-              <a:avLst/>
-            </a:prstGeom>
-            <a:solidFill>
-              <a:schemeClr val="bg1"/>
-            </a:solidFill>
-            <a:ln w="38100">
-              <a:prstDash val="solid"/>
-            </a:ln>
-          </p:spPr>
-          <p:style>
-            <a:lnRef idx="2">
-              <a:schemeClr val="dk1"/>
-            </a:lnRef>
-            <a:fillRef idx="1">
-              <a:schemeClr val="lt1"/>
-            </a:fillRef>
-            <a:effectRef idx="0">
-              <a:schemeClr val="dk1"/>
-            </a:effectRef>
-            <a:fontRef idx="minor">
-              <a:schemeClr val="dk1"/>
-            </a:fontRef>
-          </p:style>
-          <p:txBody>
-            <a:bodyPr rtlCol="0" anchor="ctr"/>
-            <a:lstStyle/>
-            <a:p>
-              <a:pPr algn="ctr"/>
-              <a:endParaRPr lang="en-SG"/>
-            </a:p>
-          </p:txBody>
-        </p:sp>
-        <p:sp>
-          <p:nvSpPr>
-            <p:cNvPr id="230" name="TextBox 229"/>
-            <p:cNvSpPr txBox="1"/>
-            <p:nvPr/>
-          </p:nvSpPr>
-          <p:spPr>
-            <a:xfrm>
-              <a:off x="2922404" y="1565459"/>
-              <a:ext cx="3392129" cy="225294"/>
-            </a:xfrm>
-            <a:prstGeom prst="rect">
-              <a:avLst/>
-            </a:prstGeom>
-            <a:noFill/>
-            <a:ln w="38100">
-              <a:noFill/>
-              <a:prstDash val="solid"/>
-            </a:ln>
-          </p:spPr>
-          <p:txBody>
-            <a:bodyPr wrap="square" rtlCol="0">
-              <a:spAutoFit/>
-            </a:bodyPr>
-            <a:lstStyle/>
-            <a:p>
-              <a:r>
-                <a:rPr lang="en-US" altLang="zh-CN" b="1" dirty="0" smtClean="0"/>
-                <a:t>Grid</a:t>
-              </a:r>
-              <a:endParaRPr lang="en-SG" b="1" dirty="0"/>
-            </a:p>
-          </p:txBody>
-        </p:sp>
-      </p:grpSp>
-      <p:grpSp>
-        <p:nvGrpSpPr>
-          <p:cNvPr id="195" name="Group 194"/>
-          <p:cNvGrpSpPr/>
-          <p:nvPr/>
-        </p:nvGrpSpPr>
-        <p:grpSpPr>
-          <a:xfrm>
-            <a:off x="2790963" y="4589253"/>
-            <a:ext cx="7103144" cy="1176087"/>
-            <a:chOff x="3082411" y="4960493"/>
-            <a:chExt cx="5123123" cy="929150"/>
-          </a:xfrm>
-        </p:grpSpPr>
-        <p:sp>
-          <p:nvSpPr>
-            <p:cNvPr id="227" name="Rectangle 226"/>
-            <p:cNvSpPr/>
-            <p:nvPr/>
-          </p:nvSpPr>
-          <p:spPr>
-            <a:xfrm>
-              <a:off x="3082411" y="4960493"/>
-              <a:ext cx="5123123" cy="412956"/>
-            </a:xfrm>
-            <a:prstGeom prst="rect">
-              <a:avLst/>
-            </a:prstGeom>
-            <a:ln w="19050">
-              <a:prstDash val="solid"/>
-            </a:ln>
-          </p:spPr>
-          <p:style>
-            <a:lnRef idx="2">
-              <a:schemeClr val="dk1"/>
-            </a:lnRef>
-            <a:fillRef idx="1">
-              <a:schemeClr val="lt1"/>
-            </a:fillRef>
-            <a:effectRef idx="0">
-              <a:schemeClr val="dk1"/>
-            </a:effectRef>
-            <a:fontRef idx="minor">
-              <a:schemeClr val="dk1"/>
-            </a:fontRef>
-          </p:style>
-          <p:txBody>
-            <a:bodyPr rtlCol="0" anchor="ctr"/>
-            <a:lstStyle/>
-            <a:p>
-              <a:pPr algn="ctr"/>
-              <a:r>
-                <a:rPr lang="en-US" altLang="zh-CN" dirty="0" smtClean="0"/>
-                <a:t>Constant</a:t>
-              </a:r>
-              <a:r>
-                <a:rPr lang="zh-CN" altLang="en-US" dirty="0" smtClean="0"/>
-                <a:t> </a:t>
-              </a:r>
-              <a:r>
-                <a:rPr lang="en-US" altLang="zh-CN" dirty="0" smtClean="0"/>
-                <a:t>Memory</a:t>
-              </a:r>
-              <a:endParaRPr lang="en-SG" dirty="0"/>
-            </a:p>
-          </p:txBody>
-        </p:sp>
-        <p:sp>
-          <p:nvSpPr>
-            <p:cNvPr id="228" name="Rectangle 227"/>
-            <p:cNvSpPr/>
-            <p:nvPr/>
-          </p:nvSpPr>
-          <p:spPr>
-            <a:xfrm>
-              <a:off x="3082411" y="5476687"/>
-              <a:ext cx="5123123" cy="412956"/>
-            </a:xfrm>
-            <a:prstGeom prst="rect">
-              <a:avLst/>
-            </a:prstGeom>
-            <a:ln w="19050">
-              <a:prstDash val="solid"/>
-            </a:ln>
-          </p:spPr>
-          <p:style>
-            <a:lnRef idx="2">
-              <a:schemeClr val="dk1"/>
-            </a:lnRef>
-            <a:fillRef idx="1">
-              <a:schemeClr val="lt1"/>
-            </a:fillRef>
-            <a:effectRef idx="0">
-              <a:schemeClr val="dk1"/>
-            </a:effectRef>
-            <a:fontRef idx="minor">
-              <a:schemeClr val="dk1"/>
-            </a:fontRef>
-          </p:style>
-          <p:txBody>
-            <a:bodyPr rtlCol="0" anchor="ctr"/>
-            <a:lstStyle/>
-            <a:p>
-              <a:pPr algn="ctr"/>
-              <a:r>
-                <a:rPr lang="en-US" altLang="zh-CN" dirty="0" smtClean="0"/>
-                <a:t>Global</a:t>
-              </a:r>
-              <a:r>
-                <a:rPr lang="en-US" dirty="0" smtClean="0"/>
-                <a:t> </a:t>
-              </a:r>
-              <a:r>
-                <a:rPr lang="en-US" dirty="0"/>
-                <a:t>Memory</a:t>
-              </a:r>
-              <a:endParaRPr lang="en-SG" dirty="0"/>
-            </a:p>
-          </p:txBody>
-        </p:sp>
-      </p:grpSp>
-      <p:sp>
-        <p:nvSpPr>
-          <p:cNvPr id="132" name="Rectangle 227"/>
-          <p:cNvSpPr/>
-          <p:nvPr/>
-        </p:nvSpPr>
-        <p:spPr>
-          <a:xfrm>
-            <a:off x="2790964" y="5876428"/>
-            <a:ext cx="7103143" cy="522706"/>
-          </a:xfrm>
-          <a:prstGeom prst="rect">
-            <a:avLst/>
-          </a:prstGeom>
-          <a:ln w="19050">
-            <a:prstDash val="solid"/>
-          </a:ln>
-        </p:spPr>
-        <p:style>
-          <a:lnRef idx="2">
-            <a:schemeClr val="dk1"/>
-          </a:lnRef>
-          <a:fillRef idx="1">
-            <a:schemeClr val="lt1"/>
-          </a:fillRef>
-          <a:effectRef idx="0">
-            <a:schemeClr val="dk1"/>
-          </a:effectRef>
-          <a:fontRef idx="minor">
-            <a:schemeClr val="dk1"/>
-          </a:fontRef>
-        </p:style>
-        <p:txBody>
-          <a:bodyPr rtlCol="0" anchor="ctr"/>
-          <a:lstStyle/>
-          <a:p>
-            <a:pPr algn="ctr"/>
-            <a:r>
-              <a:rPr lang="en-US" altLang="zh-CN" dirty="0" smtClean="0"/>
-              <a:t>Texture</a:t>
-            </a:r>
-            <a:r>
-              <a:rPr lang="en-US" dirty="0" smtClean="0"/>
-              <a:t> </a:t>
-            </a:r>
-            <a:r>
-              <a:rPr lang="en-US" dirty="0"/>
-              <a:t>Memory</a:t>
-            </a:r>
-            <a:endParaRPr lang="en-SG" dirty="0"/>
-          </a:p>
-        </p:txBody>
-      </p:sp>
-      <p:grpSp>
-        <p:nvGrpSpPr>
-          <p:cNvPr id="26" name="组 25"/>
-          <p:cNvGrpSpPr/>
-          <p:nvPr/>
-        </p:nvGrpSpPr>
-        <p:grpSpPr>
-          <a:xfrm>
-            <a:off x="2832290" y="938839"/>
-            <a:ext cx="3396124" cy="4945604"/>
-            <a:chOff x="2832290" y="938839"/>
-            <a:chExt cx="3396124" cy="4945604"/>
-          </a:xfrm>
-        </p:grpSpPr>
-        <p:grpSp>
-          <p:nvGrpSpPr>
-            <p:cNvPr id="17" name="组 16"/>
-            <p:cNvGrpSpPr/>
-            <p:nvPr/>
-          </p:nvGrpSpPr>
-          <p:grpSpPr>
-            <a:xfrm>
-              <a:off x="2832290" y="938839"/>
-              <a:ext cx="3396124" cy="3412443"/>
-              <a:chOff x="2832290" y="938839"/>
-              <a:chExt cx="3396124" cy="3412443"/>
-            </a:xfrm>
-          </p:grpSpPr>
-          <p:grpSp>
-            <p:nvGrpSpPr>
-              <p:cNvPr id="4" name="组 3"/>
-              <p:cNvGrpSpPr/>
-              <p:nvPr/>
-            </p:nvGrpSpPr>
-            <p:grpSpPr>
-              <a:xfrm>
-                <a:off x="2832290" y="938839"/>
-                <a:ext cx="3396124" cy="3412443"/>
-                <a:chOff x="2832290" y="938839"/>
-                <a:chExt cx="3396124" cy="3412443"/>
-              </a:xfrm>
-            </p:grpSpPr>
-            <p:sp>
-              <p:nvSpPr>
-                <p:cNvPr id="192" name="Rectangle 191"/>
-                <p:cNvSpPr/>
-                <p:nvPr/>
-              </p:nvSpPr>
-              <p:spPr>
-                <a:xfrm>
-                  <a:off x="2832290" y="938839"/>
-                  <a:ext cx="3396124" cy="3412443"/>
-                </a:xfrm>
-                <a:prstGeom prst="rect">
-                  <a:avLst/>
-                </a:prstGeom>
-                <a:ln w="19050">
-                  <a:prstDash val="solid"/>
-                </a:ln>
-              </p:spPr>
-              <p:style>
-                <a:lnRef idx="2">
-                  <a:schemeClr val="dk1"/>
-                </a:lnRef>
-                <a:fillRef idx="1">
-                  <a:schemeClr val="lt1"/>
-                </a:fillRef>
-                <a:effectRef idx="0">
-                  <a:schemeClr val="dk1"/>
-                </a:effectRef>
-                <a:fontRef idx="minor">
-                  <a:schemeClr val="dk1"/>
-                </a:fontRef>
-              </p:style>
-              <p:txBody>
-                <a:bodyPr rtlCol="0" anchor="ctr"/>
-                <a:lstStyle/>
-                <a:p>
-                  <a:pPr algn="ctr"/>
-                  <a:endParaRPr lang="en-SG" dirty="0"/>
-                </a:p>
-              </p:txBody>
-            </p:sp>
-            <p:grpSp>
-              <p:nvGrpSpPr>
-                <p:cNvPr id="199" name="Group 198"/>
-                <p:cNvGrpSpPr/>
-                <p:nvPr/>
-              </p:nvGrpSpPr>
-              <p:grpSpPr>
-                <a:xfrm>
-                  <a:off x="3013602" y="1397640"/>
-                  <a:ext cx="3071889" cy="1754475"/>
-                  <a:chOff x="894306" y="2546240"/>
-                  <a:chExt cx="2215591" cy="1386096"/>
-                </a:xfrm>
-              </p:grpSpPr>
-              <p:sp>
-                <p:nvSpPr>
-                  <p:cNvPr id="214" name="Rectangle 213"/>
-                  <p:cNvSpPr/>
-                  <p:nvPr/>
-                </p:nvSpPr>
-                <p:spPr>
-                  <a:xfrm>
-                    <a:off x="904613" y="2546240"/>
-                    <a:ext cx="2205284" cy="267863"/>
-                  </a:xfrm>
-                  <a:prstGeom prst="rect">
-                    <a:avLst/>
-                  </a:prstGeom>
-                  <a:ln w="12700"/>
-                </p:spPr>
-                <p:style>
-                  <a:lnRef idx="2">
-                    <a:schemeClr val="dk1"/>
-                  </a:lnRef>
-                  <a:fillRef idx="1">
-                    <a:schemeClr val="lt1"/>
-                  </a:fillRef>
-                  <a:effectRef idx="0">
-                    <a:schemeClr val="dk1"/>
-                  </a:effectRef>
-                  <a:fontRef idx="minor">
-                    <a:schemeClr val="dk1"/>
-                  </a:fontRef>
-                </p:style>
-                <p:txBody>
-                  <a:bodyPr rtlCol="0" anchor="ctr"/>
-                  <a:lstStyle/>
-                  <a:p>
-                    <a:pPr algn="ctr"/>
-                    <a:r>
-                      <a:rPr lang="en-US" altLang="zh-CN" dirty="0"/>
-                      <a:t>S</a:t>
-                    </a:r>
-                    <a:r>
-                      <a:rPr lang="en-US" altLang="zh-CN" dirty="0" smtClean="0"/>
-                      <a:t>hared</a:t>
-                    </a:r>
-                    <a:r>
-                      <a:rPr lang="zh-CN" altLang="en-US" dirty="0" smtClean="0"/>
-                      <a:t> </a:t>
-                    </a:r>
-                    <a:r>
-                      <a:rPr lang="en-US" altLang="zh-CN" dirty="0" smtClean="0"/>
-                      <a:t>Memory</a:t>
-                    </a:r>
-                    <a:endParaRPr lang="en-SG" dirty="0"/>
-                  </a:p>
-                </p:txBody>
-              </p:sp>
-              <p:sp>
-                <p:nvSpPr>
-                  <p:cNvPr id="215" name="Rectangle 214"/>
-                  <p:cNvSpPr/>
-                  <p:nvPr/>
-                </p:nvSpPr>
-                <p:spPr>
-                  <a:xfrm>
-                    <a:off x="904614" y="3079996"/>
-                    <a:ext cx="732963" cy="325377"/>
-                  </a:xfrm>
-                  <a:prstGeom prst="rect">
-                    <a:avLst/>
-                  </a:prstGeom>
-                  <a:ln w="12700"/>
-                </p:spPr>
-                <p:style>
-                  <a:lnRef idx="2">
-                    <a:schemeClr val="dk1"/>
-                  </a:lnRef>
-                  <a:fillRef idx="1">
-                    <a:schemeClr val="lt1"/>
-                  </a:fillRef>
-                  <a:effectRef idx="0">
-                    <a:schemeClr val="dk1"/>
-                  </a:effectRef>
-                  <a:fontRef idx="minor">
-                    <a:schemeClr val="dk1"/>
-                  </a:fontRef>
-                </p:style>
-                <p:txBody>
-                  <a:bodyPr rtlCol="0" anchor="ctr"/>
-                  <a:lstStyle/>
-                  <a:p>
-                    <a:pPr algn="ctr"/>
-                    <a:r>
-                      <a:rPr lang="en-US" altLang="zh-CN" dirty="0" smtClean="0"/>
-                      <a:t>Register</a:t>
-                    </a:r>
-                    <a:endParaRPr lang="en-SG" dirty="0"/>
-                  </a:p>
-                </p:txBody>
-              </p:sp>
-              <p:sp>
-                <p:nvSpPr>
-                  <p:cNvPr id="216" name="Rectangle 215"/>
-                  <p:cNvSpPr/>
-                  <p:nvPr/>
-                </p:nvSpPr>
-                <p:spPr>
-                  <a:xfrm>
-                    <a:off x="894306" y="3629694"/>
-                    <a:ext cx="1040605" cy="302642"/>
-                  </a:xfrm>
-                  <a:prstGeom prst="rect">
-                    <a:avLst/>
-                  </a:prstGeom>
-                  <a:ln w="12700"/>
-                </p:spPr>
-                <p:style>
-                  <a:lnRef idx="2">
-                    <a:schemeClr val="dk1"/>
-                  </a:lnRef>
-                  <a:fillRef idx="1">
-                    <a:schemeClr val="lt1"/>
-                  </a:fillRef>
-                  <a:effectRef idx="0">
-                    <a:schemeClr val="dk1"/>
-                  </a:effectRef>
-                  <a:fontRef idx="minor">
-                    <a:schemeClr val="dk1"/>
-                  </a:fontRef>
-                </p:style>
-                <p:txBody>
-                  <a:bodyPr rtlCol="0" anchor="ctr"/>
-                  <a:lstStyle/>
-                  <a:p>
-                    <a:pPr algn="ctr"/>
-                    <a:r>
-                      <a:rPr lang="en-US" altLang="zh-CN" smtClean="0"/>
-                      <a:t>Thread(0,0)</a:t>
-                    </a:r>
-                    <a:endParaRPr lang="en-SG" dirty="0"/>
-                  </a:p>
-                </p:txBody>
-              </p:sp>
-            </p:grpSp>
-            <p:sp>
-              <p:nvSpPr>
-                <p:cNvPr id="212" name="Rectangle 211"/>
-                <p:cNvSpPr/>
-                <p:nvPr/>
-              </p:nvSpPr>
-              <p:spPr>
-                <a:xfrm>
-                  <a:off x="3027894" y="3434595"/>
-                  <a:ext cx="1016244" cy="648154"/>
-                </a:xfrm>
-                <a:prstGeom prst="rect">
-                  <a:avLst/>
-                </a:prstGeom>
-                <a:ln w="12700"/>
-              </p:spPr>
-              <p:style>
-                <a:lnRef idx="2">
-                  <a:schemeClr val="dk1"/>
-                </a:lnRef>
-                <a:fillRef idx="1">
-                  <a:schemeClr val="lt1"/>
-                </a:fillRef>
-                <a:effectRef idx="0">
-                  <a:schemeClr val="dk1"/>
-                </a:effectRef>
-                <a:fontRef idx="minor">
-                  <a:schemeClr val="dk1"/>
-                </a:fontRef>
-              </p:style>
-              <p:txBody>
-                <a:bodyPr rtlCol="0" anchor="ctr"/>
-                <a:lstStyle/>
-                <a:p>
-                  <a:pPr algn="ctr"/>
-                  <a:r>
-                    <a:rPr lang="en-US" altLang="zh-CN" dirty="0" smtClean="0"/>
-                    <a:t>Local</a:t>
-                  </a:r>
-                </a:p>
-                <a:p>
-                  <a:pPr algn="ctr"/>
-                  <a:r>
-                    <a:rPr lang="en-US" altLang="zh-CN" dirty="0" smtClean="0"/>
-                    <a:t>Memory</a:t>
-                  </a:r>
-                  <a:endParaRPr lang="en-SG" dirty="0"/>
-                </a:p>
-              </p:txBody>
-            </p:sp>
-            <p:sp>
-              <p:nvSpPr>
-                <p:cNvPr id="134" name="TextBox 229"/>
-                <p:cNvSpPr txBox="1"/>
-                <p:nvPr/>
-              </p:nvSpPr>
-              <p:spPr>
-                <a:xfrm>
-                  <a:off x="2886871" y="962552"/>
-                  <a:ext cx="3198620" cy="369332"/>
-                </a:xfrm>
-                <a:prstGeom prst="rect">
-                  <a:avLst/>
-                </a:prstGeom>
-                <a:noFill/>
-                <a:ln w="38100">
-                  <a:noFill/>
-                  <a:prstDash val="solid"/>
-                </a:ln>
-              </p:spPr>
-              <p:txBody>
-                <a:bodyPr wrap="square" rtlCol="0">
-                  <a:spAutoFit/>
-                </a:bodyPr>
-                <a:lstStyle/>
-                <a:p>
-                  <a:r>
-                    <a:rPr lang="en-US" altLang="zh-CN" b="1" dirty="0" smtClean="0"/>
-                    <a:t>Block(0,0)</a:t>
-                  </a:r>
-                  <a:endParaRPr lang="en-SG" b="1" dirty="0"/>
-                </a:p>
-              </p:txBody>
-            </p:sp>
-            <p:sp>
-              <p:nvSpPr>
-                <p:cNvPr id="135" name="Rectangle 214"/>
-                <p:cNvSpPr/>
-                <p:nvPr/>
-              </p:nvSpPr>
-              <p:spPr>
-                <a:xfrm>
-                  <a:off x="4647711" y="2076366"/>
-                  <a:ext cx="1031449" cy="407653"/>
-                </a:xfrm>
-                <a:prstGeom prst="rect">
-                  <a:avLst/>
-                </a:prstGeom>
-                <a:ln w="12700"/>
-              </p:spPr>
-              <p:style>
-                <a:lnRef idx="2">
-                  <a:schemeClr val="dk1"/>
-                </a:lnRef>
-                <a:fillRef idx="1">
-                  <a:schemeClr val="lt1"/>
-                </a:fillRef>
-                <a:effectRef idx="0">
-                  <a:schemeClr val="dk1"/>
-                </a:effectRef>
-                <a:fontRef idx="minor">
-                  <a:schemeClr val="dk1"/>
-                </a:fontRef>
-              </p:style>
-              <p:txBody>
-                <a:bodyPr rtlCol="0" anchor="ctr"/>
-                <a:lstStyle/>
-                <a:p>
-                  <a:pPr algn="ctr"/>
-                  <a:r>
-                    <a:rPr lang="en-US" altLang="zh-CN" dirty="0" smtClean="0"/>
-                    <a:t>Register</a:t>
-                  </a:r>
-                  <a:endParaRPr lang="en-SG" dirty="0"/>
-                </a:p>
-              </p:txBody>
-            </p:sp>
-            <p:sp>
-              <p:nvSpPr>
-                <p:cNvPr id="136" name="Rectangle 215"/>
-                <p:cNvSpPr/>
-                <p:nvPr/>
-              </p:nvSpPr>
-              <p:spPr>
-                <a:xfrm>
-                  <a:off x="4642707" y="2760115"/>
-                  <a:ext cx="1442784" cy="390707"/>
-                </a:xfrm>
-                <a:prstGeom prst="rect">
-                  <a:avLst/>
-                </a:prstGeom>
-                <a:ln w="12700"/>
-              </p:spPr>
-              <p:style>
-                <a:lnRef idx="2">
-                  <a:schemeClr val="dk1"/>
-                </a:lnRef>
-                <a:fillRef idx="1">
-                  <a:schemeClr val="lt1"/>
-                </a:fillRef>
-                <a:effectRef idx="0">
-                  <a:schemeClr val="dk1"/>
-                </a:effectRef>
-                <a:fontRef idx="minor">
-                  <a:schemeClr val="dk1"/>
-                </a:fontRef>
-              </p:style>
-              <p:txBody>
-                <a:bodyPr rtlCol="0" anchor="ctr"/>
-                <a:lstStyle/>
-                <a:p>
-                  <a:pPr algn="ctr"/>
-                  <a:r>
-                    <a:rPr lang="en-US" altLang="zh-CN" dirty="0" smtClean="0"/>
-                    <a:t>Thread(1,0)</a:t>
-                  </a:r>
-                  <a:endParaRPr lang="en-SG" dirty="0"/>
-                </a:p>
-              </p:txBody>
-            </p:sp>
-            <p:sp>
-              <p:nvSpPr>
-                <p:cNvPr id="137" name="Rectangle 211"/>
-                <p:cNvSpPr/>
-                <p:nvPr/>
-              </p:nvSpPr>
-              <p:spPr>
-                <a:xfrm>
-                  <a:off x="4642706" y="3441338"/>
-                  <a:ext cx="1036454" cy="648154"/>
-                </a:xfrm>
-                <a:prstGeom prst="rect">
-                  <a:avLst/>
-                </a:prstGeom>
-                <a:ln w="12700"/>
-              </p:spPr>
-              <p:style>
-                <a:lnRef idx="2">
-                  <a:schemeClr val="dk1"/>
-                </a:lnRef>
-                <a:fillRef idx="1">
-                  <a:schemeClr val="lt1"/>
-                </a:fillRef>
-                <a:effectRef idx="0">
-                  <a:schemeClr val="dk1"/>
-                </a:effectRef>
-                <a:fontRef idx="minor">
-                  <a:schemeClr val="dk1"/>
-                </a:fontRef>
-              </p:style>
-              <p:txBody>
-                <a:bodyPr rtlCol="0" anchor="ctr"/>
-                <a:lstStyle/>
-                <a:p>
-                  <a:pPr algn="ctr"/>
-                  <a:r>
-                    <a:rPr lang="en-US" altLang="zh-CN" dirty="0" smtClean="0"/>
-                    <a:t>Local</a:t>
-                  </a:r>
-                </a:p>
-                <a:p>
-                  <a:pPr algn="ctr"/>
-                  <a:r>
-                    <a:rPr lang="en-US" altLang="zh-CN" dirty="0" smtClean="0"/>
-                    <a:t>Memory</a:t>
-                  </a:r>
-                  <a:endParaRPr lang="en-SG" dirty="0"/>
-                </a:p>
-              </p:txBody>
-            </p:sp>
-          </p:grpSp>
-          <p:cxnSp>
-            <p:nvCxnSpPr>
-              <p:cNvPr id="11" name="直线箭头连接符 10"/>
-              <p:cNvCxnSpPr/>
-              <p:nvPr/>
-            </p:nvCxnSpPr>
-            <p:spPr>
-              <a:xfrm>
-                <a:off x="3541986" y="2501462"/>
-                <a:ext cx="0" cy="262759"/>
-              </a:xfrm>
-              <a:prstGeom prst="straightConnector1">
-                <a:avLst/>
-              </a:prstGeom>
-              <a:ln w="12700">
-                <a:solidFill>
-                  <a:schemeClr val="tx1"/>
-                </a:solidFill>
-                <a:headEnd type="triangle"/>
-                <a:tailEnd type="triangle"/>
-              </a:ln>
-            </p:spPr>
-            <p:style>
-              <a:lnRef idx="1">
-                <a:schemeClr val="accent1"/>
-              </a:lnRef>
-              <a:fillRef idx="0">
-                <a:schemeClr val="accent1"/>
-              </a:fillRef>
-              <a:effectRef idx="0">
-                <a:schemeClr val="accent1"/>
-              </a:effectRef>
-              <a:fontRef idx="minor">
-                <a:schemeClr val="tx1"/>
-              </a:fontRef>
-            </p:style>
-          </p:cxnSp>
-          <p:cxnSp>
-            <p:nvCxnSpPr>
-              <p:cNvPr id="34" name="直线箭头连接符 33"/>
-              <p:cNvCxnSpPr/>
-              <p:nvPr/>
-            </p:nvCxnSpPr>
-            <p:spPr>
-              <a:xfrm>
-                <a:off x="5160933" y="2484019"/>
-                <a:ext cx="0" cy="262759"/>
-              </a:xfrm>
-              <a:prstGeom prst="straightConnector1">
-                <a:avLst/>
-              </a:prstGeom>
-              <a:ln w="12700">
-                <a:solidFill>
-                  <a:schemeClr val="tx1"/>
-                </a:solidFill>
-                <a:headEnd type="triangle"/>
-                <a:tailEnd type="triangle"/>
-              </a:ln>
-            </p:spPr>
-            <p:style>
-              <a:lnRef idx="1">
-                <a:schemeClr val="accent1"/>
-              </a:lnRef>
-              <a:fillRef idx="0">
-                <a:schemeClr val="accent1"/>
-              </a:fillRef>
-              <a:effectRef idx="0">
-                <a:schemeClr val="accent1"/>
-              </a:effectRef>
-              <a:fontRef idx="minor">
-                <a:schemeClr val="tx1"/>
-              </a:fontRef>
-            </p:style>
-          </p:cxnSp>
-          <p:cxnSp>
-            <p:nvCxnSpPr>
-              <p:cNvPr id="35" name="直线箭头连接符 34"/>
-              <p:cNvCxnSpPr/>
-              <p:nvPr/>
-            </p:nvCxnSpPr>
-            <p:spPr>
-              <a:xfrm>
-                <a:off x="3536016" y="3150822"/>
-                <a:ext cx="0" cy="262759"/>
-              </a:xfrm>
-              <a:prstGeom prst="straightConnector1">
-                <a:avLst/>
-              </a:prstGeom>
-              <a:ln w="12700">
-                <a:solidFill>
-                  <a:schemeClr val="tx1"/>
-                </a:solidFill>
-                <a:headEnd type="triangle"/>
-                <a:tailEnd type="triangle"/>
-              </a:ln>
-            </p:spPr>
-            <p:style>
-              <a:lnRef idx="1">
-                <a:schemeClr val="accent1"/>
-              </a:lnRef>
-              <a:fillRef idx="0">
-                <a:schemeClr val="accent1"/>
-              </a:fillRef>
-              <a:effectRef idx="0">
-                <a:schemeClr val="accent1"/>
-              </a:effectRef>
-              <a:fontRef idx="minor">
-                <a:schemeClr val="tx1"/>
-              </a:fontRef>
-            </p:style>
-          </p:cxnSp>
-          <p:cxnSp>
-            <p:nvCxnSpPr>
-              <p:cNvPr id="36" name="直线箭头连接符 35"/>
-              <p:cNvCxnSpPr/>
-              <p:nvPr/>
-            </p:nvCxnSpPr>
-            <p:spPr>
-              <a:xfrm>
-                <a:off x="5160933" y="3150821"/>
-                <a:ext cx="0" cy="262759"/>
-              </a:xfrm>
-              <a:prstGeom prst="straightConnector1">
-                <a:avLst/>
-              </a:prstGeom>
-              <a:ln w="12700">
-                <a:solidFill>
-                  <a:schemeClr val="tx1"/>
-                </a:solidFill>
-                <a:headEnd type="triangle"/>
-                <a:tailEnd type="triangle"/>
-              </a:ln>
-            </p:spPr>
-            <p:style>
-              <a:lnRef idx="1">
-                <a:schemeClr val="accent1"/>
-              </a:lnRef>
-              <a:fillRef idx="0">
-                <a:schemeClr val="accent1"/>
-              </a:fillRef>
-              <a:effectRef idx="0">
-                <a:schemeClr val="accent1"/>
-              </a:effectRef>
-              <a:fontRef idx="minor">
-                <a:schemeClr val="tx1"/>
-              </a:fontRef>
-            </p:style>
-          </p:cxnSp>
-          <p:cxnSp>
-            <p:nvCxnSpPr>
-              <p:cNvPr id="16" name="直线箭头连接符 15"/>
-              <p:cNvCxnSpPr/>
-              <p:nvPr/>
-            </p:nvCxnSpPr>
-            <p:spPr>
-              <a:xfrm>
-                <a:off x="4200526" y="1788775"/>
-                <a:ext cx="0" cy="925953"/>
-              </a:xfrm>
-              <a:prstGeom prst="straightConnector1">
-                <a:avLst/>
-              </a:prstGeom>
-              <a:ln w="12700">
-                <a:solidFill>
-                  <a:schemeClr val="tx1"/>
-                </a:solidFill>
-                <a:headEnd type="triangle"/>
-                <a:tailEnd type="triangle"/>
-              </a:ln>
-            </p:spPr>
-            <p:style>
-              <a:lnRef idx="1">
-                <a:schemeClr val="accent1"/>
-              </a:lnRef>
-              <a:fillRef idx="0">
-                <a:schemeClr val="accent1"/>
-              </a:fillRef>
-              <a:effectRef idx="0">
-                <a:schemeClr val="accent1"/>
-              </a:effectRef>
-              <a:fontRef idx="minor">
-                <a:schemeClr val="tx1"/>
-              </a:fontRef>
-            </p:style>
-          </p:cxnSp>
-          <p:cxnSp>
-            <p:nvCxnSpPr>
-              <p:cNvPr id="41" name="直线箭头连接符 40"/>
-              <p:cNvCxnSpPr/>
-              <p:nvPr/>
-            </p:nvCxnSpPr>
-            <p:spPr>
-              <a:xfrm>
-                <a:off x="5867401" y="1788774"/>
-                <a:ext cx="0" cy="925953"/>
-              </a:xfrm>
-              <a:prstGeom prst="straightConnector1">
-                <a:avLst/>
-              </a:prstGeom>
-              <a:ln w="12700">
-                <a:solidFill>
-                  <a:schemeClr val="tx1"/>
-                </a:solidFill>
-                <a:headEnd type="triangle"/>
-                <a:tailEnd type="triangle"/>
-              </a:ln>
-            </p:spPr>
-            <p:style>
-              <a:lnRef idx="1">
-                <a:schemeClr val="accent1"/>
-              </a:lnRef>
-              <a:fillRef idx="0">
-                <a:schemeClr val="accent1"/>
-              </a:fillRef>
-              <a:effectRef idx="0">
-                <a:schemeClr val="accent1"/>
-              </a:effectRef>
-              <a:fontRef idx="minor">
-                <a:schemeClr val="tx1"/>
-              </a:fontRef>
-            </p:style>
-          </p:cxnSp>
-        </p:grpSp>
-        <p:grpSp>
-          <p:nvGrpSpPr>
-            <p:cNvPr id="25" name="组 24"/>
-            <p:cNvGrpSpPr/>
-            <p:nvPr/>
-          </p:nvGrpSpPr>
-          <p:grpSpPr>
-            <a:xfrm>
-              <a:off x="4129086" y="3150821"/>
-              <a:ext cx="155848" cy="2725607"/>
-              <a:chOff x="4129086" y="3150821"/>
-              <a:chExt cx="155848" cy="2725607"/>
-            </a:xfrm>
-          </p:grpSpPr>
-          <p:cxnSp>
-            <p:nvCxnSpPr>
-              <p:cNvPr id="19" name="直线箭头连接符 18"/>
-              <p:cNvCxnSpPr/>
-              <p:nvPr/>
-            </p:nvCxnSpPr>
-            <p:spPr>
-              <a:xfrm>
-                <a:off x="4129086" y="3150821"/>
-                <a:ext cx="0" cy="1438432"/>
-              </a:xfrm>
-              <a:prstGeom prst="straightConnector1">
-                <a:avLst/>
-              </a:prstGeom>
-              <a:ln w="12700">
-                <a:solidFill>
-                  <a:schemeClr val="tx1"/>
-                </a:solidFill>
-                <a:headEnd type="triangle"/>
-                <a:tailEnd type="triangle"/>
-              </a:ln>
-            </p:spPr>
-            <p:style>
-              <a:lnRef idx="1">
-                <a:schemeClr val="accent1"/>
-              </a:lnRef>
-              <a:fillRef idx="0">
-                <a:schemeClr val="accent1"/>
-              </a:fillRef>
-              <a:effectRef idx="0">
-                <a:schemeClr val="accent1"/>
-              </a:effectRef>
-              <a:fontRef idx="minor">
-                <a:schemeClr val="tx1"/>
-              </a:fontRef>
-            </p:style>
-          </p:cxnSp>
-          <p:cxnSp>
-            <p:nvCxnSpPr>
-              <p:cNvPr id="21" name="直线箭头连接符 20"/>
-              <p:cNvCxnSpPr/>
-              <p:nvPr/>
-            </p:nvCxnSpPr>
-            <p:spPr>
-              <a:xfrm>
-                <a:off x="4200526" y="3150821"/>
-                <a:ext cx="0" cy="2091813"/>
-              </a:xfrm>
-              <a:prstGeom prst="straightConnector1">
-                <a:avLst/>
-              </a:prstGeom>
-              <a:ln w="12700">
-                <a:solidFill>
-                  <a:schemeClr val="tx1"/>
-                </a:solidFill>
-                <a:headEnd type="triangle"/>
-                <a:tailEnd type="triangle"/>
-              </a:ln>
-            </p:spPr>
-            <p:style>
-              <a:lnRef idx="1">
-                <a:schemeClr val="accent1"/>
-              </a:lnRef>
-              <a:fillRef idx="0">
-                <a:schemeClr val="accent1"/>
-              </a:fillRef>
-              <a:effectRef idx="0">
-                <a:schemeClr val="accent1"/>
-              </a:effectRef>
-              <a:fontRef idx="minor">
-                <a:schemeClr val="tx1"/>
-              </a:fontRef>
-            </p:style>
-          </p:cxnSp>
-          <p:cxnSp>
-            <p:nvCxnSpPr>
-              <p:cNvPr id="24" name="直线箭头连接符 23"/>
-              <p:cNvCxnSpPr/>
-              <p:nvPr/>
-            </p:nvCxnSpPr>
-            <p:spPr>
-              <a:xfrm>
-                <a:off x="4284934" y="3150821"/>
-                <a:ext cx="0" cy="2725607"/>
-              </a:xfrm>
-              <a:prstGeom prst="straightConnector1">
-                <a:avLst/>
-              </a:prstGeom>
-              <a:ln w="12700">
-                <a:solidFill>
-                  <a:schemeClr val="tx1"/>
-                </a:solidFill>
-                <a:headEnd type="triangle"/>
-                <a:tailEnd type="triangle"/>
-              </a:ln>
-            </p:spPr>
-            <p:style>
-              <a:lnRef idx="1">
-                <a:schemeClr val="accent1"/>
-              </a:lnRef>
-              <a:fillRef idx="0">
-                <a:schemeClr val="accent1"/>
-              </a:fillRef>
-              <a:effectRef idx="0">
-                <a:schemeClr val="accent1"/>
-              </a:effectRef>
-              <a:fontRef idx="minor">
-                <a:schemeClr val="tx1"/>
-              </a:fontRef>
-            </p:style>
-          </p:cxnSp>
-        </p:grpSp>
-        <p:grpSp>
-          <p:nvGrpSpPr>
-            <p:cNvPr id="50" name="组 49"/>
-            <p:cNvGrpSpPr/>
-            <p:nvPr/>
-          </p:nvGrpSpPr>
-          <p:grpSpPr>
-            <a:xfrm>
-              <a:off x="5757097" y="3158836"/>
-              <a:ext cx="155848" cy="2725607"/>
-              <a:chOff x="4129086" y="3150821"/>
-              <a:chExt cx="155848" cy="2725607"/>
-            </a:xfrm>
-          </p:grpSpPr>
-          <p:cxnSp>
-            <p:nvCxnSpPr>
-              <p:cNvPr id="51" name="直线箭头连接符 50"/>
-              <p:cNvCxnSpPr/>
-              <p:nvPr/>
-            </p:nvCxnSpPr>
-            <p:spPr>
-              <a:xfrm>
-                <a:off x="4129086" y="3150821"/>
-                <a:ext cx="0" cy="1438432"/>
-              </a:xfrm>
-              <a:prstGeom prst="straightConnector1">
-                <a:avLst/>
-              </a:prstGeom>
-              <a:ln w="12700">
-                <a:solidFill>
-                  <a:schemeClr val="tx1"/>
-                </a:solidFill>
-                <a:headEnd type="triangle"/>
-                <a:tailEnd type="triangle"/>
-              </a:ln>
-            </p:spPr>
-            <p:style>
-              <a:lnRef idx="1">
-                <a:schemeClr val="accent1"/>
-              </a:lnRef>
-              <a:fillRef idx="0">
-                <a:schemeClr val="accent1"/>
-              </a:fillRef>
-              <a:effectRef idx="0">
-                <a:schemeClr val="accent1"/>
-              </a:effectRef>
-              <a:fontRef idx="minor">
-                <a:schemeClr val="tx1"/>
-              </a:fontRef>
-            </p:style>
-          </p:cxnSp>
-          <p:cxnSp>
-            <p:nvCxnSpPr>
-              <p:cNvPr id="52" name="直线箭头连接符 51"/>
-              <p:cNvCxnSpPr/>
-              <p:nvPr/>
-            </p:nvCxnSpPr>
-            <p:spPr>
-              <a:xfrm>
-                <a:off x="4200526" y="3150821"/>
-                <a:ext cx="0" cy="2091813"/>
-              </a:xfrm>
-              <a:prstGeom prst="straightConnector1">
-                <a:avLst/>
-              </a:prstGeom>
-              <a:ln w="12700">
-                <a:solidFill>
-                  <a:schemeClr val="tx1"/>
-                </a:solidFill>
-                <a:headEnd type="triangle"/>
-                <a:tailEnd type="triangle"/>
-              </a:ln>
-            </p:spPr>
-            <p:style>
-              <a:lnRef idx="1">
-                <a:schemeClr val="accent1"/>
-              </a:lnRef>
-              <a:fillRef idx="0">
-                <a:schemeClr val="accent1"/>
-              </a:fillRef>
-              <a:effectRef idx="0">
-                <a:schemeClr val="accent1"/>
-              </a:effectRef>
-              <a:fontRef idx="minor">
-                <a:schemeClr val="tx1"/>
-              </a:fontRef>
-            </p:style>
-          </p:cxnSp>
-          <p:cxnSp>
-            <p:nvCxnSpPr>
-              <p:cNvPr id="53" name="直线箭头连接符 52"/>
-              <p:cNvCxnSpPr/>
-              <p:nvPr/>
-            </p:nvCxnSpPr>
-            <p:spPr>
-              <a:xfrm>
-                <a:off x="4284934" y="3150821"/>
-                <a:ext cx="0" cy="2725607"/>
-              </a:xfrm>
-              <a:prstGeom prst="straightConnector1">
-                <a:avLst/>
-              </a:prstGeom>
-              <a:ln w="12700">
-                <a:solidFill>
-                  <a:schemeClr val="tx1"/>
-                </a:solidFill>
-                <a:headEnd type="triangle"/>
-                <a:tailEnd type="triangle"/>
-              </a:ln>
-            </p:spPr>
-            <p:style>
-              <a:lnRef idx="1">
-                <a:schemeClr val="accent1"/>
-              </a:lnRef>
-              <a:fillRef idx="0">
-                <a:schemeClr val="accent1"/>
-              </a:fillRef>
-              <a:effectRef idx="0">
-                <a:schemeClr val="accent1"/>
-              </a:effectRef>
-              <a:fontRef idx="minor">
-                <a:schemeClr val="tx1"/>
-              </a:fontRef>
-            </p:style>
-          </p:cxnSp>
-        </p:grpSp>
-      </p:grpSp>
-      <p:grpSp>
-        <p:nvGrpSpPr>
-          <p:cNvPr id="82" name="组 81"/>
-          <p:cNvGrpSpPr/>
-          <p:nvPr/>
-        </p:nvGrpSpPr>
-        <p:grpSpPr>
-          <a:xfrm>
-            <a:off x="6497983" y="940778"/>
-            <a:ext cx="3396124" cy="4945604"/>
-            <a:chOff x="2832290" y="938839"/>
-            <a:chExt cx="3396124" cy="4945604"/>
-          </a:xfrm>
-        </p:grpSpPr>
-        <p:grpSp>
-          <p:nvGrpSpPr>
-            <p:cNvPr id="83" name="组 82"/>
-            <p:cNvGrpSpPr/>
-            <p:nvPr/>
-          </p:nvGrpSpPr>
-          <p:grpSpPr>
-            <a:xfrm>
-              <a:off x="2832290" y="938839"/>
-              <a:ext cx="3396124" cy="3412443"/>
-              <a:chOff x="2832290" y="938839"/>
-              <a:chExt cx="3396124" cy="3412443"/>
-            </a:xfrm>
-          </p:grpSpPr>
-          <p:grpSp>
-            <p:nvGrpSpPr>
-              <p:cNvPr id="92" name="组 91"/>
-              <p:cNvGrpSpPr/>
-              <p:nvPr/>
-            </p:nvGrpSpPr>
-            <p:grpSpPr>
-              <a:xfrm>
-                <a:off x="2832290" y="938839"/>
-                <a:ext cx="3396124" cy="3412443"/>
-                <a:chOff x="2832290" y="938839"/>
-                <a:chExt cx="3396124" cy="3412443"/>
-              </a:xfrm>
-            </p:grpSpPr>
-            <p:sp>
-              <p:nvSpPr>
-                <p:cNvPr id="99" name="Rectangle 191"/>
-                <p:cNvSpPr/>
-                <p:nvPr/>
-              </p:nvSpPr>
-              <p:spPr>
-                <a:xfrm>
-                  <a:off x="2832290" y="938839"/>
-                  <a:ext cx="3396124" cy="3412443"/>
-                </a:xfrm>
-                <a:prstGeom prst="rect">
-                  <a:avLst/>
-                </a:prstGeom>
-                <a:ln w="19050">
-                  <a:prstDash val="solid"/>
-                </a:ln>
-              </p:spPr>
-              <p:style>
-                <a:lnRef idx="2">
-                  <a:schemeClr val="dk1"/>
-                </a:lnRef>
-                <a:fillRef idx="1">
-                  <a:schemeClr val="lt1"/>
-                </a:fillRef>
-                <a:effectRef idx="0">
-                  <a:schemeClr val="dk1"/>
-                </a:effectRef>
-                <a:fontRef idx="minor">
-                  <a:schemeClr val="dk1"/>
-                </a:fontRef>
-              </p:style>
-              <p:txBody>
-                <a:bodyPr rtlCol="0" anchor="ctr"/>
-                <a:lstStyle/>
-                <a:p>
-                  <a:pPr algn="ctr"/>
-                  <a:endParaRPr lang="en-SG" dirty="0"/>
-                </a:p>
-              </p:txBody>
-            </p:sp>
-            <p:grpSp>
-              <p:nvGrpSpPr>
-                <p:cNvPr id="100" name="Group 198"/>
-                <p:cNvGrpSpPr/>
-                <p:nvPr/>
-              </p:nvGrpSpPr>
-              <p:grpSpPr>
-                <a:xfrm>
-                  <a:off x="3013602" y="1397640"/>
-                  <a:ext cx="3071889" cy="1754475"/>
-                  <a:chOff x="894306" y="2546240"/>
-                  <a:chExt cx="2215591" cy="1386096"/>
-                </a:xfrm>
-              </p:grpSpPr>
-              <p:sp>
-                <p:nvSpPr>
-                  <p:cNvPr id="106" name="Rectangle 213"/>
-                  <p:cNvSpPr/>
-                  <p:nvPr/>
-                </p:nvSpPr>
-                <p:spPr>
-                  <a:xfrm>
-                    <a:off x="904613" y="2546240"/>
-                    <a:ext cx="2205284" cy="267863"/>
-                  </a:xfrm>
-                  <a:prstGeom prst="rect">
-                    <a:avLst/>
-                  </a:prstGeom>
-                  <a:ln w="12700"/>
-                </p:spPr>
-                <p:style>
-                  <a:lnRef idx="2">
-                    <a:schemeClr val="dk1"/>
-                  </a:lnRef>
-                  <a:fillRef idx="1">
-                    <a:schemeClr val="lt1"/>
-                  </a:fillRef>
-                  <a:effectRef idx="0">
-                    <a:schemeClr val="dk1"/>
-                  </a:effectRef>
-                  <a:fontRef idx="minor">
-                    <a:schemeClr val="dk1"/>
-                  </a:fontRef>
-                </p:style>
-                <p:txBody>
-                  <a:bodyPr rtlCol="0" anchor="ctr"/>
-                  <a:lstStyle/>
-                  <a:p>
-                    <a:pPr algn="ctr"/>
-                    <a:r>
-                      <a:rPr lang="en-US" altLang="zh-CN" dirty="0"/>
-                      <a:t>S</a:t>
-                    </a:r>
-                    <a:r>
-                      <a:rPr lang="en-US" altLang="zh-CN" dirty="0" smtClean="0"/>
-                      <a:t>hared</a:t>
-                    </a:r>
-                    <a:r>
-                      <a:rPr lang="zh-CN" altLang="en-US" dirty="0" smtClean="0"/>
-                      <a:t> </a:t>
-                    </a:r>
-                    <a:r>
-                      <a:rPr lang="en-US" altLang="zh-CN" dirty="0" smtClean="0"/>
-                      <a:t>Memory</a:t>
-                    </a:r>
-                    <a:endParaRPr lang="en-SG" dirty="0"/>
-                  </a:p>
-                </p:txBody>
-              </p:sp>
-              <p:sp>
-                <p:nvSpPr>
-                  <p:cNvPr id="107" name="Rectangle 214"/>
-                  <p:cNvSpPr/>
-                  <p:nvPr/>
-                </p:nvSpPr>
-                <p:spPr>
-                  <a:xfrm>
-                    <a:off x="904614" y="3079996"/>
-                    <a:ext cx="732963" cy="325377"/>
-                  </a:xfrm>
-                  <a:prstGeom prst="rect">
-                    <a:avLst/>
-                  </a:prstGeom>
-                  <a:ln w="12700"/>
-                </p:spPr>
-                <p:style>
-                  <a:lnRef idx="2">
-                    <a:schemeClr val="dk1"/>
-                  </a:lnRef>
-                  <a:fillRef idx="1">
-                    <a:schemeClr val="lt1"/>
-                  </a:fillRef>
-                  <a:effectRef idx="0">
-                    <a:schemeClr val="dk1"/>
-                  </a:effectRef>
-                  <a:fontRef idx="minor">
-                    <a:schemeClr val="dk1"/>
-                  </a:fontRef>
-                </p:style>
-                <p:txBody>
-                  <a:bodyPr rtlCol="0" anchor="ctr"/>
-                  <a:lstStyle/>
-                  <a:p>
-                    <a:pPr algn="ctr"/>
-                    <a:r>
-                      <a:rPr lang="en-US" altLang="zh-CN" dirty="0" smtClean="0"/>
-                      <a:t>Register</a:t>
-                    </a:r>
-                    <a:endParaRPr lang="en-SG" dirty="0"/>
-                  </a:p>
-                </p:txBody>
-              </p:sp>
-              <p:sp>
-                <p:nvSpPr>
-                  <p:cNvPr id="108" name="Rectangle 215"/>
-                  <p:cNvSpPr/>
-                  <p:nvPr/>
-                </p:nvSpPr>
-                <p:spPr>
-                  <a:xfrm>
-                    <a:off x="894306" y="3629694"/>
-                    <a:ext cx="1040605" cy="302642"/>
-                  </a:xfrm>
-                  <a:prstGeom prst="rect">
-                    <a:avLst/>
-                  </a:prstGeom>
-                  <a:ln w="12700"/>
-                </p:spPr>
-                <p:style>
-                  <a:lnRef idx="2">
-                    <a:schemeClr val="dk1"/>
-                  </a:lnRef>
-                  <a:fillRef idx="1">
-                    <a:schemeClr val="lt1"/>
-                  </a:fillRef>
-                  <a:effectRef idx="0">
-                    <a:schemeClr val="dk1"/>
-                  </a:effectRef>
-                  <a:fontRef idx="minor">
-                    <a:schemeClr val="dk1"/>
-                  </a:fontRef>
-                </p:style>
-                <p:txBody>
-                  <a:bodyPr rtlCol="0" anchor="ctr"/>
-                  <a:lstStyle/>
-                  <a:p>
-                    <a:pPr algn="ctr"/>
-                    <a:r>
-                      <a:rPr lang="en-US" altLang="zh-CN" smtClean="0"/>
-                      <a:t>Thread(0,0)</a:t>
-                    </a:r>
-                    <a:endParaRPr lang="en-SG" dirty="0"/>
-                  </a:p>
-                </p:txBody>
-              </p:sp>
-            </p:grpSp>
-            <p:sp>
-              <p:nvSpPr>
-                <p:cNvPr id="101" name="Rectangle 211"/>
-                <p:cNvSpPr/>
-                <p:nvPr/>
-              </p:nvSpPr>
-              <p:spPr>
-                <a:xfrm>
-                  <a:off x="3027894" y="3434595"/>
-                  <a:ext cx="1016244" cy="648154"/>
-                </a:xfrm>
-                <a:prstGeom prst="rect">
-                  <a:avLst/>
-                </a:prstGeom>
-                <a:ln w="12700"/>
-              </p:spPr>
-              <p:style>
-                <a:lnRef idx="2">
-                  <a:schemeClr val="dk1"/>
-                </a:lnRef>
-                <a:fillRef idx="1">
-                  <a:schemeClr val="lt1"/>
-                </a:fillRef>
-                <a:effectRef idx="0">
-                  <a:schemeClr val="dk1"/>
-                </a:effectRef>
-                <a:fontRef idx="minor">
-                  <a:schemeClr val="dk1"/>
-                </a:fontRef>
-              </p:style>
-              <p:txBody>
-                <a:bodyPr rtlCol="0" anchor="ctr"/>
-                <a:lstStyle/>
-                <a:p>
-                  <a:pPr algn="ctr"/>
-                  <a:r>
-                    <a:rPr lang="en-US" altLang="zh-CN" dirty="0" smtClean="0"/>
-                    <a:t>Local</a:t>
-                  </a:r>
-                </a:p>
-                <a:p>
-                  <a:pPr algn="ctr"/>
-                  <a:r>
-                    <a:rPr lang="en-US" altLang="zh-CN" dirty="0" smtClean="0"/>
-                    <a:t>Memory</a:t>
-                  </a:r>
-                  <a:endParaRPr lang="en-SG" dirty="0"/>
-                </a:p>
-              </p:txBody>
-            </p:sp>
-            <p:sp>
-              <p:nvSpPr>
-                <p:cNvPr id="102" name="TextBox 229"/>
-                <p:cNvSpPr txBox="1"/>
-                <p:nvPr/>
-              </p:nvSpPr>
-              <p:spPr>
-                <a:xfrm>
-                  <a:off x="2886871" y="962552"/>
-                  <a:ext cx="3198620" cy="369332"/>
-                </a:xfrm>
-                <a:prstGeom prst="rect">
-                  <a:avLst/>
-                </a:prstGeom>
-                <a:noFill/>
-                <a:ln w="38100">
-                  <a:noFill/>
-                  <a:prstDash val="solid"/>
-                </a:ln>
-              </p:spPr>
-              <p:txBody>
-                <a:bodyPr wrap="square" rtlCol="0">
-                  <a:spAutoFit/>
-                </a:bodyPr>
-                <a:lstStyle/>
-                <a:p>
-                  <a:r>
-                    <a:rPr lang="en-US" altLang="zh-CN" b="1" dirty="0" smtClean="0"/>
-                    <a:t>Block(1,0</a:t>
-                  </a:r>
-                  <a:r>
-                    <a:rPr lang="en-US" altLang="zh-CN" b="1" dirty="0" smtClean="0"/>
-                    <a:t>)</a:t>
-                  </a:r>
-                  <a:endParaRPr lang="en-SG" b="1" dirty="0"/>
-                </a:p>
-              </p:txBody>
-            </p:sp>
-            <p:sp>
-              <p:nvSpPr>
-                <p:cNvPr id="103" name="Rectangle 214"/>
-                <p:cNvSpPr/>
-                <p:nvPr/>
-              </p:nvSpPr>
-              <p:spPr>
-                <a:xfrm>
-                  <a:off x="4647711" y="2076366"/>
-                  <a:ext cx="1031449" cy="407653"/>
-                </a:xfrm>
-                <a:prstGeom prst="rect">
-                  <a:avLst/>
-                </a:prstGeom>
-                <a:ln w="12700"/>
-              </p:spPr>
-              <p:style>
-                <a:lnRef idx="2">
-                  <a:schemeClr val="dk1"/>
-                </a:lnRef>
-                <a:fillRef idx="1">
-                  <a:schemeClr val="lt1"/>
-                </a:fillRef>
-                <a:effectRef idx="0">
-                  <a:schemeClr val="dk1"/>
-                </a:effectRef>
-                <a:fontRef idx="minor">
-                  <a:schemeClr val="dk1"/>
-                </a:fontRef>
-              </p:style>
-              <p:txBody>
-                <a:bodyPr rtlCol="0" anchor="ctr"/>
-                <a:lstStyle/>
-                <a:p>
-                  <a:pPr algn="ctr"/>
-                  <a:r>
-                    <a:rPr lang="en-US" altLang="zh-CN" dirty="0" smtClean="0"/>
-                    <a:t>Register</a:t>
-                  </a:r>
-                  <a:endParaRPr lang="en-SG" dirty="0"/>
-                </a:p>
-              </p:txBody>
-            </p:sp>
-            <p:sp>
-              <p:nvSpPr>
-                <p:cNvPr id="104" name="Rectangle 215"/>
-                <p:cNvSpPr/>
-                <p:nvPr/>
-              </p:nvSpPr>
-              <p:spPr>
-                <a:xfrm>
-                  <a:off x="4642707" y="2760115"/>
-                  <a:ext cx="1442784" cy="390707"/>
-                </a:xfrm>
-                <a:prstGeom prst="rect">
-                  <a:avLst/>
-                </a:prstGeom>
-                <a:ln w="12700"/>
-              </p:spPr>
-              <p:style>
-                <a:lnRef idx="2">
-                  <a:schemeClr val="dk1"/>
-                </a:lnRef>
-                <a:fillRef idx="1">
-                  <a:schemeClr val="lt1"/>
-                </a:fillRef>
-                <a:effectRef idx="0">
-                  <a:schemeClr val="dk1"/>
-                </a:effectRef>
-                <a:fontRef idx="minor">
-                  <a:schemeClr val="dk1"/>
-                </a:fontRef>
-              </p:style>
-              <p:txBody>
-                <a:bodyPr rtlCol="0" anchor="ctr"/>
-                <a:lstStyle/>
-                <a:p>
-                  <a:pPr algn="ctr"/>
-                  <a:r>
-                    <a:rPr lang="en-US" altLang="zh-CN" dirty="0" smtClean="0"/>
-                    <a:t>Thread(1,0)</a:t>
-                  </a:r>
-                  <a:endParaRPr lang="en-SG" dirty="0"/>
-                </a:p>
-              </p:txBody>
-            </p:sp>
-            <p:sp>
-              <p:nvSpPr>
-                <p:cNvPr id="105" name="Rectangle 211"/>
-                <p:cNvSpPr/>
-                <p:nvPr/>
-              </p:nvSpPr>
-              <p:spPr>
-                <a:xfrm>
-                  <a:off x="4642706" y="3441338"/>
-                  <a:ext cx="1036454" cy="648154"/>
-                </a:xfrm>
-                <a:prstGeom prst="rect">
-                  <a:avLst/>
-                </a:prstGeom>
-                <a:ln w="12700"/>
-              </p:spPr>
-              <p:style>
-                <a:lnRef idx="2">
-                  <a:schemeClr val="dk1"/>
-                </a:lnRef>
-                <a:fillRef idx="1">
-                  <a:schemeClr val="lt1"/>
-                </a:fillRef>
-                <a:effectRef idx="0">
-                  <a:schemeClr val="dk1"/>
-                </a:effectRef>
-                <a:fontRef idx="minor">
-                  <a:schemeClr val="dk1"/>
-                </a:fontRef>
-              </p:style>
-              <p:txBody>
-                <a:bodyPr rtlCol="0" anchor="ctr"/>
-                <a:lstStyle/>
-                <a:p>
-                  <a:pPr algn="ctr"/>
-                  <a:r>
-                    <a:rPr lang="en-US" altLang="zh-CN" dirty="0" smtClean="0"/>
-                    <a:t>Local</a:t>
-                  </a:r>
-                </a:p>
-                <a:p>
-                  <a:pPr algn="ctr"/>
-                  <a:r>
-                    <a:rPr lang="en-US" altLang="zh-CN" dirty="0" smtClean="0"/>
-                    <a:t>Memory</a:t>
-                  </a:r>
-                  <a:endParaRPr lang="en-SG" dirty="0"/>
-                </a:p>
-              </p:txBody>
-            </p:sp>
-          </p:grpSp>
-          <p:cxnSp>
-            <p:nvCxnSpPr>
-              <p:cNvPr id="93" name="直线箭头连接符 92"/>
-              <p:cNvCxnSpPr/>
-              <p:nvPr/>
-            </p:nvCxnSpPr>
-            <p:spPr>
-              <a:xfrm>
-                <a:off x="3541986" y="2501462"/>
-                <a:ext cx="0" cy="262759"/>
-              </a:xfrm>
-              <a:prstGeom prst="straightConnector1">
-                <a:avLst/>
-              </a:prstGeom>
-              <a:ln w="12700">
-                <a:solidFill>
-                  <a:schemeClr val="tx1"/>
-                </a:solidFill>
-                <a:headEnd type="triangle"/>
-                <a:tailEnd type="triangle"/>
-              </a:ln>
-            </p:spPr>
-            <p:style>
-              <a:lnRef idx="1">
-                <a:schemeClr val="accent1"/>
-              </a:lnRef>
-              <a:fillRef idx="0">
-                <a:schemeClr val="accent1"/>
-              </a:fillRef>
-              <a:effectRef idx="0">
-                <a:schemeClr val="accent1"/>
-              </a:effectRef>
-              <a:fontRef idx="minor">
-                <a:schemeClr val="tx1"/>
-              </a:fontRef>
-            </p:style>
-          </p:cxnSp>
-          <p:cxnSp>
-            <p:nvCxnSpPr>
-              <p:cNvPr id="94" name="直线箭头连接符 93"/>
-              <p:cNvCxnSpPr/>
-              <p:nvPr/>
-            </p:nvCxnSpPr>
-            <p:spPr>
-              <a:xfrm>
-                <a:off x="5160933" y="2484019"/>
-                <a:ext cx="0" cy="262759"/>
-              </a:xfrm>
-              <a:prstGeom prst="straightConnector1">
-                <a:avLst/>
-              </a:prstGeom>
-              <a:ln w="12700">
-                <a:solidFill>
-                  <a:schemeClr val="tx1"/>
-                </a:solidFill>
-                <a:headEnd type="triangle"/>
-                <a:tailEnd type="triangle"/>
-              </a:ln>
-            </p:spPr>
-            <p:style>
-              <a:lnRef idx="1">
-                <a:schemeClr val="accent1"/>
-              </a:lnRef>
-              <a:fillRef idx="0">
-                <a:schemeClr val="accent1"/>
-              </a:fillRef>
-              <a:effectRef idx="0">
-                <a:schemeClr val="accent1"/>
-              </a:effectRef>
-              <a:fontRef idx="minor">
-                <a:schemeClr val="tx1"/>
-              </a:fontRef>
-            </p:style>
-          </p:cxnSp>
-          <p:cxnSp>
-            <p:nvCxnSpPr>
-              <p:cNvPr id="95" name="直线箭头连接符 94"/>
-              <p:cNvCxnSpPr/>
-              <p:nvPr/>
-            </p:nvCxnSpPr>
-            <p:spPr>
-              <a:xfrm>
-                <a:off x="3536016" y="3150822"/>
-                <a:ext cx="0" cy="262759"/>
-              </a:xfrm>
-              <a:prstGeom prst="straightConnector1">
-                <a:avLst/>
-              </a:prstGeom>
-              <a:ln w="12700">
-                <a:solidFill>
-                  <a:schemeClr val="tx1"/>
-                </a:solidFill>
-                <a:headEnd type="triangle"/>
-                <a:tailEnd type="triangle"/>
-              </a:ln>
-            </p:spPr>
-            <p:style>
-              <a:lnRef idx="1">
-                <a:schemeClr val="accent1"/>
-              </a:lnRef>
-              <a:fillRef idx="0">
-                <a:schemeClr val="accent1"/>
-              </a:fillRef>
-              <a:effectRef idx="0">
-                <a:schemeClr val="accent1"/>
-              </a:effectRef>
-              <a:fontRef idx="minor">
-                <a:schemeClr val="tx1"/>
-              </a:fontRef>
-            </p:style>
-          </p:cxnSp>
-          <p:cxnSp>
-            <p:nvCxnSpPr>
-              <p:cNvPr id="96" name="直线箭头连接符 95"/>
-              <p:cNvCxnSpPr/>
-              <p:nvPr/>
-            </p:nvCxnSpPr>
-            <p:spPr>
-              <a:xfrm>
-                <a:off x="5160933" y="3150821"/>
-                <a:ext cx="0" cy="262759"/>
-              </a:xfrm>
-              <a:prstGeom prst="straightConnector1">
-                <a:avLst/>
-              </a:prstGeom>
-              <a:ln w="12700">
-                <a:solidFill>
-                  <a:schemeClr val="tx1"/>
-                </a:solidFill>
-                <a:headEnd type="triangle"/>
-                <a:tailEnd type="triangle"/>
-              </a:ln>
-            </p:spPr>
-            <p:style>
-              <a:lnRef idx="1">
-                <a:schemeClr val="accent1"/>
-              </a:lnRef>
-              <a:fillRef idx="0">
-                <a:schemeClr val="accent1"/>
-              </a:fillRef>
-              <a:effectRef idx="0">
-                <a:schemeClr val="accent1"/>
-              </a:effectRef>
-              <a:fontRef idx="minor">
-                <a:schemeClr val="tx1"/>
-              </a:fontRef>
-            </p:style>
-          </p:cxnSp>
-          <p:cxnSp>
-            <p:nvCxnSpPr>
-              <p:cNvPr id="97" name="直线箭头连接符 96"/>
-              <p:cNvCxnSpPr/>
-              <p:nvPr/>
-            </p:nvCxnSpPr>
-            <p:spPr>
-              <a:xfrm>
-                <a:off x="4200526" y="1788775"/>
-                <a:ext cx="0" cy="925953"/>
-              </a:xfrm>
-              <a:prstGeom prst="straightConnector1">
-                <a:avLst/>
-              </a:prstGeom>
-              <a:ln w="12700">
-                <a:solidFill>
-                  <a:schemeClr val="tx1"/>
-                </a:solidFill>
-                <a:headEnd type="triangle"/>
-                <a:tailEnd type="triangle"/>
-              </a:ln>
-            </p:spPr>
-            <p:style>
-              <a:lnRef idx="1">
-                <a:schemeClr val="accent1"/>
-              </a:lnRef>
-              <a:fillRef idx="0">
-                <a:schemeClr val="accent1"/>
-              </a:fillRef>
-              <a:effectRef idx="0">
-                <a:schemeClr val="accent1"/>
-              </a:effectRef>
-              <a:fontRef idx="minor">
-                <a:schemeClr val="tx1"/>
-              </a:fontRef>
-            </p:style>
-          </p:cxnSp>
-          <p:cxnSp>
-            <p:nvCxnSpPr>
-              <p:cNvPr id="98" name="直线箭头连接符 97"/>
-              <p:cNvCxnSpPr/>
-              <p:nvPr/>
-            </p:nvCxnSpPr>
-            <p:spPr>
-              <a:xfrm>
-                <a:off x="5867401" y="1788774"/>
-                <a:ext cx="0" cy="925953"/>
-              </a:xfrm>
-              <a:prstGeom prst="straightConnector1">
-                <a:avLst/>
-              </a:prstGeom>
-              <a:ln w="12700">
-                <a:solidFill>
-                  <a:schemeClr val="tx1"/>
-                </a:solidFill>
-                <a:headEnd type="triangle"/>
-                <a:tailEnd type="triangle"/>
-              </a:ln>
-            </p:spPr>
-            <p:style>
-              <a:lnRef idx="1">
-                <a:schemeClr val="accent1"/>
-              </a:lnRef>
-              <a:fillRef idx="0">
-                <a:schemeClr val="accent1"/>
-              </a:fillRef>
-              <a:effectRef idx="0">
-                <a:schemeClr val="accent1"/>
-              </a:effectRef>
-              <a:fontRef idx="minor">
-                <a:schemeClr val="tx1"/>
-              </a:fontRef>
-            </p:style>
-          </p:cxnSp>
-        </p:grpSp>
-        <p:grpSp>
-          <p:nvGrpSpPr>
-            <p:cNvPr id="84" name="组 83"/>
-            <p:cNvGrpSpPr/>
-            <p:nvPr/>
-          </p:nvGrpSpPr>
-          <p:grpSpPr>
-            <a:xfrm>
-              <a:off x="4129086" y="3150821"/>
-              <a:ext cx="155848" cy="2725607"/>
-              <a:chOff x="4129086" y="3150821"/>
-              <a:chExt cx="155848" cy="2725607"/>
-            </a:xfrm>
-          </p:grpSpPr>
-          <p:cxnSp>
-            <p:nvCxnSpPr>
-              <p:cNvPr id="89" name="直线箭头连接符 88"/>
-              <p:cNvCxnSpPr/>
-              <p:nvPr/>
-            </p:nvCxnSpPr>
-            <p:spPr>
-              <a:xfrm>
-                <a:off x="4129086" y="3150821"/>
-                <a:ext cx="0" cy="1438432"/>
-              </a:xfrm>
-              <a:prstGeom prst="straightConnector1">
-                <a:avLst/>
-              </a:prstGeom>
-              <a:ln w="12700">
-                <a:solidFill>
-                  <a:schemeClr val="tx1"/>
-                </a:solidFill>
-                <a:headEnd type="triangle"/>
-                <a:tailEnd type="triangle"/>
-              </a:ln>
-            </p:spPr>
-            <p:style>
-              <a:lnRef idx="1">
-                <a:schemeClr val="accent1"/>
-              </a:lnRef>
-              <a:fillRef idx="0">
-                <a:schemeClr val="accent1"/>
-              </a:fillRef>
-              <a:effectRef idx="0">
-                <a:schemeClr val="accent1"/>
-              </a:effectRef>
-              <a:fontRef idx="minor">
-                <a:schemeClr val="tx1"/>
-              </a:fontRef>
-            </p:style>
-          </p:cxnSp>
-          <p:cxnSp>
-            <p:nvCxnSpPr>
-              <p:cNvPr id="90" name="直线箭头连接符 89"/>
-              <p:cNvCxnSpPr/>
-              <p:nvPr/>
-            </p:nvCxnSpPr>
-            <p:spPr>
-              <a:xfrm>
-                <a:off x="4200526" y="3150821"/>
-                <a:ext cx="0" cy="2091813"/>
-              </a:xfrm>
-              <a:prstGeom prst="straightConnector1">
-                <a:avLst/>
-              </a:prstGeom>
-              <a:ln w="12700">
-                <a:solidFill>
-                  <a:schemeClr val="tx1"/>
-                </a:solidFill>
-                <a:headEnd type="triangle"/>
-                <a:tailEnd type="triangle"/>
-              </a:ln>
-            </p:spPr>
-            <p:style>
-              <a:lnRef idx="1">
-                <a:schemeClr val="accent1"/>
-              </a:lnRef>
-              <a:fillRef idx="0">
-                <a:schemeClr val="accent1"/>
-              </a:fillRef>
-              <a:effectRef idx="0">
-                <a:schemeClr val="accent1"/>
-              </a:effectRef>
-              <a:fontRef idx="minor">
-                <a:schemeClr val="tx1"/>
-              </a:fontRef>
-            </p:style>
-          </p:cxnSp>
-          <p:cxnSp>
-            <p:nvCxnSpPr>
-              <p:cNvPr id="91" name="直线箭头连接符 90"/>
-              <p:cNvCxnSpPr/>
-              <p:nvPr/>
-            </p:nvCxnSpPr>
-            <p:spPr>
-              <a:xfrm>
-                <a:off x="4284934" y="3150821"/>
-                <a:ext cx="0" cy="2725607"/>
-              </a:xfrm>
-              <a:prstGeom prst="straightConnector1">
-                <a:avLst/>
-              </a:prstGeom>
-              <a:ln w="12700">
-                <a:solidFill>
-                  <a:schemeClr val="tx1"/>
-                </a:solidFill>
-                <a:headEnd type="triangle"/>
-                <a:tailEnd type="triangle"/>
-              </a:ln>
-            </p:spPr>
-            <p:style>
-              <a:lnRef idx="1">
-                <a:schemeClr val="accent1"/>
-              </a:lnRef>
-              <a:fillRef idx="0">
-                <a:schemeClr val="accent1"/>
-              </a:fillRef>
-              <a:effectRef idx="0">
-                <a:schemeClr val="accent1"/>
-              </a:effectRef>
-              <a:fontRef idx="minor">
-                <a:schemeClr val="tx1"/>
-              </a:fontRef>
-            </p:style>
-          </p:cxnSp>
-        </p:grpSp>
-        <p:grpSp>
-          <p:nvGrpSpPr>
-            <p:cNvPr id="85" name="组 84"/>
-            <p:cNvGrpSpPr/>
-            <p:nvPr/>
-          </p:nvGrpSpPr>
-          <p:grpSpPr>
-            <a:xfrm>
-              <a:off x="5757097" y="3158836"/>
-              <a:ext cx="155848" cy="2725607"/>
-              <a:chOff x="4129086" y="3150821"/>
-              <a:chExt cx="155848" cy="2725607"/>
-            </a:xfrm>
-          </p:grpSpPr>
-          <p:cxnSp>
-            <p:nvCxnSpPr>
-              <p:cNvPr id="86" name="直线箭头连接符 85"/>
-              <p:cNvCxnSpPr/>
-              <p:nvPr/>
-            </p:nvCxnSpPr>
-            <p:spPr>
-              <a:xfrm>
-                <a:off x="4129086" y="3150821"/>
-                <a:ext cx="0" cy="1438432"/>
-              </a:xfrm>
-              <a:prstGeom prst="straightConnector1">
-                <a:avLst/>
-              </a:prstGeom>
-              <a:ln w="12700">
-                <a:solidFill>
-                  <a:schemeClr val="tx1"/>
-                </a:solidFill>
-                <a:headEnd type="triangle"/>
-                <a:tailEnd type="triangle"/>
-              </a:ln>
-            </p:spPr>
-            <p:style>
-              <a:lnRef idx="1">
-                <a:schemeClr val="accent1"/>
-              </a:lnRef>
-              <a:fillRef idx="0">
-                <a:schemeClr val="accent1"/>
-              </a:fillRef>
-              <a:effectRef idx="0">
-                <a:schemeClr val="accent1"/>
-              </a:effectRef>
-              <a:fontRef idx="minor">
-                <a:schemeClr val="tx1"/>
-              </a:fontRef>
-            </p:style>
-          </p:cxnSp>
-          <p:cxnSp>
-            <p:nvCxnSpPr>
-              <p:cNvPr id="87" name="直线箭头连接符 86"/>
-              <p:cNvCxnSpPr/>
-              <p:nvPr/>
-            </p:nvCxnSpPr>
-            <p:spPr>
-              <a:xfrm>
-                <a:off x="4200526" y="3150821"/>
-                <a:ext cx="0" cy="2091813"/>
-              </a:xfrm>
-              <a:prstGeom prst="straightConnector1">
-                <a:avLst/>
-              </a:prstGeom>
-              <a:ln w="12700">
-                <a:solidFill>
-                  <a:schemeClr val="tx1"/>
-                </a:solidFill>
-                <a:headEnd type="triangle"/>
-                <a:tailEnd type="triangle"/>
-              </a:ln>
-            </p:spPr>
-            <p:style>
-              <a:lnRef idx="1">
-                <a:schemeClr val="accent1"/>
-              </a:lnRef>
-              <a:fillRef idx="0">
-                <a:schemeClr val="accent1"/>
-              </a:fillRef>
-              <a:effectRef idx="0">
-                <a:schemeClr val="accent1"/>
-              </a:effectRef>
-              <a:fontRef idx="minor">
-                <a:schemeClr val="tx1"/>
-              </a:fontRef>
-            </p:style>
-          </p:cxnSp>
-          <p:cxnSp>
-            <p:nvCxnSpPr>
-              <p:cNvPr id="88" name="直线箭头连接符 87"/>
-              <p:cNvCxnSpPr/>
-              <p:nvPr/>
-            </p:nvCxnSpPr>
-            <p:spPr>
-              <a:xfrm>
-                <a:off x="4284934" y="3150821"/>
-                <a:ext cx="0" cy="2725607"/>
-              </a:xfrm>
-              <a:prstGeom prst="straightConnector1">
-                <a:avLst/>
-              </a:prstGeom>
-              <a:ln w="12700">
-                <a:solidFill>
-                  <a:schemeClr val="tx1"/>
-                </a:solidFill>
-                <a:headEnd type="triangle"/>
-                <a:tailEnd type="triangle"/>
-              </a:ln>
-            </p:spPr>
-            <p:style>
-              <a:lnRef idx="1">
-                <a:schemeClr val="accent1"/>
-              </a:lnRef>
-              <a:fillRef idx="0">
-                <a:schemeClr val="accent1"/>
-              </a:fillRef>
-              <a:effectRef idx="0">
-                <a:schemeClr val="accent1"/>
-              </a:effectRef>
-              <a:fontRef idx="minor">
-                <a:schemeClr val="tx1"/>
-              </a:fontRef>
-            </p:style>
-          </p:cxnSp>
-        </p:grpSp>
-      </p:grpSp>
-    </p:spTree>
-    <p:extLst>
-      <p:ext uri="{BB962C8B-B14F-4D97-AF65-F5344CB8AC3E}">
-        <p14:creationId xmlns:p14="http://schemas.microsoft.com/office/powerpoint/2010/main" val="1626883898"/>
-      </p:ext>
-    </p:extLst>
-  </p:cSld>
-  <p:clrMapOvr>
-    <a:masterClrMapping/>
-  </p:clrMapOvr>
-  <p:timing>
-    <p:tnLst>
-      <p:par>
-        <p:cTn id="1" dur="indefinite" restart="never" nodeType="tmRoot"/>
-      </p:par>
-    </p:tnLst>
-  </p:timing>
-</p:sld>
-</file>
-
-<file path=ppt/slides/slide8.xml><?xml version="1.0" encoding="utf-8"?>
-<p:sld xmlns:a="http://schemas.openxmlformats.org/drawingml/2006/main" xmlns:r="http://schemas.openxmlformats.org/officeDocument/2006/relationships" xmlns:p="http://schemas.openxmlformats.org/presentationml/2006/main">
-  <p:cSld>
-    <p:spTree>
-      <p:nvGrpSpPr>
-        <p:cNvPr id="1" name=""/>
-        <p:cNvGrpSpPr/>
-        <p:nvPr/>
-      </p:nvGrpSpPr>
-      <p:grpSpPr>
-        <a:xfrm>
-          <a:off x="0" y="0"/>
-          <a:ext cx="0" cy="0"/>
-          <a:chOff x="0" y="0"/>
-          <a:chExt cx="0" cy="0"/>
-        </a:xfrm>
-      </p:grpSpPr>
-      <p:grpSp>
-        <p:nvGrpSpPr>
-          <p:cNvPr id="191" name="Group 190"/>
-          <p:cNvGrpSpPr/>
-          <p:nvPr/>
-        </p:nvGrpSpPr>
-        <p:grpSpPr>
-          <a:xfrm>
-            <a:off x="3909849" y="850479"/>
-            <a:ext cx="3878317" cy="5529300"/>
-            <a:chOff x="2920181" y="1504335"/>
-            <a:chExt cx="4167732" cy="4269305"/>
-          </a:xfrm>
-        </p:grpSpPr>
-        <p:sp>
-          <p:nvSpPr>
-            <p:cNvPr id="229" name="Rectangle 228"/>
-            <p:cNvSpPr/>
-            <p:nvPr/>
-          </p:nvSpPr>
-          <p:spPr>
-            <a:xfrm>
-              <a:off x="2920181" y="1504335"/>
-              <a:ext cx="4167732" cy="4269305"/>
-            </a:xfrm>
-            <a:prstGeom prst="rect">
-              <a:avLst/>
-            </a:prstGeom>
-            <a:solidFill>
-              <a:schemeClr val="bg1"/>
-            </a:solidFill>
-            <a:ln w="38100">
-              <a:prstDash val="solid"/>
-            </a:ln>
-          </p:spPr>
-          <p:style>
-            <a:lnRef idx="2">
-              <a:schemeClr val="dk1"/>
-            </a:lnRef>
-            <a:fillRef idx="1">
-              <a:schemeClr val="lt1"/>
-            </a:fillRef>
-            <a:effectRef idx="0">
-              <a:schemeClr val="dk1"/>
-            </a:effectRef>
-            <a:fontRef idx="minor">
-              <a:schemeClr val="dk1"/>
-            </a:fontRef>
-          </p:style>
-          <p:txBody>
-            <a:bodyPr rtlCol="0" anchor="ctr"/>
-            <a:lstStyle/>
-            <a:p>
-              <a:pPr algn="ctr"/>
-              <a:endParaRPr lang="en-SG"/>
-            </a:p>
-          </p:txBody>
-        </p:sp>
-        <p:sp>
-          <p:nvSpPr>
-            <p:cNvPr id="230" name="TextBox 229"/>
-            <p:cNvSpPr txBox="1"/>
-            <p:nvPr/>
-          </p:nvSpPr>
-          <p:spPr>
-            <a:xfrm>
-              <a:off x="2920181" y="1504335"/>
-              <a:ext cx="3392129" cy="285170"/>
-            </a:xfrm>
-            <a:prstGeom prst="rect">
-              <a:avLst/>
-            </a:prstGeom>
-            <a:noFill/>
-            <a:ln w="38100">
-              <a:noFill/>
-              <a:prstDash val="solid"/>
-            </a:ln>
-          </p:spPr>
-          <p:txBody>
-            <a:bodyPr wrap="square" rtlCol="0">
-              <a:spAutoFit/>
-            </a:bodyPr>
-            <a:lstStyle/>
-            <a:p>
-              <a:r>
-                <a:rPr lang="en-SG" b="1" dirty="0" smtClean="0"/>
-                <a:t>Device</a:t>
-              </a:r>
-              <a:endParaRPr lang="en-SG" b="1" dirty="0"/>
-            </a:p>
-          </p:txBody>
-        </p:sp>
-      </p:grpSp>
-      <p:grpSp>
-        <p:nvGrpSpPr>
-          <p:cNvPr id="2" name="组 1"/>
-          <p:cNvGrpSpPr/>
-          <p:nvPr/>
-        </p:nvGrpSpPr>
-        <p:grpSpPr>
-          <a:xfrm>
-            <a:off x="1491083" y="850479"/>
-            <a:ext cx="2002750" cy="5529300"/>
-            <a:chOff x="2397067" y="850479"/>
-            <a:chExt cx="1096765" cy="6269407"/>
-          </a:xfrm>
-        </p:grpSpPr>
-        <p:sp>
-          <p:nvSpPr>
-            <p:cNvPr id="231" name="Rectangle 230"/>
-            <p:cNvSpPr/>
-            <p:nvPr/>
-          </p:nvSpPr>
-          <p:spPr>
-            <a:xfrm>
-              <a:off x="2397067" y="850479"/>
-              <a:ext cx="1096765" cy="6269407"/>
-            </a:xfrm>
-            <a:prstGeom prst="rect">
-              <a:avLst/>
-            </a:prstGeom>
-            <a:ln w="38100"/>
-          </p:spPr>
-          <p:style>
-            <a:lnRef idx="2">
-              <a:schemeClr val="dk1"/>
-            </a:lnRef>
-            <a:fillRef idx="1">
-              <a:schemeClr val="lt1"/>
-            </a:fillRef>
-            <a:effectRef idx="0">
-              <a:schemeClr val="dk1"/>
-            </a:effectRef>
-            <a:fontRef idx="minor">
-              <a:schemeClr val="dk1"/>
-            </a:fontRef>
-          </p:style>
-          <p:txBody>
-            <a:bodyPr rtlCol="0" anchor="ctr"/>
-            <a:lstStyle/>
-            <a:p>
-              <a:pPr algn="ctr"/>
-              <a:endParaRPr lang="en-SG" b="1" dirty="0"/>
-            </a:p>
-          </p:txBody>
-        </p:sp>
-        <p:sp>
-          <p:nvSpPr>
-            <p:cNvPr id="132" name="TextBox 229"/>
-            <p:cNvSpPr txBox="1"/>
-            <p:nvPr/>
-          </p:nvSpPr>
-          <p:spPr>
-            <a:xfrm>
-              <a:off x="2397067" y="850479"/>
-              <a:ext cx="783048" cy="369332"/>
-            </a:xfrm>
-            <a:prstGeom prst="rect">
-              <a:avLst/>
-            </a:prstGeom>
-            <a:noFill/>
-            <a:ln w="38100">
-              <a:noFill/>
-              <a:prstDash val="solid"/>
-            </a:ln>
-          </p:spPr>
-          <p:txBody>
-            <a:bodyPr wrap="square" rtlCol="0">
-              <a:spAutoFit/>
-            </a:bodyPr>
-            <a:lstStyle/>
-            <a:p>
-              <a:r>
-                <a:rPr lang="en-US" altLang="zh-CN" b="1" dirty="0" smtClean="0"/>
-                <a:t>Host</a:t>
-              </a:r>
-              <a:endParaRPr lang="en-SG" b="1" dirty="0"/>
-            </a:p>
-          </p:txBody>
-        </p:sp>
-      </p:grpSp>
-      <p:sp>
-        <p:nvSpPr>
-          <p:cNvPr id="133" name="Rectangle 224"/>
-          <p:cNvSpPr/>
-          <p:nvPr/>
-        </p:nvSpPr>
-        <p:spPr>
-          <a:xfrm>
-            <a:off x="1953122" y="1444312"/>
-            <a:ext cx="1103705" cy="452291"/>
-          </a:xfrm>
-          <a:prstGeom prst="rect">
-            <a:avLst/>
-          </a:prstGeom>
-          <a:ln w="12700"/>
-        </p:spPr>
-        <p:style>
-          <a:lnRef idx="2">
-            <a:schemeClr val="dk1"/>
-          </a:lnRef>
-          <a:fillRef idx="1">
-            <a:schemeClr val="lt1"/>
-          </a:fillRef>
-          <a:effectRef idx="0">
-            <a:schemeClr val="dk1"/>
-          </a:effectRef>
-          <a:fontRef idx="minor">
-            <a:schemeClr val="dk1"/>
-          </a:fontRef>
-        </p:style>
-        <p:txBody>
-          <a:bodyPr rtlCol="0" anchor="ctr"/>
-          <a:lstStyle/>
-          <a:p>
-            <a:pPr algn="ctr"/>
-            <a:r>
-              <a:rPr lang="en-US" altLang="zh-CN" dirty="0" smtClean="0"/>
-              <a:t>Kernel</a:t>
-            </a:r>
-            <a:r>
-              <a:rPr lang="zh-CN" altLang="en-US" dirty="0" smtClean="0"/>
-              <a:t> </a:t>
-            </a:r>
-            <a:r>
-              <a:rPr lang="en-US" altLang="zh-CN" dirty="0" smtClean="0"/>
-              <a:t>1</a:t>
-            </a:r>
-            <a:endParaRPr lang="en-SG" dirty="0"/>
-          </a:p>
-        </p:txBody>
-      </p:sp>
-      <p:sp>
-        <p:nvSpPr>
-          <p:cNvPr id="135" name="Rectangle 224"/>
-          <p:cNvSpPr/>
-          <p:nvPr/>
-        </p:nvSpPr>
-        <p:spPr>
-          <a:xfrm>
-            <a:off x="1907860" y="3919170"/>
-            <a:ext cx="1103705" cy="452291"/>
-          </a:xfrm>
-          <a:prstGeom prst="rect">
-            <a:avLst/>
-          </a:prstGeom>
-          <a:ln w="12700"/>
-        </p:spPr>
-        <p:style>
-          <a:lnRef idx="2">
-            <a:schemeClr val="dk1"/>
-          </a:lnRef>
-          <a:fillRef idx="1">
-            <a:schemeClr val="lt1"/>
-          </a:fillRef>
-          <a:effectRef idx="0">
-            <a:schemeClr val="dk1"/>
-          </a:effectRef>
-          <a:fontRef idx="minor">
-            <a:schemeClr val="dk1"/>
-          </a:fontRef>
-        </p:style>
-        <p:txBody>
-          <a:bodyPr rtlCol="0" anchor="ctr"/>
-          <a:lstStyle/>
-          <a:p>
-            <a:pPr algn="ctr"/>
-            <a:r>
-              <a:rPr lang="en-US" altLang="zh-CN" dirty="0" smtClean="0"/>
-              <a:t>Kernel</a:t>
-            </a:r>
-            <a:r>
-              <a:rPr lang="zh-CN" altLang="en-US" dirty="0" smtClean="0"/>
-              <a:t> </a:t>
-            </a:r>
-            <a:r>
-              <a:rPr lang="en-US" altLang="zh-CN" dirty="0"/>
-              <a:t>2</a:t>
-            </a:r>
-            <a:endParaRPr lang="en-SG" dirty="0"/>
-          </a:p>
-        </p:txBody>
-      </p:sp>
-      <p:cxnSp>
-        <p:nvCxnSpPr>
-          <p:cNvPr id="4" name="直线箭头连接符 3"/>
-          <p:cNvCxnSpPr/>
-          <p:nvPr/>
-        </p:nvCxnSpPr>
-        <p:spPr>
-          <a:xfrm>
-            <a:off x="1736203" y="1435505"/>
-            <a:ext cx="0" cy="4079819"/>
-          </a:xfrm>
-          <a:prstGeom prst="straightConnector1">
-            <a:avLst/>
-          </a:prstGeom>
-          <a:ln w="19050">
-            <a:solidFill>
-              <a:schemeClr val="tx1"/>
-            </a:solidFill>
-            <a:tailEnd type="triangle"/>
-          </a:ln>
-        </p:spPr>
-        <p:style>
-          <a:lnRef idx="1">
-            <a:schemeClr val="accent1"/>
-          </a:lnRef>
-          <a:fillRef idx="0">
-            <a:schemeClr val="accent1"/>
-          </a:fillRef>
-          <a:effectRef idx="0">
-            <a:schemeClr val="accent1"/>
-          </a:effectRef>
-          <a:fontRef idx="minor">
-            <a:schemeClr val="tx1"/>
-          </a:fontRef>
-        </p:style>
-      </p:cxnSp>
-      <p:grpSp>
-        <p:nvGrpSpPr>
-          <p:cNvPr id="16" name="组 15"/>
-          <p:cNvGrpSpPr/>
-          <p:nvPr/>
-        </p:nvGrpSpPr>
-        <p:grpSpPr>
-          <a:xfrm>
-            <a:off x="4348627" y="1303284"/>
-            <a:ext cx="3113718" cy="2385848"/>
-            <a:chOff x="4348627" y="1303284"/>
-            <a:chExt cx="3113718" cy="2385848"/>
-          </a:xfrm>
-        </p:grpSpPr>
-        <p:sp>
-          <p:nvSpPr>
-            <p:cNvPr id="194" name="Rectangle 193"/>
-            <p:cNvSpPr/>
-            <p:nvPr/>
-          </p:nvSpPr>
-          <p:spPr>
-            <a:xfrm>
-              <a:off x="4348627" y="1303284"/>
-              <a:ext cx="3113718" cy="2385848"/>
-            </a:xfrm>
-            <a:prstGeom prst="rect">
-              <a:avLst/>
-            </a:prstGeom>
-            <a:ln w="19050">
-              <a:prstDash val="solid"/>
-            </a:ln>
-          </p:spPr>
-          <p:style>
-            <a:lnRef idx="2">
-              <a:schemeClr val="dk1"/>
-            </a:lnRef>
-            <a:fillRef idx="1">
-              <a:schemeClr val="lt1"/>
-            </a:fillRef>
-            <a:effectRef idx="0">
-              <a:schemeClr val="dk1"/>
-            </a:effectRef>
-            <a:fontRef idx="minor">
-              <a:schemeClr val="dk1"/>
-            </a:fontRef>
-          </p:style>
-          <p:txBody>
-            <a:bodyPr rtlCol="0" anchor="ctr"/>
-            <a:lstStyle/>
-            <a:p>
-              <a:pPr algn="ctr"/>
-              <a:endParaRPr lang="en-SG" dirty="0"/>
-            </a:p>
-          </p:txBody>
-        </p:sp>
-        <p:sp>
-          <p:nvSpPr>
-            <p:cNvPr id="139" name="TextBox 229"/>
-            <p:cNvSpPr txBox="1"/>
-            <p:nvPr/>
-          </p:nvSpPr>
-          <p:spPr>
-            <a:xfrm>
-              <a:off x="4348627" y="1306693"/>
-              <a:ext cx="2945644" cy="369332"/>
-            </a:xfrm>
-            <a:prstGeom prst="rect">
-              <a:avLst/>
-            </a:prstGeom>
-            <a:noFill/>
-            <a:ln w="38100">
-              <a:noFill/>
-              <a:prstDash val="solid"/>
-            </a:ln>
-          </p:spPr>
-          <p:txBody>
-            <a:bodyPr wrap="square" rtlCol="0">
-              <a:spAutoFit/>
-            </a:bodyPr>
-            <a:lstStyle/>
-            <a:p>
-              <a:r>
-                <a:rPr lang="en-SG" dirty="0" smtClean="0"/>
-                <a:t>Grid 1</a:t>
-              </a:r>
-              <a:endParaRPr lang="en-SG" dirty="0"/>
-            </a:p>
-          </p:txBody>
-        </p:sp>
-        <p:grpSp>
-          <p:nvGrpSpPr>
-            <p:cNvPr id="15" name="组 14"/>
-            <p:cNvGrpSpPr/>
-            <p:nvPr/>
-          </p:nvGrpSpPr>
-          <p:grpSpPr>
-            <a:xfrm>
-              <a:off x="4504242" y="1672955"/>
-              <a:ext cx="845524" cy="1878284"/>
-              <a:chOff x="4504242" y="1672955"/>
-              <a:chExt cx="845524" cy="1878284"/>
-            </a:xfrm>
-          </p:grpSpPr>
-          <p:sp>
-            <p:nvSpPr>
-              <p:cNvPr id="219" name="Rectangle 218"/>
-              <p:cNvSpPr/>
-              <p:nvPr/>
-            </p:nvSpPr>
-            <p:spPr>
-              <a:xfrm>
-                <a:off x="4504242" y="1672955"/>
-                <a:ext cx="845524" cy="571665"/>
-              </a:xfrm>
-              <a:prstGeom prst="rect">
-                <a:avLst/>
-              </a:prstGeom>
-              <a:ln w="12700"/>
-            </p:spPr>
-            <p:style>
-              <a:lnRef idx="2">
-                <a:schemeClr val="dk1"/>
-              </a:lnRef>
-              <a:fillRef idx="1">
-                <a:schemeClr val="lt1"/>
-              </a:fillRef>
-              <a:effectRef idx="0">
-                <a:schemeClr val="dk1"/>
-              </a:effectRef>
-              <a:fontRef idx="minor">
-                <a:schemeClr val="dk1"/>
-              </a:fontRef>
-            </p:style>
-            <p:txBody>
-              <a:bodyPr rtlCol="0" anchor="ctr"/>
-              <a:lstStyle/>
-              <a:p>
-                <a:pPr algn="ctr"/>
-                <a:r>
-                  <a:rPr lang="en-US" dirty="0" smtClean="0"/>
-                  <a:t>Block</a:t>
-                </a:r>
-              </a:p>
-              <a:p>
-                <a:pPr algn="ctr"/>
-                <a:r>
-                  <a:rPr lang="en-US" dirty="0" smtClean="0"/>
-                  <a:t>(0,0)</a:t>
-                </a:r>
-                <a:endParaRPr lang="en-SG" dirty="0"/>
-              </a:p>
-            </p:txBody>
-          </p:sp>
-          <p:sp>
-            <p:nvSpPr>
-              <p:cNvPr id="140" name="Rectangle 218"/>
-              <p:cNvSpPr/>
-              <p:nvPr/>
-            </p:nvSpPr>
-            <p:spPr>
-              <a:xfrm>
-                <a:off x="4504242" y="2325049"/>
-                <a:ext cx="845524" cy="571665"/>
-              </a:xfrm>
-              <a:prstGeom prst="rect">
-                <a:avLst/>
-              </a:prstGeom>
-              <a:ln w="12700"/>
-            </p:spPr>
-            <p:style>
-              <a:lnRef idx="2">
-                <a:schemeClr val="dk1"/>
-              </a:lnRef>
-              <a:fillRef idx="1">
-                <a:schemeClr val="lt1"/>
-              </a:fillRef>
-              <a:effectRef idx="0">
-                <a:schemeClr val="dk1"/>
-              </a:effectRef>
-              <a:fontRef idx="minor">
-                <a:schemeClr val="dk1"/>
-              </a:fontRef>
-            </p:style>
-            <p:txBody>
-              <a:bodyPr rtlCol="0" anchor="ctr"/>
-              <a:lstStyle/>
-              <a:p>
-                <a:pPr algn="ctr"/>
-                <a:r>
-                  <a:rPr lang="en-US" dirty="0" smtClean="0"/>
-                  <a:t>Block</a:t>
-                </a:r>
-              </a:p>
-              <a:p>
-                <a:pPr algn="ctr"/>
-                <a:r>
-                  <a:rPr lang="en-US" dirty="0" smtClean="0"/>
-                  <a:t>(0,1)</a:t>
-                </a:r>
-                <a:endParaRPr lang="en-SG" dirty="0"/>
-              </a:p>
-            </p:txBody>
-          </p:sp>
-          <p:sp>
-            <p:nvSpPr>
-              <p:cNvPr id="141" name="Rectangle 218"/>
-              <p:cNvSpPr/>
-              <p:nvPr/>
-            </p:nvSpPr>
-            <p:spPr>
-              <a:xfrm>
-                <a:off x="4504242" y="2979574"/>
-                <a:ext cx="845524" cy="571665"/>
-              </a:xfrm>
-              <a:prstGeom prst="rect">
-                <a:avLst/>
-              </a:prstGeom>
-              <a:ln w="12700"/>
-            </p:spPr>
-            <p:style>
-              <a:lnRef idx="2">
-                <a:schemeClr val="dk1"/>
-              </a:lnRef>
-              <a:fillRef idx="1">
-                <a:schemeClr val="lt1"/>
-              </a:fillRef>
-              <a:effectRef idx="0">
-                <a:schemeClr val="dk1"/>
-              </a:effectRef>
-              <a:fontRef idx="minor">
-                <a:schemeClr val="dk1"/>
-              </a:fontRef>
-            </p:style>
-            <p:txBody>
-              <a:bodyPr rtlCol="0" anchor="ctr"/>
-              <a:lstStyle/>
-              <a:p>
-                <a:pPr algn="ctr"/>
-                <a:r>
-                  <a:rPr lang="en-US" altLang="zh-CN" dirty="0"/>
-                  <a:t>……</a:t>
-                </a:r>
-                <a:endParaRPr lang="en-SG" dirty="0"/>
-              </a:p>
-            </p:txBody>
-          </p:sp>
-        </p:grpSp>
-        <p:grpSp>
-          <p:nvGrpSpPr>
-            <p:cNvPr id="144" name="组 143"/>
-            <p:cNvGrpSpPr/>
-            <p:nvPr/>
-          </p:nvGrpSpPr>
-          <p:grpSpPr>
-            <a:xfrm>
-              <a:off x="5458516" y="1671739"/>
-              <a:ext cx="845524" cy="1878284"/>
-              <a:chOff x="4504242" y="1672955"/>
-              <a:chExt cx="845524" cy="1878284"/>
-            </a:xfrm>
-          </p:grpSpPr>
-          <p:sp>
-            <p:nvSpPr>
-              <p:cNvPr id="145" name="Rectangle 218"/>
-              <p:cNvSpPr/>
-              <p:nvPr/>
-            </p:nvSpPr>
-            <p:spPr>
-              <a:xfrm>
-                <a:off x="4504242" y="1672955"/>
-                <a:ext cx="845524" cy="571665"/>
-              </a:xfrm>
-              <a:prstGeom prst="rect">
-                <a:avLst/>
-              </a:prstGeom>
-              <a:ln w="12700"/>
-            </p:spPr>
-            <p:style>
-              <a:lnRef idx="2">
-                <a:schemeClr val="dk1"/>
-              </a:lnRef>
-              <a:fillRef idx="1">
-                <a:schemeClr val="lt1"/>
-              </a:fillRef>
-              <a:effectRef idx="0">
-                <a:schemeClr val="dk1"/>
-              </a:effectRef>
-              <a:fontRef idx="minor">
-                <a:schemeClr val="dk1"/>
-              </a:fontRef>
-            </p:style>
-            <p:txBody>
-              <a:bodyPr rtlCol="0" anchor="ctr"/>
-              <a:lstStyle/>
-              <a:p>
-                <a:pPr algn="ctr"/>
-                <a:r>
-                  <a:rPr lang="en-US" dirty="0" smtClean="0"/>
-                  <a:t>Block</a:t>
-                </a:r>
-              </a:p>
-              <a:p>
-                <a:pPr algn="ctr"/>
-                <a:r>
-                  <a:rPr lang="en-US" dirty="0" smtClean="0"/>
-                  <a:t>(</a:t>
-                </a:r>
-                <a:r>
-                  <a:rPr lang="en-US" altLang="zh-CN" dirty="0" smtClean="0"/>
-                  <a:t>1</a:t>
-                </a:r>
-                <a:r>
-                  <a:rPr lang="en-US" dirty="0" smtClean="0"/>
-                  <a:t>,0)</a:t>
-                </a:r>
-                <a:endParaRPr lang="en-SG" dirty="0"/>
-              </a:p>
-            </p:txBody>
-          </p:sp>
-          <p:sp>
-            <p:nvSpPr>
-              <p:cNvPr id="146" name="Rectangle 218"/>
-              <p:cNvSpPr/>
-              <p:nvPr/>
-            </p:nvSpPr>
-            <p:spPr>
-              <a:xfrm>
-                <a:off x="4504242" y="2325049"/>
-                <a:ext cx="845524" cy="571665"/>
-              </a:xfrm>
-              <a:prstGeom prst="rect">
-                <a:avLst/>
-              </a:prstGeom>
-              <a:ln w="12700"/>
-            </p:spPr>
-            <p:style>
-              <a:lnRef idx="2">
-                <a:schemeClr val="dk1"/>
-              </a:lnRef>
-              <a:fillRef idx="1">
-                <a:schemeClr val="lt1"/>
-              </a:fillRef>
-              <a:effectRef idx="0">
-                <a:schemeClr val="dk1"/>
-              </a:effectRef>
-              <a:fontRef idx="minor">
-                <a:schemeClr val="dk1"/>
-              </a:fontRef>
-            </p:style>
-            <p:txBody>
-              <a:bodyPr rtlCol="0" anchor="ctr"/>
-              <a:lstStyle/>
-              <a:p>
-                <a:pPr algn="ctr"/>
-                <a:r>
-                  <a:rPr lang="en-US" dirty="0" smtClean="0"/>
-                  <a:t>Block</a:t>
-                </a:r>
-              </a:p>
-              <a:p>
-                <a:pPr algn="ctr"/>
-                <a:r>
-                  <a:rPr lang="en-US" dirty="0" smtClean="0"/>
-                  <a:t>(</a:t>
-                </a:r>
-                <a:r>
-                  <a:rPr lang="en-US" altLang="zh-CN" dirty="0" smtClean="0"/>
-                  <a:t>1</a:t>
-                </a:r>
-                <a:r>
-                  <a:rPr lang="en-US" dirty="0" smtClean="0"/>
-                  <a:t>,</a:t>
-                </a:r>
-                <a:r>
-                  <a:rPr lang="en-US" altLang="zh-CN" dirty="0" smtClean="0"/>
-                  <a:t>1</a:t>
-                </a:r>
-                <a:r>
-                  <a:rPr lang="en-US" dirty="0" smtClean="0"/>
-                  <a:t>)</a:t>
-                </a:r>
-                <a:endParaRPr lang="en-SG" dirty="0"/>
-              </a:p>
-            </p:txBody>
-          </p:sp>
-          <p:sp>
-            <p:nvSpPr>
-              <p:cNvPr id="147" name="Rectangle 218"/>
-              <p:cNvSpPr/>
-              <p:nvPr/>
-            </p:nvSpPr>
-            <p:spPr>
-              <a:xfrm>
-                <a:off x="4504242" y="2979574"/>
-                <a:ext cx="845524" cy="571665"/>
-              </a:xfrm>
-              <a:prstGeom prst="rect">
-                <a:avLst/>
-              </a:prstGeom>
-              <a:ln w="12700"/>
-            </p:spPr>
-            <p:style>
-              <a:lnRef idx="2">
-                <a:schemeClr val="dk1"/>
-              </a:lnRef>
-              <a:fillRef idx="1">
-                <a:schemeClr val="lt1"/>
-              </a:fillRef>
-              <a:effectRef idx="0">
-                <a:schemeClr val="dk1"/>
-              </a:effectRef>
-              <a:fontRef idx="minor">
-                <a:schemeClr val="dk1"/>
-              </a:fontRef>
-            </p:style>
-            <p:txBody>
-              <a:bodyPr rtlCol="0" anchor="ctr"/>
-              <a:lstStyle/>
-              <a:p>
-                <a:pPr algn="ctr"/>
-                <a:r>
-                  <a:rPr lang="en-US" altLang="zh-CN" dirty="0" smtClean="0"/>
-                  <a:t>……</a:t>
-                </a:r>
-                <a:endParaRPr lang="en-SG" altLang="zh-CN" dirty="0"/>
-              </a:p>
-            </p:txBody>
-          </p:sp>
-        </p:grpSp>
-        <p:grpSp>
-          <p:nvGrpSpPr>
-            <p:cNvPr id="189" name="组 188"/>
-            <p:cNvGrpSpPr/>
-            <p:nvPr/>
-          </p:nvGrpSpPr>
-          <p:grpSpPr>
-            <a:xfrm>
-              <a:off x="6412790" y="1670458"/>
-              <a:ext cx="845524" cy="1878284"/>
-              <a:chOff x="4504242" y="1672955"/>
-              <a:chExt cx="845524" cy="1878284"/>
-            </a:xfrm>
-          </p:grpSpPr>
-          <p:sp>
-            <p:nvSpPr>
-              <p:cNvPr id="236" name="Rectangle 218"/>
-              <p:cNvSpPr/>
-              <p:nvPr/>
-            </p:nvSpPr>
-            <p:spPr>
-              <a:xfrm>
-                <a:off x="4504242" y="1672955"/>
-                <a:ext cx="845524" cy="571665"/>
-              </a:xfrm>
-              <a:prstGeom prst="rect">
-                <a:avLst/>
-              </a:prstGeom>
-              <a:ln w="12700"/>
-            </p:spPr>
-            <p:style>
-              <a:lnRef idx="2">
-                <a:schemeClr val="dk1"/>
-              </a:lnRef>
-              <a:fillRef idx="1">
-                <a:schemeClr val="lt1"/>
-              </a:fillRef>
-              <a:effectRef idx="0">
-                <a:schemeClr val="dk1"/>
-              </a:effectRef>
-              <a:fontRef idx="minor">
-                <a:schemeClr val="dk1"/>
-              </a:fontRef>
-            </p:style>
-            <p:txBody>
-              <a:bodyPr rtlCol="0" anchor="ctr"/>
-              <a:lstStyle/>
-              <a:p>
-                <a:pPr algn="ctr"/>
-                <a:r>
-                  <a:rPr lang="en-US" dirty="0" smtClean="0"/>
-                  <a:t>Block</a:t>
-                </a:r>
-              </a:p>
-              <a:p>
-                <a:pPr algn="ctr"/>
-                <a:r>
-                  <a:rPr lang="en-US" dirty="0" smtClean="0"/>
-                  <a:t>(</a:t>
-                </a:r>
-                <a:r>
-                  <a:rPr lang="en-US" altLang="zh-CN" dirty="0" smtClean="0"/>
-                  <a:t>2</a:t>
-                </a:r>
-                <a:r>
-                  <a:rPr lang="en-US" dirty="0" smtClean="0"/>
-                  <a:t>,0)</a:t>
-                </a:r>
-                <a:endParaRPr lang="en-SG" dirty="0"/>
-              </a:p>
-            </p:txBody>
-          </p:sp>
-          <p:sp>
-            <p:nvSpPr>
-              <p:cNvPr id="238" name="Rectangle 218"/>
-              <p:cNvSpPr/>
-              <p:nvPr/>
-            </p:nvSpPr>
-            <p:spPr>
-              <a:xfrm>
-                <a:off x="4504242" y="2325049"/>
-                <a:ext cx="845524" cy="571665"/>
-              </a:xfrm>
-              <a:prstGeom prst="rect">
-                <a:avLst/>
-              </a:prstGeom>
-              <a:ln w="12700"/>
-            </p:spPr>
-            <p:style>
-              <a:lnRef idx="2">
-                <a:schemeClr val="dk1"/>
-              </a:lnRef>
-              <a:fillRef idx="1">
-                <a:schemeClr val="lt1"/>
-              </a:fillRef>
-              <a:effectRef idx="0">
-                <a:schemeClr val="dk1"/>
-              </a:effectRef>
-              <a:fontRef idx="minor">
-                <a:schemeClr val="dk1"/>
-              </a:fontRef>
-            </p:style>
-            <p:txBody>
-              <a:bodyPr rtlCol="0" anchor="ctr"/>
-              <a:lstStyle/>
-              <a:p>
-                <a:pPr algn="ctr"/>
-                <a:r>
-                  <a:rPr lang="en-US" dirty="0" smtClean="0"/>
-                  <a:t>Block</a:t>
-                </a:r>
-              </a:p>
-              <a:p>
-                <a:pPr algn="ctr"/>
-                <a:r>
-                  <a:rPr lang="en-US" dirty="0" smtClean="0"/>
-                  <a:t>(</a:t>
-                </a:r>
-                <a:r>
-                  <a:rPr lang="en-US" altLang="zh-CN" dirty="0" smtClean="0"/>
-                  <a:t>2</a:t>
-                </a:r>
-                <a:r>
-                  <a:rPr lang="en-US" dirty="0" smtClean="0"/>
-                  <a:t>,</a:t>
-                </a:r>
-                <a:r>
-                  <a:rPr lang="en-US" altLang="zh-CN" dirty="0" smtClean="0"/>
-                  <a:t>1</a:t>
-                </a:r>
-                <a:r>
-                  <a:rPr lang="en-US" dirty="0" smtClean="0"/>
-                  <a:t>)</a:t>
-                </a:r>
-                <a:endParaRPr lang="en-SG" dirty="0"/>
-              </a:p>
-            </p:txBody>
-          </p:sp>
-          <p:sp>
-            <p:nvSpPr>
-              <p:cNvPr id="239" name="Rectangle 218"/>
-              <p:cNvSpPr/>
-              <p:nvPr/>
-            </p:nvSpPr>
-            <p:spPr>
-              <a:xfrm>
-                <a:off x="4504242" y="2979574"/>
-                <a:ext cx="845524" cy="571665"/>
-              </a:xfrm>
-              <a:prstGeom prst="rect">
-                <a:avLst/>
-              </a:prstGeom>
-              <a:ln w="12700"/>
-            </p:spPr>
-            <p:style>
-              <a:lnRef idx="2">
-                <a:schemeClr val="dk1"/>
-              </a:lnRef>
-              <a:fillRef idx="1">
-                <a:schemeClr val="lt1"/>
-              </a:fillRef>
-              <a:effectRef idx="0">
-                <a:schemeClr val="dk1"/>
-              </a:effectRef>
-              <a:fontRef idx="minor">
-                <a:schemeClr val="dk1"/>
-              </a:fontRef>
-            </p:style>
-            <p:txBody>
-              <a:bodyPr rtlCol="0" anchor="ctr"/>
-              <a:lstStyle/>
-              <a:p>
-                <a:pPr algn="ctr"/>
-                <a:r>
-                  <a:rPr lang="en-US" altLang="zh-CN" dirty="0" smtClean="0"/>
-                  <a:t>……</a:t>
-                </a:r>
-                <a:endParaRPr lang="en-SG" altLang="zh-CN" dirty="0"/>
-              </a:p>
-            </p:txBody>
-          </p:sp>
-        </p:grpSp>
-      </p:grpSp>
-      <p:grpSp>
-        <p:nvGrpSpPr>
-          <p:cNvPr id="240" name="组 239"/>
-          <p:cNvGrpSpPr/>
-          <p:nvPr/>
-        </p:nvGrpSpPr>
-        <p:grpSpPr>
-          <a:xfrm>
-            <a:off x="4348627" y="3841531"/>
-            <a:ext cx="3113718" cy="2385848"/>
-            <a:chOff x="4348627" y="1303284"/>
-            <a:chExt cx="3113718" cy="2385848"/>
-          </a:xfrm>
-        </p:grpSpPr>
-        <p:sp>
-          <p:nvSpPr>
-            <p:cNvPr id="241" name="Rectangle 193"/>
-            <p:cNvSpPr/>
-            <p:nvPr/>
-          </p:nvSpPr>
-          <p:spPr>
-            <a:xfrm>
-              <a:off x="4348627" y="1303284"/>
-              <a:ext cx="3113718" cy="2385848"/>
-            </a:xfrm>
-            <a:prstGeom prst="rect">
-              <a:avLst/>
-            </a:prstGeom>
-            <a:ln w="19050">
-              <a:prstDash val="solid"/>
-            </a:ln>
-          </p:spPr>
-          <p:style>
-            <a:lnRef idx="2">
-              <a:schemeClr val="dk1"/>
-            </a:lnRef>
-            <a:fillRef idx="1">
-              <a:schemeClr val="lt1"/>
-            </a:fillRef>
-            <a:effectRef idx="0">
-              <a:schemeClr val="dk1"/>
-            </a:effectRef>
-            <a:fontRef idx="minor">
-              <a:schemeClr val="dk1"/>
-            </a:fontRef>
-          </p:style>
-          <p:txBody>
-            <a:bodyPr rtlCol="0" anchor="ctr"/>
-            <a:lstStyle/>
-            <a:p>
-              <a:pPr algn="ctr"/>
-              <a:endParaRPr lang="en-SG" dirty="0"/>
-            </a:p>
-          </p:txBody>
-        </p:sp>
-        <p:sp>
-          <p:nvSpPr>
-            <p:cNvPr id="242" name="TextBox 229"/>
-            <p:cNvSpPr txBox="1"/>
-            <p:nvPr/>
-          </p:nvSpPr>
-          <p:spPr>
-            <a:xfrm>
-              <a:off x="4348627" y="1306693"/>
-              <a:ext cx="2945644" cy="369332"/>
-            </a:xfrm>
-            <a:prstGeom prst="rect">
-              <a:avLst/>
-            </a:prstGeom>
-            <a:noFill/>
-            <a:ln w="38100">
-              <a:noFill/>
-              <a:prstDash val="solid"/>
-            </a:ln>
-          </p:spPr>
-          <p:txBody>
-            <a:bodyPr wrap="square" rtlCol="0">
-              <a:spAutoFit/>
-            </a:bodyPr>
-            <a:lstStyle/>
-            <a:p>
-              <a:r>
-                <a:rPr lang="en-SG" dirty="0" smtClean="0"/>
-                <a:t>Grid </a:t>
-              </a:r>
-              <a:r>
-                <a:rPr lang="en-US" altLang="zh-CN" dirty="0" smtClean="0"/>
-                <a:t>2</a:t>
-              </a:r>
-              <a:endParaRPr lang="en-SG" dirty="0"/>
-            </a:p>
-          </p:txBody>
-        </p:sp>
-        <p:grpSp>
-          <p:nvGrpSpPr>
-            <p:cNvPr id="243" name="组 242"/>
-            <p:cNvGrpSpPr/>
-            <p:nvPr/>
-          </p:nvGrpSpPr>
-          <p:grpSpPr>
-            <a:xfrm>
-              <a:off x="4504242" y="1672955"/>
-              <a:ext cx="845524" cy="1878284"/>
-              <a:chOff x="4504242" y="1672955"/>
-              <a:chExt cx="845524" cy="1878284"/>
-            </a:xfrm>
-          </p:grpSpPr>
-          <p:sp>
-            <p:nvSpPr>
-              <p:cNvPr id="252" name="Rectangle 218"/>
-              <p:cNvSpPr/>
-              <p:nvPr/>
-            </p:nvSpPr>
-            <p:spPr>
-              <a:xfrm>
-                <a:off x="4504242" y="1672955"/>
-                <a:ext cx="845524" cy="571665"/>
-              </a:xfrm>
-              <a:prstGeom prst="rect">
-                <a:avLst/>
-              </a:prstGeom>
-              <a:ln w="12700"/>
-            </p:spPr>
-            <p:style>
-              <a:lnRef idx="2">
-                <a:schemeClr val="dk1"/>
-              </a:lnRef>
-              <a:fillRef idx="1">
-                <a:schemeClr val="lt1"/>
-              </a:fillRef>
-              <a:effectRef idx="0">
-                <a:schemeClr val="dk1"/>
-              </a:effectRef>
-              <a:fontRef idx="minor">
-                <a:schemeClr val="dk1"/>
-              </a:fontRef>
-            </p:style>
-            <p:txBody>
-              <a:bodyPr rtlCol="0" anchor="ctr"/>
-              <a:lstStyle/>
-              <a:p>
-                <a:pPr algn="ctr"/>
-                <a:endParaRPr lang="en-SG" dirty="0"/>
-              </a:p>
-            </p:txBody>
-          </p:sp>
-          <p:sp>
-            <p:nvSpPr>
-              <p:cNvPr id="253" name="Rectangle 218"/>
-              <p:cNvSpPr/>
-              <p:nvPr/>
-            </p:nvSpPr>
-            <p:spPr>
-              <a:xfrm>
-                <a:off x="4504242" y="2325049"/>
-                <a:ext cx="845524" cy="571665"/>
-              </a:xfrm>
-              <a:prstGeom prst="rect">
-                <a:avLst/>
-              </a:prstGeom>
-              <a:ln w="12700"/>
-            </p:spPr>
-            <p:style>
-              <a:lnRef idx="2">
-                <a:schemeClr val="dk1"/>
-              </a:lnRef>
-              <a:fillRef idx="1">
-                <a:schemeClr val="lt1"/>
-              </a:fillRef>
-              <a:effectRef idx="0">
-                <a:schemeClr val="dk1"/>
-              </a:effectRef>
-              <a:fontRef idx="minor">
-                <a:schemeClr val="dk1"/>
-              </a:fontRef>
-            </p:style>
-            <p:txBody>
-              <a:bodyPr rtlCol="0" anchor="ctr"/>
-              <a:lstStyle/>
-              <a:p>
-                <a:pPr algn="ctr"/>
-                <a:endParaRPr lang="en-SG" dirty="0"/>
-              </a:p>
-            </p:txBody>
-          </p:sp>
-          <p:sp>
-            <p:nvSpPr>
-              <p:cNvPr id="254" name="Rectangle 218"/>
-              <p:cNvSpPr/>
-              <p:nvPr/>
-            </p:nvSpPr>
-            <p:spPr>
-              <a:xfrm>
-                <a:off x="4504242" y="2979574"/>
-                <a:ext cx="845524" cy="571665"/>
-              </a:xfrm>
-              <a:prstGeom prst="rect">
-                <a:avLst/>
-              </a:prstGeom>
-              <a:ln w="12700"/>
-            </p:spPr>
-            <p:style>
-              <a:lnRef idx="2">
-                <a:schemeClr val="dk1"/>
-              </a:lnRef>
-              <a:fillRef idx="1">
-                <a:schemeClr val="lt1"/>
-              </a:fillRef>
-              <a:effectRef idx="0">
-                <a:schemeClr val="dk1"/>
-              </a:effectRef>
-              <a:fontRef idx="minor">
-                <a:schemeClr val="dk1"/>
-              </a:fontRef>
-            </p:style>
-            <p:txBody>
-              <a:bodyPr rtlCol="0" anchor="ctr"/>
-              <a:lstStyle/>
-              <a:p>
-                <a:pPr algn="ctr"/>
-                <a:endParaRPr lang="en-SG" dirty="0"/>
-              </a:p>
-            </p:txBody>
-          </p:sp>
-        </p:grpSp>
-        <p:grpSp>
-          <p:nvGrpSpPr>
-            <p:cNvPr id="244" name="组 243"/>
-            <p:cNvGrpSpPr/>
-            <p:nvPr/>
-          </p:nvGrpSpPr>
-          <p:grpSpPr>
-            <a:xfrm>
-              <a:off x="5458516" y="1671739"/>
-              <a:ext cx="845524" cy="1878284"/>
-              <a:chOff x="4504242" y="1672955"/>
-              <a:chExt cx="845524" cy="1878284"/>
-            </a:xfrm>
-          </p:grpSpPr>
-          <p:sp>
-            <p:nvSpPr>
-              <p:cNvPr id="249" name="Rectangle 218"/>
-              <p:cNvSpPr/>
-              <p:nvPr/>
-            </p:nvSpPr>
-            <p:spPr>
-              <a:xfrm>
-                <a:off x="4504242" y="1672955"/>
-                <a:ext cx="845524" cy="571665"/>
-              </a:xfrm>
-              <a:prstGeom prst="rect">
-                <a:avLst/>
-              </a:prstGeom>
-              <a:ln w="12700"/>
-            </p:spPr>
-            <p:style>
-              <a:lnRef idx="2">
-                <a:schemeClr val="dk1"/>
-              </a:lnRef>
-              <a:fillRef idx="1">
-                <a:schemeClr val="lt1"/>
-              </a:fillRef>
-              <a:effectRef idx="0">
-                <a:schemeClr val="dk1"/>
-              </a:effectRef>
-              <a:fontRef idx="minor">
-                <a:schemeClr val="dk1"/>
-              </a:fontRef>
-            </p:style>
-            <p:txBody>
-              <a:bodyPr rtlCol="0" anchor="ctr"/>
-              <a:lstStyle/>
-              <a:p>
-                <a:pPr algn="ctr"/>
-                <a:endParaRPr lang="en-SG" dirty="0"/>
-              </a:p>
-            </p:txBody>
-          </p:sp>
-          <p:sp>
-            <p:nvSpPr>
-              <p:cNvPr id="250" name="Rectangle 218"/>
-              <p:cNvSpPr/>
-              <p:nvPr/>
-            </p:nvSpPr>
-            <p:spPr>
-              <a:xfrm>
-                <a:off x="4504242" y="2325049"/>
-                <a:ext cx="845524" cy="571665"/>
-              </a:xfrm>
-              <a:prstGeom prst="rect">
-                <a:avLst/>
-              </a:prstGeom>
-              <a:ln w="12700"/>
-            </p:spPr>
-            <p:style>
-              <a:lnRef idx="2">
-                <a:schemeClr val="dk1"/>
-              </a:lnRef>
-              <a:fillRef idx="1">
-                <a:schemeClr val="lt1"/>
-              </a:fillRef>
-              <a:effectRef idx="0">
-                <a:schemeClr val="dk1"/>
-              </a:effectRef>
-              <a:fontRef idx="minor">
-                <a:schemeClr val="dk1"/>
-              </a:fontRef>
-            </p:style>
-            <p:txBody>
-              <a:bodyPr rtlCol="0" anchor="ctr"/>
-              <a:lstStyle/>
-              <a:p>
-                <a:pPr algn="ctr"/>
-                <a:endParaRPr lang="en-SG" dirty="0"/>
-              </a:p>
-            </p:txBody>
-          </p:sp>
-          <p:sp>
-            <p:nvSpPr>
-              <p:cNvPr id="251" name="Rectangle 218"/>
-              <p:cNvSpPr/>
-              <p:nvPr/>
-            </p:nvSpPr>
-            <p:spPr>
-              <a:xfrm>
-                <a:off x="4504242" y="2979574"/>
-                <a:ext cx="845524" cy="571665"/>
-              </a:xfrm>
-              <a:prstGeom prst="rect">
-                <a:avLst/>
-              </a:prstGeom>
-              <a:ln w="12700"/>
-            </p:spPr>
-            <p:style>
-              <a:lnRef idx="2">
-                <a:schemeClr val="dk1"/>
-              </a:lnRef>
-              <a:fillRef idx="1">
-                <a:schemeClr val="lt1"/>
-              </a:fillRef>
-              <a:effectRef idx="0">
-                <a:schemeClr val="dk1"/>
-              </a:effectRef>
-              <a:fontRef idx="minor">
-                <a:schemeClr val="dk1"/>
-              </a:fontRef>
-            </p:style>
-            <p:txBody>
-              <a:bodyPr rtlCol="0" anchor="ctr"/>
-              <a:lstStyle/>
-              <a:p>
-                <a:pPr algn="ctr"/>
-                <a:endParaRPr lang="en-SG" altLang="zh-CN" dirty="0"/>
-              </a:p>
-            </p:txBody>
-          </p:sp>
-        </p:grpSp>
-        <p:grpSp>
-          <p:nvGrpSpPr>
-            <p:cNvPr id="245" name="组 244"/>
-            <p:cNvGrpSpPr/>
-            <p:nvPr/>
-          </p:nvGrpSpPr>
-          <p:grpSpPr>
-            <a:xfrm>
-              <a:off x="6412790" y="1670458"/>
-              <a:ext cx="845524" cy="1878284"/>
-              <a:chOff x="4504242" y="1672955"/>
-              <a:chExt cx="845524" cy="1878284"/>
-            </a:xfrm>
-          </p:grpSpPr>
-          <p:sp>
-            <p:nvSpPr>
-              <p:cNvPr id="246" name="Rectangle 218"/>
-              <p:cNvSpPr/>
-              <p:nvPr/>
-            </p:nvSpPr>
-            <p:spPr>
-              <a:xfrm>
-                <a:off x="4504242" y="1672955"/>
-                <a:ext cx="845524" cy="571665"/>
-              </a:xfrm>
-              <a:prstGeom prst="rect">
-                <a:avLst/>
-              </a:prstGeom>
-              <a:ln w="12700"/>
-            </p:spPr>
-            <p:style>
-              <a:lnRef idx="2">
-                <a:schemeClr val="dk1"/>
-              </a:lnRef>
-              <a:fillRef idx="1">
-                <a:schemeClr val="lt1"/>
-              </a:fillRef>
-              <a:effectRef idx="0">
-                <a:schemeClr val="dk1"/>
-              </a:effectRef>
-              <a:fontRef idx="minor">
-                <a:schemeClr val="dk1"/>
-              </a:fontRef>
-            </p:style>
-            <p:txBody>
-              <a:bodyPr rtlCol="0" anchor="ctr"/>
-              <a:lstStyle/>
-              <a:p>
-                <a:pPr algn="ctr"/>
-                <a:endParaRPr lang="en-SG" dirty="0"/>
-              </a:p>
-            </p:txBody>
-          </p:sp>
-          <p:sp>
-            <p:nvSpPr>
-              <p:cNvPr id="247" name="Rectangle 218"/>
-              <p:cNvSpPr/>
-              <p:nvPr/>
-            </p:nvSpPr>
-            <p:spPr>
-              <a:xfrm>
-                <a:off x="4504242" y="2325049"/>
-                <a:ext cx="845524" cy="571665"/>
-              </a:xfrm>
-              <a:prstGeom prst="rect">
-                <a:avLst/>
-              </a:prstGeom>
-              <a:ln w="12700"/>
-            </p:spPr>
-            <p:style>
-              <a:lnRef idx="2">
-                <a:schemeClr val="dk1"/>
-              </a:lnRef>
-              <a:fillRef idx="1">
-                <a:schemeClr val="lt1"/>
-              </a:fillRef>
-              <a:effectRef idx="0">
-                <a:schemeClr val="dk1"/>
-              </a:effectRef>
-              <a:fontRef idx="minor">
-                <a:schemeClr val="dk1"/>
-              </a:fontRef>
-            </p:style>
-            <p:txBody>
-              <a:bodyPr rtlCol="0" anchor="ctr"/>
-              <a:lstStyle/>
-              <a:p>
-                <a:pPr algn="ctr"/>
-                <a:endParaRPr lang="en-SG" dirty="0"/>
-              </a:p>
-            </p:txBody>
-          </p:sp>
-          <p:sp>
-            <p:nvSpPr>
-              <p:cNvPr id="248" name="Rectangle 218"/>
-              <p:cNvSpPr/>
-              <p:nvPr/>
-            </p:nvSpPr>
-            <p:spPr>
-              <a:xfrm>
-                <a:off x="4504242" y="2979574"/>
-                <a:ext cx="845524" cy="571665"/>
-              </a:xfrm>
-              <a:prstGeom prst="rect">
-                <a:avLst/>
-              </a:prstGeom>
-              <a:ln w="12700"/>
-            </p:spPr>
-            <p:style>
-              <a:lnRef idx="2">
-                <a:schemeClr val="dk1"/>
-              </a:lnRef>
-              <a:fillRef idx="1">
-                <a:schemeClr val="lt1"/>
-              </a:fillRef>
-              <a:effectRef idx="0">
-                <a:schemeClr val="dk1"/>
-              </a:effectRef>
-              <a:fontRef idx="minor">
-                <a:schemeClr val="dk1"/>
-              </a:fontRef>
-            </p:style>
-            <p:txBody>
-              <a:bodyPr rtlCol="0" anchor="ctr"/>
-              <a:lstStyle/>
-              <a:p>
-                <a:pPr algn="ctr"/>
-                <a:endParaRPr lang="en-SG" altLang="zh-CN" dirty="0"/>
-              </a:p>
-            </p:txBody>
-          </p:sp>
-        </p:grpSp>
-      </p:grpSp>
-      <p:grpSp>
-        <p:nvGrpSpPr>
-          <p:cNvPr id="255" name="组 254"/>
-          <p:cNvGrpSpPr/>
-          <p:nvPr/>
-        </p:nvGrpSpPr>
-        <p:grpSpPr>
-          <a:xfrm>
-            <a:off x="3367298" y="4357069"/>
-            <a:ext cx="4526863" cy="2464194"/>
-            <a:chOff x="4335157" y="1741542"/>
-            <a:chExt cx="4008669" cy="2330977"/>
-          </a:xfrm>
-        </p:grpSpPr>
-        <p:sp>
-          <p:nvSpPr>
-            <p:cNvPr id="256" name="Rectangle 193"/>
-            <p:cNvSpPr/>
-            <p:nvPr/>
-          </p:nvSpPr>
-          <p:spPr>
-            <a:xfrm>
-              <a:off x="4335157" y="1741542"/>
-              <a:ext cx="4008669" cy="2330977"/>
-            </a:xfrm>
-            <a:prstGeom prst="rect">
-              <a:avLst/>
-            </a:prstGeom>
-            <a:solidFill>
-              <a:schemeClr val="bg1">
-                <a:lumMod val="85000"/>
-              </a:schemeClr>
-            </a:solidFill>
-            <a:ln w="19050">
-              <a:prstDash val="solid"/>
-            </a:ln>
-          </p:spPr>
-          <p:style>
-            <a:lnRef idx="2">
-              <a:schemeClr val="dk1"/>
-            </a:lnRef>
-            <a:fillRef idx="1">
-              <a:schemeClr val="lt1"/>
-            </a:fillRef>
-            <a:effectRef idx="0">
-              <a:schemeClr val="dk1"/>
-            </a:effectRef>
-            <a:fontRef idx="minor">
-              <a:schemeClr val="dk1"/>
-            </a:fontRef>
-          </p:style>
-          <p:txBody>
-            <a:bodyPr rtlCol="0" anchor="ctr"/>
-            <a:lstStyle/>
-            <a:p>
-              <a:pPr algn="ctr"/>
-              <a:endParaRPr lang="en-SG" dirty="0"/>
-            </a:p>
-          </p:txBody>
-        </p:sp>
-        <p:sp>
-          <p:nvSpPr>
-            <p:cNvPr id="257" name="TextBox 229"/>
-            <p:cNvSpPr txBox="1"/>
-            <p:nvPr/>
-          </p:nvSpPr>
-          <p:spPr>
-            <a:xfrm>
-              <a:off x="4379856" y="1755156"/>
-              <a:ext cx="3929159" cy="369332"/>
-            </a:xfrm>
-            <a:prstGeom prst="rect">
-              <a:avLst/>
-            </a:prstGeom>
-            <a:noFill/>
-            <a:ln w="38100">
-              <a:noFill/>
-              <a:prstDash val="solid"/>
-            </a:ln>
-          </p:spPr>
-          <p:txBody>
-            <a:bodyPr wrap="square" rtlCol="0">
-              <a:spAutoFit/>
-            </a:bodyPr>
-            <a:lstStyle/>
-            <a:p>
-              <a:pPr algn="ctr"/>
-              <a:r>
-                <a:rPr lang="en-US" altLang="zh-CN" dirty="0" smtClean="0"/>
-                <a:t>Block(1,1)</a:t>
-              </a:r>
-              <a:endParaRPr lang="en-SG" dirty="0"/>
-            </a:p>
-          </p:txBody>
-        </p:sp>
-      </p:grpSp>
-      <p:graphicFrame>
-        <p:nvGraphicFramePr>
-          <p:cNvPr id="19" name="表格 18"/>
-          <p:cNvGraphicFramePr>
-            <a:graphicFrameLocks noGrp="1"/>
-          </p:cNvGraphicFramePr>
-          <p:nvPr>
-            <p:extLst>
-              <p:ext uri="{D42A27DB-BD31-4B8C-83A1-F6EECF244321}">
-                <p14:modId xmlns:p14="http://schemas.microsoft.com/office/powerpoint/2010/main" val="1339720452"/>
-              </p:ext>
-            </p:extLst>
-          </p:nvPr>
-        </p:nvGraphicFramePr>
-        <p:xfrm>
-          <a:off x="3481586" y="4726401"/>
-          <a:ext cx="4322192" cy="1894078"/>
-        </p:xfrm>
-        <a:graphic>
-          <a:graphicData uri="http://schemas.openxmlformats.org/drawingml/2006/table">
-            <a:tbl>
-              <a:tblPr firstRow="1" bandRow="1">
-                <a:tableStyleId>{5940675A-B579-460E-94D1-54222C63F5DA}</a:tableStyleId>
-              </a:tblPr>
-              <a:tblGrid>
-                <a:gridCol w="858952"/>
-                <a:gridCol w="857250"/>
-                <a:gridCol w="857250"/>
-                <a:gridCol w="857250"/>
-                <a:gridCol w="891490"/>
-              </a:tblGrid>
-              <a:tr h="707262">
-                <a:tc>
-                  <a:txBody>
-                    <a:bodyPr/>
-                    <a:lstStyle/>
-                    <a:p>
-                      <a:pPr algn="ctr"/>
-                      <a:r>
-                        <a:rPr lang="en-US" altLang="zh-CN" dirty="0" smtClean="0"/>
-                        <a:t>Thread</a:t>
-                      </a:r>
-                    </a:p>
-                    <a:p>
-                      <a:pPr algn="ctr"/>
-                      <a:r>
-                        <a:rPr lang="en-US" altLang="zh-CN" dirty="0" smtClean="0"/>
-                        <a:t>(0,0)</a:t>
-                      </a:r>
-                      <a:endParaRPr lang="zh-CN" altLang="en-US" dirty="0"/>
-                    </a:p>
-                  </a:txBody>
-                  <a:tcPr anchor="ctr">
-                    <a:solidFill>
-                      <a:schemeClr val="bg1"/>
-                    </a:solidFill>
-                  </a:tcPr>
-                </a:tc>
-                <a:tc>
-                  <a:txBody>
-                    <a:bodyPr/>
-                    <a:lstStyle/>
-                    <a:p>
-                      <a:pPr algn="ctr"/>
-                      <a:r>
-                        <a:rPr lang="en-US" altLang="zh-CN" dirty="0" smtClean="0"/>
-                        <a:t>Thread</a:t>
-                      </a:r>
-                    </a:p>
-                    <a:p>
-                      <a:pPr algn="ctr"/>
-                      <a:r>
-                        <a:rPr lang="en-US" altLang="zh-CN" dirty="0" smtClean="0"/>
-                        <a:t>(1,0)</a:t>
-                      </a:r>
-                      <a:endParaRPr lang="zh-CN" altLang="en-US" dirty="0" smtClean="0"/>
-                    </a:p>
-                  </a:txBody>
-                  <a:tcPr anchor="ctr">
-                    <a:solidFill>
-                      <a:schemeClr val="bg1"/>
-                    </a:solidFill>
-                  </a:tcPr>
-                </a:tc>
-                <a:tc>
-                  <a:txBody>
-                    <a:bodyPr/>
-                    <a:lstStyle/>
-                    <a:p>
-                      <a:pPr algn="ctr"/>
-                      <a:r>
-                        <a:rPr lang="en-US" altLang="zh-CN" dirty="0" smtClean="0"/>
-                        <a:t>Thread</a:t>
-                      </a:r>
-                    </a:p>
-                    <a:p>
-                      <a:pPr algn="ctr"/>
-                      <a:r>
-                        <a:rPr lang="en-US" altLang="zh-CN" dirty="0" smtClean="0"/>
-                        <a:t>(2,0)</a:t>
-                      </a:r>
-                      <a:endParaRPr lang="zh-CN" altLang="en-US" dirty="0" smtClean="0"/>
-                    </a:p>
-                  </a:txBody>
-                  <a:tcPr anchor="ctr">
-                    <a:solidFill>
-                      <a:schemeClr val="bg1"/>
-                    </a:solidFill>
-                  </a:tcPr>
-                </a:tc>
-                <a:tc>
-                  <a:txBody>
-                    <a:bodyPr/>
-                    <a:lstStyle/>
-                    <a:p>
-                      <a:pPr algn="ctr"/>
-                      <a:r>
-                        <a:rPr lang="en-US" altLang="zh-CN" dirty="0" smtClean="0"/>
-                        <a:t>Thread</a:t>
-                      </a:r>
-                    </a:p>
-                    <a:p>
-                      <a:pPr algn="ctr"/>
-                      <a:r>
-                        <a:rPr lang="en-US" altLang="zh-CN" dirty="0" smtClean="0"/>
-                        <a:t>(3,0)</a:t>
-                      </a:r>
-                      <a:endParaRPr lang="zh-CN" altLang="en-US" dirty="0" smtClean="0"/>
-                    </a:p>
-                  </a:txBody>
-                  <a:tcPr anchor="ctr">
-                    <a:solidFill>
-                      <a:schemeClr val="bg1"/>
-                    </a:solidFill>
-                  </a:tcPr>
-                </a:tc>
-                <a:tc>
-                  <a:txBody>
-                    <a:bodyPr/>
-                    <a:lstStyle/>
-                    <a:p>
-                      <a:pPr algn="ctr"/>
-                      <a:r>
-                        <a:rPr lang="en-US" altLang="zh-CN" dirty="0" smtClean="0"/>
-                        <a:t>Thread</a:t>
-                      </a:r>
-                    </a:p>
-                    <a:p>
-                      <a:pPr algn="ctr"/>
-                      <a:r>
-                        <a:rPr lang="en-US" altLang="zh-CN" dirty="0" smtClean="0"/>
-                        <a:t>(4,0)</a:t>
-                      </a:r>
-                      <a:endParaRPr lang="zh-CN" altLang="en-US" dirty="0" smtClean="0"/>
-                    </a:p>
-                  </a:txBody>
-                  <a:tcPr anchor="ctr">
-                    <a:solidFill>
-                      <a:schemeClr val="bg1"/>
-                    </a:solidFill>
-                  </a:tcPr>
-                </a:tc>
-              </a:tr>
-              <a:tr h="369586">
-                <a:tc>
-                  <a:txBody>
-                    <a:bodyPr/>
-                    <a:lstStyle/>
-                    <a:p>
-                      <a:pPr algn="ctr"/>
-                      <a:r>
-                        <a:rPr lang="en-US" altLang="zh-CN" dirty="0" smtClean="0"/>
-                        <a:t>Thread</a:t>
-                      </a:r>
-                    </a:p>
-                    <a:p>
-                      <a:pPr algn="ctr"/>
-                      <a:r>
-                        <a:rPr lang="en-US" altLang="zh-CN" dirty="0" smtClean="0"/>
-                        <a:t>(0,1)</a:t>
-                      </a:r>
-                      <a:endParaRPr lang="zh-CN" altLang="en-US" dirty="0" smtClean="0"/>
-                    </a:p>
-                  </a:txBody>
-                  <a:tcPr anchor="ctr">
-                    <a:solidFill>
-                      <a:schemeClr val="bg1"/>
-                    </a:solidFill>
-                  </a:tcPr>
-                </a:tc>
-                <a:tc>
-                  <a:txBody>
-                    <a:bodyPr/>
-                    <a:lstStyle/>
-                    <a:p>
-                      <a:pPr algn="ctr"/>
-                      <a:r>
-                        <a:rPr lang="en-US" altLang="zh-CN" dirty="0" smtClean="0"/>
-                        <a:t>Thread</a:t>
-                      </a:r>
-                    </a:p>
-                    <a:p>
-                      <a:pPr algn="ctr"/>
-                      <a:r>
-                        <a:rPr lang="en-US" altLang="zh-CN" dirty="0" smtClean="0"/>
-                        <a:t>(1,1)</a:t>
-                      </a:r>
-                      <a:endParaRPr lang="zh-CN" altLang="en-US" dirty="0" smtClean="0"/>
-                    </a:p>
-                  </a:txBody>
-                  <a:tcPr anchor="ctr">
-                    <a:solidFill>
-                      <a:schemeClr val="bg1"/>
-                    </a:solidFill>
-                  </a:tcPr>
-                </a:tc>
-                <a:tc>
-                  <a:txBody>
-                    <a:bodyPr/>
-                    <a:lstStyle/>
-                    <a:p>
-                      <a:pPr algn="ctr"/>
-                      <a:r>
-                        <a:rPr lang="en-US" altLang="zh-CN" dirty="0" smtClean="0"/>
-                        <a:t>Thread</a:t>
-                      </a:r>
-                    </a:p>
-                    <a:p>
-                      <a:pPr algn="ctr"/>
-                      <a:r>
-                        <a:rPr lang="en-US" altLang="zh-CN" dirty="0" smtClean="0"/>
-                        <a:t>(2,1)</a:t>
-                      </a:r>
-                      <a:endParaRPr lang="zh-CN" altLang="en-US" dirty="0" smtClean="0"/>
-                    </a:p>
-                  </a:txBody>
-                  <a:tcPr anchor="ctr">
-                    <a:solidFill>
-                      <a:schemeClr val="bg1"/>
-                    </a:solidFill>
-                  </a:tcPr>
-                </a:tc>
-                <a:tc>
-                  <a:txBody>
-                    <a:bodyPr/>
-                    <a:lstStyle/>
-                    <a:p>
-                      <a:pPr algn="ctr"/>
-                      <a:r>
-                        <a:rPr lang="en-US" altLang="zh-CN" dirty="0" smtClean="0"/>
-                        <a:t>Thread</a:t>
-                      </a:r>
-                    </a:p>
-                    <a:p>
-                      <a:pPr algn="ctr"/>
-                      <a:r>
-                        <a:rPr lang="en-US" altLang="zh-CN" dirty="0" smtClean="0"/>
-                        <a:t>(3,1)</a:t>
-                      </a:r>
-                      <a:endParaRPr lang="zh-CN" altLang="en-US" dirty="0" smtClean="0"/>
-                    </a:p>
-                  </a:txBody>
-                  <a:tcPr anchor="ctr">
-                    <a:solidFill>
-                      <a:schemeClr val="bg1"/>
-                    </a:solidFill>
-                  </a:tcPr>
-                </a:tc>
-                <a:tc>
-                  <a:txBody>
-                    <a:bodyPr/>
-                    <a:lstStyle/>
-                    <a:p>
-                      <a:pPr algn="ctr"/>
-                      <a:r>
-                        <a:rPr lang="en-US" altLang="zh-CN" dirty="0" smtClean="0"/>
-                        <a:t>Thread</a:t>
-                      </a:r>
-                    </a:p>
-                    <a:p>
-                      <a:pPr algn="ctr"/>
-                      <a:r>
-                        <a:rPr lang="en-US" altLang="zh-CN" dirty="0" smtClean="0"/>
-                        <a:t>(4,1)</a:t>
-                      </a:r>
-                      <a:endParaRPr lang="zh-CN" altLang="en-US" dirty="0" smtClean="0"/>
-                    </a:p>
-                  </a:txBody>
-                  <a:tcPr anchor="ctr">
-                    <a:solidFill>
-                      <a:schemeClr val="bg1"/>
-                    </a:solidFill>
-                  </a:tcPr>
-                </a:tc>
-              </a:tr>
-              <a:tr h="546736">
-                <a:tc>
-                  <a:txBody>
-                    <a:bodyPr/>
-                    <a:lstStyle/>
-                    <a:p>
-                      <a:pPr algn="ctr"/>
-                      <a:r>
-                        <a:rPr lang="en-US" altLang="zh-CN" dirty="0" smtClean="0"/>
-                        <a:t>……</a:t>
-                      </a:r>
-                      <a:endParaRPr lang="zh-CN" altLang="en-US" dirty="0"/>
-                    </a:p>
-                  </a:txBody>
-                  <a:tcPr anchor="ctr">
-                    <a:solidFill>
-                      <a:schemeClr val="bg1"/>
-                    </a:solidFill>
-                  </a:tcPr>
-                </a:tc>
-                <a:tc>
-                  <a:txBody>
-                    <a:bodyPr/>
-                    <a:lstStyle/>
-                    <a:p>
-                      <a:pPr algn="ctr"/>
-                      <a:r>
-                        <a:rPr lang="en-US" altLang="zh-CN" dirty="0" smtClean="0"/>
-                        <a:t>……</a:t>
-                      </a:r>
-                      <a:endParaRPr lang="zh-CN" altLang="en-US" dirty="0"/>
-                    </a:p>
-                  </a:txBody>
-                  <a:tcPr anchor="ctr">
-                    <a:solidFill>
-                      <a:schemeClr val="bg1"/>
-                    </a:solidFill>
-                  </a:tcPr>
-                </a:tc>
-                <a:tc>
-                  <a:txBody>
-                    <a:bodyPr/>
-                    <a:lstStyle/>
-                    <a:p>
-                      <a:pPr marL="0" marR="0" indent="0" algn="ctr" defTabSz="914400" rtl="0" eaLnBrk="1" fontAlgn="auto" latinLnBrk="0" hangingPunct="1">
-                        <a:lnSpc>
-                          <a:spcPct val="100000"/>
-                        </a:lnSpc>
-                        <a:spcBef>
-                          <a:spcPts val="0"/>
-                        </a:spcBef>
-                        <a:spcAft>
-                          <a:spcPts val="0"/>
-                        </a:spcAft>
-                        <a:buClrTx/>
-                        <a:buSzTx/>
-                        <a:buFontTx/>
-                        <a:buNone/>
-                        <a:tabLst/>
-                        <a:defRPr/>
-                      </a:pPr>
-                      <a:r>
-                        <a:rPr lang="en-US" altLang="zh-CN" dirty="0" smtClean="0"/>
-                        <a:t>……</a:t>
-                      </a:r>
-                      <a:endParaRPr lang="zh-CN" altLang="en-US" dirty="0" smtClean="0"/>
-                    </a:p>
-                  </a:txBody>
-                  <a:tcPr anchor="ctr">
-                    <a:solidFill>
-                      <a:schemeClr val="bg1"/>
-                    </a:solidFill>
-                  </a:tcPr>
-                </a:tc>
-                <a:tc>
-                  <a:txBody>
-                    <a:bodyPr/>
-                    <a:lstStyle/>
-                    <a:p>
-                      <a:pPr marL="0" marR="0" indent="0" algn="ctr" defTabSz="914400" rtl="0" eaLnBrk="1" fontAlgn="auto" latinLnBrk="0" hangingPunct="1">
-                        <a:lnSpc>
-                          <a:spcPct val="100000"/>
-                        </a:lnSpc>
-                        <a:spcBef>
-                          <a:spcPts val="0"/>
-                        </a:spcBef>
-                        <a:spcAft>
-                          <a:spcPts val="0"/>
-                        </a:spcAft>
-                        <a:buClrTx/>
-                        <a:buSzTx/>
-                        <a:buFontTx/>
-                        <a:buNone/>
-                        <a:tabLst/>
-                        <a:defRPr/>
-                      </a:pPr>
-                      <a:r>
-                        <a:rPr lang="en-US" altLang="zh-CN" dirty="0" smtClean="0"/>
-                        <a:t>……</a:t>
-                      </a:r>
-                      <a:endParaRPr lang="zh-CN" altLang="en-US" dirty="0" smtClean="0"/>
-                    </a:p>
-                  </a:txBody>
-                  <a:tcPr anchor="ctr">
-                    <a:solidFill>
-                      <a:schemeClr val="bg1"/>
-                    </a:solidFill>
-                  </a:tcPr>
-                </a:tc>
-                <a:tc>
-                  <a:txBody>
-                    <a:bodyPr/>
-                    <a:lstStyle/>
-                    <a:p>
-                      <a:pPr marL="0" marR="0" indent="0" algn="ctr" defTabSz="914400" rtl="0" eaLnBrk="1" fontAlgn="auto" latinLnBrk="0" hangingPunct="1">
-                        <a:lnSpc>
-                          <a:spcPct val="100000"/>
-                        </a:lnSpc>
-                        <a:spcBef>
-                          <a:spcPts val="0"/>
-                        </a:spcBef>
-                        <a:spcAft>
-                          <a:spcPts val="0"/>
-                        </a:spcAft>
-                        <a:buClrTx/>
-                        <a:buSzTx/>
-                        <a:buFontTx/>
-                        <a:buNone/>
-                        <a:tabLst/>
-                        <a:defRPr/>
-                      </a:pPr>
-                      <a:r>
-                        <a:rPr lang="en-US" altLang="zh-CN" dirty="0" smtClean="0"/>
-                        <a:t>……</a:t>
-                      </a:r>
-                      <a:endParaRPr lang="zh-CN" altLang="en-US" dirty="0" smtClean="0"/>
-                    </a:p>
-                  </a:txBody>
-                  <a:tcPr anchor="ctr">
-                    <a:solidFill>
-                      <a:schemeClr val="bg1"/>
-                    </a:solidFill>
-                  </a:tcPr>
-                </a:tc>
-              </a:tr>
-            </a:tbl>
-          </a:graphicData>
-        </a:graphic>
-      </p:graphicFrame>
-      <p:cxnSp>
-        <p:nvCxnSpPr>
-          <p:cNvPr id="21" name="直线连接符 20"/>
-          <p:cNvCxnSpPr/>
-          <p:nvPr/>
-        </p:nvCxnSpPr>
-        <p:spPr>
-          <a:xfrm flipH="1">
-            <a:off x="3367298" y="2322552"/>
-            <a:ext cx="2091218" cy="2034517"/>
-          </a:xfrm>
-          <a:prstGeom prst="line">
-            <a:avLst/>
-          </a:prstGeom>
-          <a:ln>
-            <a:solidFill>
-              <a:schemeClr val="bg1">
-                <a:lumMod val="50000"/>
-              </a:schemeClr>
-            </a:solidFill>
-            <a:prstDash val="dash"/>
-          </a:ln>
-        </p:spPr>
-        <p:style>
-          <a:lnRef idx="1">
-            <a:schemeClr val="accent1"/>
-          </a:lnRef>
-          <a:fillRef idx="0">
-            <a:schemeClr val="accent1"/>
-          </a:fillRef>
-          <a:effectRef idx="0">
-            <a:schemeClr val="accent1"/>
-          </a:effectRef>
-          <a:fontRef idx="minor">
-            <a:schemeClr val="tx1"/>
-          </a:fontRef>
-        </p:style>
-      </p:cxnSp>
-      <p:cxnSp>
-        <p:nvCxnSpPr>
-          <p:cNvPr id="270" name="直线连接符 269"/>
-          <p:cNvCxnSpPr/>
-          <p:nvPr/>
-        </p:nvCxnSpPr>
-        <p:spPr>
-          <a:xfrm flipH="1">
-            <a:off x="3367298" y="2896714"/>
-            <a:ext cx="2091218" cy="3919454"/>
-          </a:xfrm>
-          <a:prstGeom prst="line">
-            <a:avLst/>
-          </a:prstGeom>
-          <a:ln>
-            <a:solidFill>
-              <a:schemeClr val="bg1">
-                <a:lumMod val="50000"/>
-              </a:schemeClr>
-            </a:solidFill>
-            <a:prstDash val="dash"/>
-          </a:ln>
-        </p:spPr>
-        <p:style>
-          <a:lnRef idx="1">
-            <a:schemeClr val="accent1"/>
-          </a:lnRef>
-          <a:fillRef idx="0">
-            <a:schemeClr val="accent1"/>
-          </a:fillRef>
-          <a:effectRef idx="0">
-            <a:schemeClr val="accent1"/>
-          </a:effectRef>
-          <a:fontRef idx="minor">
-            <a:schemeClr val="tx1"/>
-          </a:fontRef>
-        </p:style>
-      </p:cxnSp>
-      <p:cxnSp>
-        <p:nvCxnSpPr>
-          <p:cNvPr id="271" name="直线连接符 270"/>
-          <p:cNvCxnSpPr/>
-          <p:nvPr/>
-        </p:nvCxnSpPr>
-        <p:spPr>
-          <a:xfrm>
-            <a:off x="6301660" y="2896714"/>
-            <a:ext cx="1610868" cy="3935870"/>
-          </a:xfrm>
-          <a:prstGeom prst="line">
-            <a:avLst/>
-          </a:prstGeom>
-          <a:ln>
-            <a:solidFill>
-              <a:schemeClr val="bg1">
-                <a:lumMod val="50000"/>
-              </a:schemeClr>
-            </a:solidFill>
-            <a:prstDash val="dash"/>
-          </a:ln>
-        </p:spPr>
-        <p:style>
-          <a:lnRef idx="1">
-            <a:schemeClr val="accent1"/>
-          </a:lnRef>
-          <a:fillRef idx="0">
-            <a:schemeClr val="accent1"/>
-          </a:fillRef>
-          <a:effectRef idx="0">
-            <a:schemeClr val="accent1"/>
-          </a:effectRef>
-          <a:fontRef idx="minor">
-            <a:schemeClr val="tx1"/>
-          </a:fontRef>
-        </p:style>
-      </p:cxnSp>
-      <p:cxnSp>
-        <p:nvCxnSpPr>
-          <p:cNvPr id="272" name="直线连接符 271"/>
-          <p:cNvCxnSpPr/>
-          <p:nvPr/>
-        </p:nvCxnSpPr>
-        <p:spPr>
-          <a:xfrm>
-            <a:off x="6301660" y="2383148"/>
-            <a:ext cx="1599463" cy="1988313"/>
-          </a:xfrm>
-          <a:prstGeom prst="line">
-            <a:avLst/>
-          </a:prstGeom>
-          <a:ln>
-            <a:solidFill>
-              <a:schemeClr val="bg1">
-                <a:lumMod val="50000"/>
-              </a:schemeClr>
-            </a:solidFill>
-            <a:prstDash val="dash"/>
-          </a:ln>
-        </p:spPr>
-        <p:style>
-          <a:lnRef idx="1">
-            <a:schemeClr val="accent1"/>
-          </a:lnRef>
-          <a:fillRef idx="0">
-            <a:schemeClr val="accent1"/>
-          </a:fillRef>
-          <a:effectRef idx="0">
-            <a:schemeClr val="accent1"/>
-          </a:effectRef>
-          <a:fontRef idx="minor">
-            <a:schemeClr val="tx1"/>
-          </a:fontRef>
-        </p:style>
-      </p:cxnSp>
-      <p:cxnSp>
-        <p:nvCxnSpPr>
-          <p:cNvPr id="61" name="直线箭头连接符 60"/>
-          <p:cNvCxnSpPr/>
-          <p:nvPr/>
-        </p:nvCxnSpPr>
-        <p:spPr>
-          <a:xfrm>
-            <a:off x="3056827" y="1670457"/>
-            <a:ext cx="1304317" cy="0"/>
-          </a:xfrm>
-          <a:prstGeom prst="straightConnector1">
-            <a:avLst/>
-          </a:prstGeom>
-          <a:ln w="19050">
-            <a:solidFill>
-              <a:schemeClr val="tx1"/>
-            </a:solidFill>
-            <a:tailEnd type="triangle"/>
-          </a:ln>
-        </p:spPr>
-        <p:style>
-          <a:lnRef idx="1">
-            <a:schemeClr val="accent1"/>
-          </a:lnRef>
-          <a:fillRef idx="0">
-            <a:schemeClr val="accent1"/>
-          </a:fillRef>
-          <a:effectRef idx="0">
-            <a:schemeClr val="accent1"/>
-          </a:effectRef>
-          <a:fontRef idx="minor">
-            <a:schemeClr val="tx1"/>
-          </a:fontRef>
-        </p:style>
-      </p:cxnSp>
-      <p:cxnSp>
-        <p:nvCxnSpPr>
-          <p:cNvPr id="273" name="直线箭头连接符 272"/>
-          <p:cNvCxnSpPr/>
-          <p:nvPr/>
-        </p:nvCxnSpPr>
-        <p:spPr>
-          <a:xfrm>
-            <a:off x="3012264" y="4130924"/>
-            <a:ext cx="1304317" cy="0"/>
-          </a:xfrm>
-          <a:prstGeom prst="straightConnector1">
-            <a:avLst/>
-          </a:prstGeom>
-          <a:ln w="19050">
-            <a:solidFill>
-              <a:schemeClr val="tx1"/>
-            </a:solidFill>
-            <a:tailEnd type="triangle"/>
-          </a:ln>
-        </p:spPr>
-        <p:style>
-          <a:lnRef idx="1">
-            <a:schemeClr val="accent1"/>
-          </a:lnRef>
-          <a:fillRef idx="0">
-            <a:schemeClr val="accent1"/>
-          </a:fillRef>
-          <a:effectRef idx="0">
-            <a:schemeClr val="accent1"/>
-          </a:effectRef>
-          <a:fontRef idx="minor">
-            <a:schemeClr val="tx1"/>
-          </a:fontRef>
-        </p:style>
-      </p:cxnSp>
-    </p:spTree>
-    <p:extLst>
-      <p:ext uri="{BB962C8B-B14F-4D97-AF65-F5344CB8AC3E}">
-        <p14:creationId xmlns:p14="http://schemas.microsoft.com/office/powerpoint/2010/main" val="1962035805"/>
-      </p:ext>
-    </p:extLst>
-  </p:cSld>
-  <p:clrMapOvr>
-    <a:masterClrMapping/>
-  </p:clrMapOvr>
-</p:sld>
-</file>
-
-<file path=ppt/slides/slide9.xml><?xml version="1.0" encoding="utf-8"?>
-<p:sld xmlns:a="http://schemas.openxmlformats.org/drawingml/2006/main" xmlns:r="http://schemas.openxmlformats.org/officeDocument/2006/relationships" xmlns:p="http://schemas.openxmlformats.org/presentationml/2006/main">
-  <p:cSld>
-    <p:spTree>
-      <p:nvGrpSpPr>
-        <p:cNvPr id="1" name=""/>
-        <p:cNvGrpSpPr/>
-        <p:nvPr/>
-      </p:nvGrpSpPr>
-      <p:grpSpPr>
-        <a:xfrm>
-          <a:off x="0" y="0"/>
-          <a:ext cx="0" cy="0"/>
-          <a:chOff x="0" y="0"/>
-          <a:chExt cx="0" cy="0"/>
-        </a:xfrm>
-      </p:grpSpPr>
-    </p:spTree>
-    <p:extLst>
-      <p:ext uri="{BB962C8B-B14F-4D97-AF65-F5344CB8AC3E}">
-        <p14:creationId xmlns:p14="http://schemas.microsoft.com/office/powerpoint/2010/main" val="1794918298"/>
       </p:ext>
     </p:extLst>
   </p:cSld>
@@ -18485,267 +13652,6 @@
 </file>
 
 <file path=ppt/theme/theme2.xml><?xml version="1.0" encoding="utf-8"?>
-<a:theme xmlns:a="http://schemas.openxmlformats.org/drawingml/2006/main" name="Office 主题">
-  <a:themeElements>
-    <a:clrScheme name="Office">
-      <a:dk1>
-        <a:sysClr val="windowText" lastClr="000000"/>
-      </a:dk1>
-      <a:lt1>
-        <a:sysClr val="window" lastClr="FFFFFF"/>
-      </a:lt1>
-      <a:dk2>
-        <a:srgbClr val="44546A"/>
-      </a:dk2>
-      <a:lt2>
-        <a:srgbClr val="E7E6E6"/>
-      </a:lt2>
-      <a:accent1>
-        <a:srgbClr val="4472C4"/>
-      </a:accent1>
-      <a:accent2>
-        <a:srgbClr val="ED7D31"/>
-      </a:accent2>
-      <a:accent3>
-        <a:srgbClr val="A5A5A5"/>
-      </a:accent3>
-      <a:accent4>
-        <a:srgbClr val="FFC000"/>
-      </a:accent4>
-      <a:accent5>
-        <a:srgbClr val="5B9BD5"/>
-      </a:accent5>
-      <a:accent6>
-        <a:srgbClr val="70AD47"/>
-      </a:accent6>
-      <a:hlink>
-        <a:srgbClr val="0563C1"/>
-      </a:hlink>
-      <a:folHlink>
-        <a:srgbClr val="954F72"/>
-      </a:folHlink>
-    </a:clrScheme>
-    <a:fontScheme name="Office">
-      <a:majorFont>
-        <a:latin typeface="DengXian Light" panose="020F0302020204030204"/>
-        <a:ea typeface=""/>
-        <a:cs typeface=""/>
-        <a:font script="Jpan" typeface="Yu Gothic Light"/>
-        <a:font script="Hang" typeface="맑은 고딕"/>
-        <a:font script="Hans" typeface="DengXian Light"/>
-        <a:font script="Hant" typeface="新細明體"/>
-        <a:font script="Arab" typeface="Times New Roman"/>
-        <a:font script="Hebr" typeface="Times New Roman"/>
-        <a:font script="Thai" typeface="Angsana New"/>
-        <a:font script="Ethi" typeface="Nyala"/>
-        <a:font script="Beng" typeface="Vrinda"/>
-        <a:font script="Gujr" typeface="Shruti"/>
-        <a:font script="Khmr" typeface="MoolBoran"/>
-        <a:font script="Knda" typeface="Tunga"/>
-        <a:font script="Guru" typeface="Raavi"/>
-        <a:font script="Cans" typeface="Euphemia"/>
-        <a:font script="Cher" typeface="Plantagenet Cherokee"/>
-        <a:font script="Yiii" typeface="Microsoft Yi Baiti"/>
-        <a:font script="Tibt" typeface="Microsoft Himalaya"/>
-        <a:font script="Thaa" typeface="MV Boli"/>
-        <a:font script="Deva" typeface="Mangal"/>
-        <a:font script="Telu" typeface="Gautami"/>
-        <a:font script="Taml" typeface="Latha"/>
-        <a:font script="Syrc" typeface="Estrangelo Edessa"/>
-        <a:font script="Orya" typeface="Kalinga"/>
-        <a:font script="Mlym" typeface="Kartika"/>
-        <a:font script="Laoo" typeface="DokChampa"/>
-        <a:font script="Sinh" typeface="Iskoola Pota"/>
-        <a:font script="Mong" typeface="Mongolian Baiti"/>
-        <a:font script="Viet" typeface="Times New Roman"/>
-        <a:font script="Uigh" typeface="Microsoft Uighur"/>
-        <a:font script="Geor" typeface="Sylfaen"/>
-      </a:majorFont>
-      <a:minorFont>
-        <a:latin typeface="DengXian" panose="020F0502020204030204"/>
-        <a:ea typeface=""/>
-        <a:cs typeface=""/>
-        <a:font script="Jpan" typeface="Yu Gothic"/>
-        <a:font script="Hang" typeface="맑은 고딕"/>
-        <a:font script="Hans" typeface="DengXian"/>
-        <a:font script="Hant" typeface="新細明體"/>
-        <a:font script="Arab" typeface="Arial"/>
-        <a:font script="Hebr" typeface="Arial"/>
-        <a:font script="Thai" typeface="Cordia New"/>
-        <a:font script="Ethi" typeface="Nyala"/>
-        <a:font script="Beng" typeface="Vrinda"/>
-        <a:font script="Gujr" typeface="Shruti"/>
-        <a:font script="Khmr" typeface="DaunPenh"/>
-        <a:font script="Knda" typeface="Tunga"/>
-        <a:font script="Guru" typeface="Raavi"/>
-        <a:font script="Cans" typeface="Euphemia"/>
-        <a:font script="Cher" typeface="Plantagenet Cherokee"/>
-        <a:font script="Yiii" typeface="Microsoft Yi Baiti"/>
-        <a:font script="Tibt" typeface="Microsoft Himalaya"/>
-        <a:font script="Thaa" typeface="MV Boli"/>
-        <a:font script="Deva" typeface="Mangal"/>
-        <a:font script="Telu" typeface="Gautami"/>
-        <a:font script="Taml" typeface="Latha"/>
-        <a:font script="Syrc" typeface="Estrangelo Edessa"/>
-        <a:font script="Orya" typeface="Kalinga"/>
-        <a:font script="Mlym" typeface="Kartika"/>
-        <a:font script="Laoo" typeface="DokChampa"/>
-        <a:font script="Sinh" typeface="Iskoola Pota"/>
-        <a:font script="Mong" typeface="Mongolian Baiti"/>
-        <a:font script="Viet" typeface="Arial"/>
-        <a:font script="Uigh" typeface="Microsoft Uighur"/>
-        <a:font script="Geor" typeface="Sylfaen"/>
-      </a:minorFont>
-    </a:fontScheme>
-    <a:fmtScheme name="Office">
-      <a:fillStyleLst>
-        <a:solidFill>
-          <a:schemeClr val="phClr"/>
-        </a:solidFill>
-        <a:gradFill rotWithShape="1">
-          <a:gsLst>
-            <a:gs pos="0">
-              <a:schemeClr val="phClr">
-                <a:lumMod val="110000"/>
-                <a:satMod val="105000"/>
-                <a:tint val="67000"/>
-              </a:schemeClr>
-            </a:gs>
-            <a:gs pos="50000">
-              <a:schemeClr val="phClr">
-                <a:lumMod val="105000"/>
-                <a:satMod val="103000"/>
-                <a:tint val="73000"/>
-              </a:schemeClr>
-            </a:gs>
-            <a:gs pos="100000">
-              <a:schemeClr val="phClr">
-                <a:lumMod val="105000"/>
-                <a:satMod val="109000"/>
-                <a:tint val="81000"/>
-              </a:schemeClr>
-            </a:gs>
-          </a:gsLst>
-          <a:lin ang="5400000" scaled="0"/>
-        </a:gradFill>
-        <a:gradFill rotWithShape="1">
-          <a:gsLst>
-            <a:gs pos="0">
-              <a:schemeClr val="phClr">
-                <a:satMod val="103000"/>
-                <a:lumMod val="102000"/>
-                <a:tint val="94000"/>
-              </a:schemeClr>
-            </a:gs>
-            <a:gs pos="50000">
-              <a:schemeClr val="phClr">
-                <a:satMod val="110000"/>
-                <a:lumMod val="100000"/>
-                <a:shade val="100000"/>
-              </a:schemeClr>
-            </a:gs>
-            <a:gs pos="100000">
-              <a:schemeClr val="phClr">
-                <a:lumMod val="99000"/>
-                <a:satMod val="120000"/>
-                <a:shade val="78000"/>
-              </a:schemeClr>
-            </a:gs>
-          </a:gsLst>
-          <a:lin ang="5400000" scaled="0"/>
-        </a:gradFill>
-      </a:fillStyleLst>
-      <a:lnStyleLst>
-        <a:ln w="6350" cap="flat" cmpd="sng" algn="ctr">
-          <a:solidFill>
-            <a:schemeClr val="phClr"/>
-          </a:solidFill>
-          <a:prstDash val="solid"/>
-          <a:miter lim="800000"/>
-        </a:ln>
-        <a:ln w="12700" cap="flat" cmpd="sng" algn="ctr">
-          <a:solidFill>
-            <a:schemeClr val="phClr"/>
-          </a:solidFill>
-          <a:prstDash val="solid"/>
-          <a:miter lim="800000"/>
-        </a:ln>
-        <a:ln w="19050" cap="flat" cmpd="sng" algn="ctr">
-          <a:solidFill>
-            <a:schemeClr val="phClr"/>
-          </a:solidFill>
-          <a:prstDash val="solid"/>
-          <a:miter lim="800000"/>
-        </a:ln>
-      </a:lnStyleLst>
-      <a:effectStyleLst>
-        <a:effectStyle>
-          <a:effectLst/>
-        </a:effectStyle>
-        <a:effectStyle>
-          <a:effectLst/>
-        </a:effectStyle>
-        <a:effectStyle>
-          <a:effectLst>
-            <a:outerShdw blurRad="57150" dist="19050" dir="5400000" algn="ctr" rotWithShape="0">
-              <a:srgbClr val="000000">
-                <a:alpha val="63000"/>
-              </a:srgbClr>
-            </a:outerShdw>
-          </a:effectLst>
-        </a:effectStyle>
-      </a:effectStyleLst>
-      <a:bgFillStyleLst>
-        <a:solidFill>
-          <a:schemeClr val="phClr"/>
-        </a:solidFill>
-        <a:solidFill>
-          <a:schemeClr val="phClr">
-            <a:tint val="95000"/>
-            <a:satMod val="170000"/>
-          </a:schemeClr>
-        </a:solidFill>
-        <a:gradFill rotWithShape="1">
-          <a:gsLst>
-            <a:gs pos="0">
-              <a:schemeClr val="phClr">
-                <a:tint val="93000"/>
-                <a:satMod val="150000"/>
-                <a:shade val="98000"/>
-                <a:lumMod val="102000"/>
-              </a:schemeClr>
-            </a:gs>
-            <a:gs pos="50000">
-              <a:schemeClr val="phClr">
-                <a:tint val="98000"/>
-                <a:satMod val="130000"/>
-                <a:shade val="90000"/>
-                <a:lumMod val="103000"/>
-              </a:schemeClr>
-            </a:gs>
-            <a:gs pos="100000">
-              <a:schemeClr val="phClr">
-                <a:shade val="63000"/>
-                <a:satMod val="120000"/>
-              </a:schemeClr>
-            </a:gs>
-          </a:gsLst>
-          <a:lin ang="5400000" scaled="0"/>
-        </a:gradFill>
-      </a:bgFillStyleLst>
-    </a:fmtScheme>
-  </a:themeElements>
-  <a:objectDefaults/>
-  <a:extraClrSchemeLst/>
-  <a:extLst>
-    <a:ext uri="{05A4C25C-085E-4340-85A3-A5531E510DB2}">
-      <thm15:themeFamily xmlns:thm15="http://schemas.microsoft.com/office/thememl/2012/main" name="Office Theme" id="{62F939B6-93AF-4DB8-9C6B-D6C7DFDC589F}" vid="{4A3C46E8-61CC-4603-A589-7422A47A8E4A}"/>
-    </a:ext>
-  </a:extLst>
-</a:theme>
-</file>
-
-<file path=ppt/theme/theme3.xml><?xml version="1.0" encoding="utf-8"?>
 <a:theme xmlns:a="http://schemas.openxmlformats.org/drawingml/2006/main" name="Office Theme">
   <a:themeElements>
     <a:clrScheme name="Office">
